--- a/IOT/Teck Ghee Arc/A38A39/A39.pptx
+++ b/IOT/Teck Ghee Arc/A38A39/A39.pptx
@@ -199,7 +199,7 @@
           <a:p>
             <a:fld id="{C8FF2052-032B-48F4-9870-F6486F2A5515}" type="datetimeFigureOut">
               <a:rPr lang="en-US" smtClean="0"/>
-              <a:t>10/15/2024</a:t>
+              <a:t>10/22/2024</a:t>
             </a:fld>
             <a:endParaRPr lang="en-US"/>
           </a:p>
@@ -721,7 +721,7 @@
           <a:p>
             <a:fld id="{484A7304-5407-43DA-8707-3BFFE8D5132F}" type="datetimeFigureOut">
               <a:rPr lang="en-US" smtClean="0"/>
-              <a:t>10/15/2024</a:t>
+              <a:t>10/22/2024</a:t>
             </a:fld>
             <a:endParaRPr lang="en-US"/>
           </a:p>
@@ -919,7 +919,7 @@
           <a:p>
             <a:fld id="{484A7304-5407-43DA-8707-3BFFE8D5132F}" type="datetimeFigureOut">
               <a:rPr lang="en-US" smtClean="0"/>
-              <a:t>10/15/2024</a:t>
+              <a:t>10/22/2024</a:t>
             </a:fld>
             <a:endParaRPr lang="en-US"/>
           </a:p>
@@ -1127,7 +1127,7 @@
           <a:p>
             <a:fld id="{484A7304-5407-43DA-8707-3BFFE8D5132F}" type="datetimeFigureOut">
               <a:rPr lang="en-US" smtClean="0"/>
-              <a:t>10/15/2024</a:t>
+              <a:t>10/22/2024</a:t>
             </a:fld>
             <a:endParaRPr lang="en-US"/>
           </a:p>
@@ -1325,7 +1325,7 @@
           <a:p>
             <a:fld id="{484A7304-5407-43DA-8707-3BFFE8D5132F}" type="datetimeFigureOut">
               <a:rPr lang="en-US" smtClean="0"/>
-              <a:t>10/15/2024</a:t>
+              <a:t>10/22/2024</a:t>
             </a:fld>
             <a:endParaRPr lang="en-US"/>
           </a:p>
@@ -1600,7 +1600,7 @@
           <a:p>
             <a:fld id="{484A7304-5407-43DA-8707-3BFFE8D5132F}" type="datetimeFigureOut">
               <a:rPr lang="en-US" smtClean="0"/>
-              <a:t>10/15/2024</a:t>
+              <a:t>10/22/2024</a:t>
             </a:fld>
             <a:endParaRPr lang="en-US"/>
           </a:p>
@@ -1865,7 +1865,7 @@
           <a:p>
             <a:fld id="{484A7304-5407-43DA-8707-3BFFE8D5132F}" type="datetimeFigureOut">
               <a:rPr lang="en-US" smtClean="0"/>
-              <a:t>10/15/2024</a:t>
+              <a:t>10/22/2024</a:t>
             </a:fld>
             <a:endParaRPr lang="en-US"/>
           </a:p>
@@ -2277,7 +2277,7 @@
           <a:p>
             <a:fld id="{484A7304-5407-43DA-8707-3BFFE8D5132F}" type="datetimeFigureOut">
               <a:rPr lang="en-US" smtClean="0"/>
-              <a:t>10/15/2024</a:t>
+              <a:t>10/22/2024</a:t>
             </a:fld>
             <a:endParaRPr lang="en-US"/>
           </a:p>
@@ -2418,7 +2418,7 @@
           <a:p>
             <a:fld id="{484A7304-5407-43DA-8707-3BFFE8D5132F}" type="datetimeFigureOut">
               <a:rPr lang="en-US" smtClean="0"/>
-              <a:t>10/15/2024</a:t>
+              <a:t>10/22/2024</a:t>
             </a:fld>
             <a:endParaRPr lang="en-US"/>
           </a:p>
@@ -2531,7 +2531,7 @@
           <a:p>
             <a:fld id="{484A7304-5407-43DA-8707-3BFFE8D5132F}" type="datetimeFigureOut">
               <a:rPr lang="en-US" smtClean="0"/>
-              <a:t>10/15/2024</a:t>
+              <a:t>10/22/2024</a:t>
             </a:fld>
             <a:endParaRPr lang="en-US"/>
           </a:p>
@@ -2842,7 +2842,7 @@
           <a:p>
             <a:fld id="{484A7304-5407-43DA-8707-3BFFE8D5132F}" type="datetimeFigureOut">
               <a:rPr lang="en-US" smtClean="0"/>
-              <a:t>10/15/2024</a:t>
+              <a:t>10/22/2024</a:t>
             </a:fld>
             <a:endParaRPr lang="en-US"/>
           </a:p>
@@ -3130,7 +3130,7 @@
           <a:p>
             <a:fld id="{484A7304-5407-43DA-8707-3BFFE8D5132F}" type="datetimeFigureOut">
               <a:rPr lang="en-US" smtClean="0"/>
-              <a:t>10/15/2024</a:t>
+              <a:t>10/22/2024</a:t>
             </a:fld>
             <a:endParaRPr lang="en-US"/>
           </a:p>
@@ -3371,7 +3371,7 @@
           <a:p>
             <a:fld id="{484A7304-5407-43DA-8707-3BFFE8D5132F}" type="datetimeFigureOut">
               <a:rPr lang="en-US" smtClean="0"/>
-              <a:t>10/15/2024</a:t>
+              <a:t>10/22/2024</a:t>
             </a:fld>
             <a:endParaRPr lang="en-US"/>
           </a:p>
@@ -3846,6 +3846,42 @@
           <a:chExt cx="0" cy="0"/>
         </a:xfrm>
       </p:grpSpPr>
+      <p:pic>
+        <p:nvPicPr>
+          <p:cNvPr id="3" name="Picture 2">
+            <a:extLst>
+              <a:ext uri="{FF2B5EF4-FFF2-40B4-BE49-F238E27FC236}">
+                <a16:creationId xmlns:a16="http://schemas.microsoft.com/office/drawing/2014/main" id="{7C01D3E5-CBDA-B84F-43C4-B14066B5CA15}"/>
+              </a:ext>
+            </a:extLst>
+          </p:cNvPr>
+          <p:cNvPicPr>
+            <a:picLocks noChangeAspect="1"/>
+          </p:cNvPicPr>
+          <p:nvPr/>
+        </p:nvPicPr>
+        <p:blipFill>
+          <a:blip r:embed="rId2">
+            <a:extLst>
+              <a:ext uri="{28A0092B-C50C-407E-A947-70E740481C1C}">
+                <a14:useLocalDpi xmlns:a14="http://schemas.microsoft.com/office/drawing/2010/main" val="0"/>
+              </a:ext>
+            </a:extLst>
+          </a:blip>
+          <a:srcRect/>
+          <a:stretch/>
+        </p:blipFill>
+        <p:spPr>
+          <a:xfrm rot="20313256">
+            <a:off x="-246204" y="-1656438"/>
+            <a:ext cx="11749711" cy="6683097"/>
+          </a:xfrm>
+          <a:prstGeom prst="rect">
+            <a:avLst/>
+          </a:prstGeom>
+          <a:noFill/>
+        </p:spPr>
+      </p:pic>
       <p:sp>
         <p:nvSpPr>
           <p:cNvPr id="2" name="TextBox 1">
@@ -3889,42 +3925,6 @@
           </a:p>
         </p:txBody>
       </p:sp>
-      <p:pic>
-        <p:nvPicPr>
-          <p:cNvPr id="4" name="Picture 3">
-            <a:extLst>
-              <a:ext uri="{FF2B5EF4-FFF2-40B4-BE49-F238E27FC236}">
-                <a16:creationId xmlns:a16="http://schemas.microsoft.com/office/drawing/2014/main" id="{89994711-FF02-03D5-89EC-FA2080086D7C}"/>
-              </a:ext>
-            </a:extLst>
-          </p:cNvPr>
-          <p:cNvPicPr>
-            <a:picLocks noChangeAspect="1"/>
-          </p:cNvPicPr>
-          <p:nvPr/>
-        </p:nvPicPr>
-        <p:blipFill>
-          <a:blip r:embed="rId2">
-            <a:extLst>
-              <a:ext uri="{28A0092B-C50C-407E-A947-70E740481C1C}">
-                <a14:useLocalDpi xmlns:a14="http://schemas.microsoft.com/office/drawing/2010/main" val="0"/>
-              </a:ext>
-            </a:extLst>
-          </a:blip>
-          <a:srcRect/>
-          <a:stretch/>
-        </p:blipFill>
-        <p:spPr>
-          <a:xfrm>
-            <a:off x="120560" y="34506"/>
-            <a:ext cx="10537967" cy="5445457"/>
-          </a:xfrm>
-          <a:prstGeom prst="rect">
-            <a:avLst/>
-          </a:prstGeom>
-          <a:noFill/>
-        </p:spPr>
-      </p:pic>
     </p:spTree>
     <p:extLst>
       <p:ext uri="{BB962C8B-B14F-4D97-AF65-F5344CB8AC3E}">
@@ -3987,9 +3987,9 @@
           <a:stretch/>
         </p:blipFill>
         <p:spPr>
-          <a:xfrm>
-            <a:off x="120560" y="34506"/>
-            <a:ext cx="10537967" cy="5445457"/>
+          <a:xfrm rot="20313256">
+            <a:off x="-246204" y="-1656438"/>
+            <a:ext cx="11749711" cy="6683097"/>
           </a:xfrm>
           <a:prstGeom prst="rect">
             <a:avLst/>
@@ -4067,10 +4067,10 @@
       </p:sp>
       <p:grpSp>
         <p:nvGrpSpPr>
-          <p:cNvPr id="1133" name="CarPark">
+          <p:cNvPr id="8" name="Group 7">
             <a:extLst>
               <a:ext uri="{FF2B5EF4-FFF2-40B4-BE49-F238E27FC236}">
-                <a16:creationId xmlns:a16="http://schemas.microsoft.com/office/drawing/2014/main" id="{8CA6B0A5-F2D1-B3C1-26A1-3D9AEC45031D}"/>
+                <a16:creationId xmlns:a16="http://schemas.microsoft.com/office/drawing/2014/main" id="{8175ED42-A3D4-AE71-3B1C-F34E1B0FA274}"/>
               </a:ext>
             </a:extLst>
           </p:cNvPr>
@@ -4078,401 +4078,19 @@
           <p:nvPr/>
         </p:nvGrpSpPr>
         <p:grpSpPr>
-          <a:xfrm rot="1200000">
-            <a:off x="166263" y="3126667"/>
-            <a:ext cx="9703691" cy="1252728"/>
-            <a:chOff x="2064904" y="2870800"/>
-            <a:chExt cx="9703691" cy="1252728"/>
+          <a:xfrm>
+            <a:off x="102884" y="-234180"/>
+            <a:ext cx="12089116" cy="3995472"/>
+            <a:chOff x="536517" y="2329919"/>
+            <a:chExt cx="10587169" cy="3220505"/>
           </a:xfrm>
         </p:grpSpPr>
-        <p:cxnSp>
-          <p:nvCxnSpPr>
-            <p:cNvPr id="7" name="Straight Connector 6">
+        <p:grpSp>
+          <p:nvGrpSpPr>
+            <p:cNvPr id="1133" name="CarPark">
               <a:extLst>
                 <a:ext uri="{FF2B5EF4-FFF2-40B4-BE49-F238E27FC236}">
-                  <a16:creationId xmlns:a16="http://schemas.microsoft.com/office/drawing/2014/main" id="{3320B1B2-F7C7-97B9-F2DF-253FE3BC6101}"/>
-                </a:ext>
-              </a:extLst>
-            </p:cNvPr>
-            <p:cNvCxnSpPr/>
-            <p:nvPr/>
-          </p:nvCxnSpPr>
-          <p:spPr>
-            <a:xfrm flipH="1">
-              <a:off x="2067286" y="4116961"/>
-              <a:ext cx="6144768" cy="0"/>
-            </a:xfrm>
-            <a:prstGeom prst="line">
-              <a:avLst/>
-            </a:prstGeom>
-            <a:ln w="19050">
-              <a:solidFill>
-                <a:schemeClr val="tx1"/>
-              </a:solidFill>
-            </a:ln>
-          </p:spPr>
-          <p:style>
-            <a:lnRef idx="1">
-              <a:schemeClr val="accent1"/>
-            </a:lnRef>
-            <a:fillRef idx="0">
-              <a:schemeClr val="accent1"/>
-            </a:fillRef>
-            <a:effectRef idx="0">
-              <a:schemeClr val="accent1"/>
-            </a:effectRef>
-            <a:fontRef idx="minor">
-              <a:schemeClr val="tx1"/>
-            </a:fontRef>
-          </p:style>
-        </p:cxnSp>
-        <p:cxnSp>
-          <p:nvCxnSpPr>
-            <p:cNvPr id="10" name="Straight Connector 9">
-              <a:extLst>
-                <a:ext uri="{FF2B5EF4-FFF2-40B4-BE49-F238E27FC236}">
-                  <a16:creationId xmlns:a16="http://schemas.microsoft.com/office/drawing/2014/main" id="{387FB4C6-767B-B877-D3CD-6C9B093B5DA1}"/>
-                </a:ext>
-              </a:extLst>
-            </p:cNvPr>
-            <p:cNvCxnSpPr/>
-            <p:nvPr/>
-          </p:nvCxnSpPr>
-          <p:spPr>
-            <a:xfrm flipH="1">
-              <a:off x="2064904" y="2880299"/>
-              <a:ext cx="6528816" cy="0"/>
-            </a:xfrm>
-            <a:prstGeom prst="line">
-              <a:avLst/>
-            </a:prstGeom>
-            <a:ln w="19050">
-              <a:solidFill>
-                <a:schemeClr val="tx1"/>
-              </a:solidFill>
-            </a:ln>
-          </p:spPr>
-          <p:style>
-            <a:lnRef idx="1">
-              <a:schemeClr val="accent1"/>
-            </a:lnRef>
-            <a:fillRef idx="0">
-              <a:schemeClr val="accent1"/>
-            </a:fillRef>
-            <a:effectRef idx="0">
-              <a:schemeClr val="accent1"/>
-            </a:effectRef>
-            <a:fontRef idx="minor">
-              <a:schemeClr val="tx1"/>
-            </a:fontRef>
-          </p:style>
-        </p:cxnSp>
-        <p:cxnSp>
-          <p:nvCxnSpPr>
-            <p:cNvPr id="24" name="Straight Connector 23">
-              <a:extLst>
-                <a:ext uri="{FF2B5EF4-FFF2-40B4-BE49-F238E27FC236}">
-                  <a16:creationId xmlns:a16="http://schemas.microsoft.com/office/drawing/2014/main" id="{5FB93C5D-2F33-CF28-68B4-40B58D6B9170}"/>
-                </a:ext>
-              </a:extLst>
-            </p:cNvPr>
-            <p:cNvCxnSpPr/>
-            <p:nvPr/>
-          </p:nvCxnSpPr>
-          <p:spPr>
-            <a:xfrm flipH="1">
-              <a:off x="2072861" y="2870800"/>
-              <a:ext cx="0" cy="1252728"/>
-            </a:xfrm>
-            <a:prstGeom prst="line">
-              <a:avLst/>
-            </a:prstGeom>
-            <a:ln w="19050"/>
-          </p:spPr>
-          <p:style>
-            <a:lnRef idx="1">
-              <a:schemeClr val="dk1"/>
-            </a:lnRef>
-            <a:fillRef idx="0">
-              <a:schemeClr val="dk1"/>
-            </a:fillRef>
-            <a:effectRef idx="0">
-              <a:schemeClr val="dk1"/>
-            </a:effectRef>
-            <a:fontRef idx="minor">
-              <a:schemeClr val="tx1"/>
-            </a:fontRef>
-          </p:style>
-        </p:cxnSp>
-        <p:cxnSp>
-          <p:nvCxnSpPr>
-            <p:cNvPr id="26" name="Straight Connector 25">
-              <a:extLst>
-                <a:ext uri="{FF2B5EF4-FFF2-40B4-BE49-F238E27FC236}">
-                  <a16:creationId xmlns:a16="http://schemas.microsoft.com/office/drawing/2014/main" id="{B31438A0-7E1B-9BF8-532B-038C1E60BF88}"/>
-                </a:ext>
-              </a:extLst>
-            </p:cNvPr>
-            <p:cNvCxnSpPr/>
-            <p:nvPr/>
-          </p:nvCxnSpPr>
-          <p:spPr>
-            <a:xfrm flipH="1">
-              <a:off x="8206984" y="3391359"/>
-              <a:ext cx="0" cy="731520"/>
-            </a:xfrm>
-            <a:prstGeom prst="line">
-              <a:avLst/>
-            </a:prstGeom>
-            <a:ln w="19050"/>
-          </p:spPr>
-          <p:style>
-            <a:lnRef idx="1">
-              <a:schemeClr val="dk1"/>
-            </a:lnRef>
-            <a:fillRef idx="0">
-              <a:schemeClr val="dk1"/>
-            </a:fillRef>
-            <a:effectRef idx="0">
-              <a:schemeClr val="dk1"/>
-            </a:effectRef>
-            <a:fontRef idx="minor">
-              <a:schemeClr val="tx1"/>
-            </a:fontRef>
-          </p:style>
-        </p:cxnSp>
-        <p:cxnSp>
-          <p:nvCxnSpPr>
-            <p:cNvPr id="28" name="Straight Connector 27">
-              <a:extLst>
-                <a:ext uri="{FF2B5EF4-FFF2-40B4-BE49-F238E27FC236}">
-                  <a16:creationId xmlns:a16="http://schemas.microsoft.com/office/drawing/2014/main" id="{97CF2BB8-0708-EE84-8BED-F4693A7E7B05}"/>
-                </a:ext>
-              </a:extLst>
-            </p:cNvPr>
-            <p:cNvCxnSpPr/>
-            <p:nvPr/>
-          </p:nvCxnSpPr>
-          <p:spPr>
-            <a:xfrm flipH="1">
-              <a:off x="8592842" y="2873156"/>
-              <a:ext cx="0" cy="182880"/>
-            </a:xfrm>
-            <a:prstGeom prst="line">
-              <a:avLst/>
-            </a:prstGeom>
-            <a:ln w="19050"/>
-          </p:spPr>
-          <p:style>
-            <a:lnRef idx="1">
-              <a:schemeClr val="dk1"/>
-            </a:lnRef>
-            <a:fillRef idx="0">
-              <a:schemeClr val="dk1"/>
-            </a:fillRef>
-            <a:effectRef idx="0">
-              <a:schemeClr val="dk1"/>
-            </a:effectRef>
-            <a:fontRef idx="minor">
-              <a:schemeClr val="tx1"/>
-            </a:fontRef>
-          </p:style>
-        </p:cxnSp>
-        <p:cxnSp>
-          <p:nvCxnSpPr>
-            <p:cNvPr id="29" name="Straight Connector 28">
-              <a:extLst>
-                <a:ext uri="{FF2B5EF4-FFF2-40B4-BE49-F238E27FC236}">
-                  <a16:creationId xmlns:a16="http://schemas.microsoft.com/office/drawing/2014/main" id="{27BDA69A-11C1-462B-3F70-BEFAC9C2600F}"/>
-                </a:ext>
-              </a:extLst>
-            </p:cNvPr>
-            <p:cNvCxnSpPr/>
-            <p:nvPr/>
-          </p:nvCxnSpPr>
-          <p:spPr>
-            <a:xfrm flipH="1">
-              <a:off x="8586577" y="3048893"/>
-              <a:ext cx="3063240" cy="0"/>
-            </a:xfrm>
-            <a:prstGeom prst="line">
-              <a:avLst/>
-            </a:prstGeom>
-            <a:ln w="19050">
-              <a:solidFill>
-                <a:schemeClr val="tx1"/>
-              </a:solidFill>
-            </a:ln>
-          </p:spPr>
-          <p:style>
-            <a:lnRef idx="1">
-              <a:schemeClr val="accent1"/>
-            </a:lnRef>
-            <a:fillRef idx="0">
-              <a:schemeClr val="accent1"/>
-            </a:fillRef>
-            <a:effectRef idx="0">
-              <a:schemeClr val="accent1"/>
-            </a:effectRef>
-            <a:fontRef idx="minor">
-              <a:schemeClr val="tx1"/>
-            </a:fontRef>
-          </p:style>
-        </p:cxnSp>
-        <p:cxnSp>
-          <p:nvCxnSpPr>
-            <p:cNvPr id="30" name="Straight Connector 29">
-              <a:extLst>
-                <a:ext uri="{FF2B5EF4-FFF2-40B4-BE49-F238E27FC236}">
-                  <a16:creationId xmlns:a16="http://schemas.microsoft.com/office/drawing/2014/main" id="{085A1369-D2A1-DC38-0639-C05BD267E42C}"/>
-                </a:ext>
-              </a:extLst>
-            </p:cNvPr>
-            <p:cNvCxnSpPr/>
-            <p:nvPr/>
-          </p:nvCxnSpPr>
-          <p:spPr>
-            <a:xfrm flipH="1">
-              <a:off x="9756915" y="3370714"/>
-              <a:ext cx="2011680" cy="0"/>
-            </a:xfrm>
-            <a:prstGeom prst="line">
-              <a:avLst/>
-            </a:prstGeom>
-            <a:ln w="19050">
-              <a:solidFill>
-                <a:schemeClr val="tx1"/>
-              </a:solidFill>
-            </a:ln>
-          </p:spPr>
-          <p:style>
-            <a:lnRef idx="1">
-              <a:schemeClr val="accent1"/>
-            </a:lnRef>
-            <a:fillRef idx="0">
-              <a:schemeClr val="accent1"/>
-            </a:fillRef>
-            <a:effectRef idx="0">
-              <a:schemeClr val="accent1"/>
-            </a:effectRef>
-            <a:fontRef idx="minor">
-              <a:schemeClr val="tx1"/>
-            </a:fontRef>
-          </p:style>
-        </p:cxnSp>
-      </p:grpSp>
-      <p:grpSp>
-        <p:nvGrpSpPr>
-          <p:cNvPr id="32" name="building">
-            <a:extLst>
-              <a:ext uri="{FF2B5EF4-FFF2-40B4-BE49-F238E27FC236}">
-                <a16:creationId xmlns:a16="http://schemas.microsoft.com/office/drawing/2014/main" id="{5804A02F-ECE1-A535-7D15-522383E826A3}"/>
-              </a:ext>
-            </a:extLst>
-          </p:cNvPr>
-          <p:cNvGrpSpPr/>
-          <p:nvPr/>
-        </p:nvGrpSpPr>
-        <p:grpSpPr>
-          <a:xfrm rot="1200000">
-            <a:off x="1024933" y="1427384"/>
-            <a:ext cx="3078952" cy="600809"/>
-            <a:chOff x="1461537" y="1655064"/>
-            <a:chExt cx="2807686" cy="465909"/>
-          </a:xfrm>
-        </p:grpSpPr>
-        <p:cxnSp>
-          <p:nvCxnSpPr>
-            <p:cNvPr id="33" name="Straight Connector 32">
-              <a:extLst>
-                <a:ext uri="{FF2B5EF4-FFF2-40B4-BE49-F238E27FC236}">
-                  <a16:creationId xmlns:a16="http://schemas.microsoft.com/office/drawing/2014/main" id="{B7F5ECE9-190F-EB6F-882B-3281E4E7ACFE}"/>
-                </a:ext>
-              </a:extLst>
-            </p:cNvPr>
-            <p:cNvCxnSpPr>
-              <a:cxnSpLocks/>
-            </p:cNvCxnSpPr>
-            <p:nvPr/>
-          </p:nvCxnSpPr>
-          <p:spPr>
-            <a:xfrm flipH="1">
-              <a:off x="2330695" y="2055019"/>
-              <a:ext cx="1938528" cy="0"/>
-            </a:xfrm>
-            <a:prstGeom prst="line">
-              <a:avLst/>
-            </a:prstGeom>
-            <a:ln w="19050">
-              <a:solidFill>
-                <a:schemeClr val="tx1"/>
-              </a:solidFill>
-            </a:ln>
-          </p:spPr>
-          <p:style>
-            <a:lnRef idx="1">
-              <a:schemeClr val="accent1"/>
-            </a:lnRef>
-            <a:fillRef idx="0">
-              <a:schemeClr val="accent1"/>
-            </a:fillRef>
-            <a:effectRef idx="0">
-              <a:schemeClr val="accent1"/>
-            </a:effectRef>
-            <a:fontRef idx="minor">
-              <a:schemeClr val="tx1"/>
-            </a:fontRef>
-          </p:style>
-        </p:cxnSp>
-        <p:cxnSp>
-          <p:nvCxnSpPr>
-            <p:cNvPr id="35" name="Straight Connector 34">
-              <a:extLst>
-                <a:ext uri="{FF2B5EF4-FFF2-40B4-BE49-F238E27FC236}">
-                  <a16:creationId xmlns:a16="http://schemas.microsoft.com/office/drawing/2014/main" id="{EA7FCA6B-C81A-5331-55A3-8614FD185032}"/>
-                </a:ext>
-              </a:extLst>
-            </p:cNvPr>
-            <p:cNvCxnSpPr>
-              <a:cxnSpLocks/>
-            </p:cNvCxnSpPr>
-            <p:nvPr/>
-          </p:nvCxnSpPr>
-          <p:spPr>
-            <a:xfrm flipH="1">
-              <a:off x="1461537" y="2057400"/>
-              <a:ext cx="667512" cy="0"/>
-            </a:xfrm>
-            <a:prstGeom prst="line">
-              <a:avLst/>
-            </a:prstGeom>
-            <a:ln w="19050">
-              <a:solidFill>
-                <a:schemeClr val="tx1"/>
-              </a:solidFill>
-            </a:ln>
-          </p:spPr>
-          <p:style>
-            <a:lnRef idx="1">
-              <a:schemeClr val="accent1"/>
-            </a:lnRef>
-            <a:fillRef idx="0">
-              <a:schemeClr val="accent1"/>
-            </a:fillRef>
-            <a:effectRef idx="0">
-              <a:schemeClr val="accent1"/>
-            </a:effectRef>
-            <a:fontRef idx="minor">
-              <a:schemeClr val="tx1"/>
-            </a:fontRef>
-          </p:style>
-        </p:cxnSp>
-        <p:grpSp>
-          <p:nvGrpSpPr>
-            <p:cNvPr id="36" name="Group 35">
-              <a:extLst>
-                <a:ext uri="{FF2B5EF4-FFF2-40B4-BE49-F238E27FC236}">
-                  <a16:creationId xmlns:a16="http://schemas.microsoft.com/office/drawing/2014/main" id="{CD80B527-BFB0-9C33-07F4-059139918507}"/>
+                  <a16:creationId xmlns:a16="http://schemas.microsoft.com/office/drawing/2014/main" id="{8CA6B0A5-F2D1-B3C1-26A1-3D9AEC45031D}"/>
                 </a:ext>
               </a:extLst>
             </p:cNvPr>
@@ -4480,31 +4098,29 @@
             <p:nvPr/>
           </p:nvGrpSpPr>
           <p:grpSpPr>
-            <a:xfrm>
-              <a:off x="2114952" y="2048637"/>
-              <a:ext cx="227348" cy="67574"/>
-              <a:chOff x="1587752" y="2527064"/>
-              <a:chExt cx="365760" cy="310897"/>
+            <a:xfrm rot="21591747">
+              <a:off x="536517" y="4297696"/>
+              <a:ext cx="9703691" cy="1252728"/>
+              <a:chOff x="2064904" y="2870800"/>
+              <a:chExt cx="9703691" cy="1252728"/>
             </a:xfrm>
           </p:grpSpPr>
           <p:cxnSp>
             <p:nvCxnSpPr>
-              <p:cNvPr id="882" name="Straight Connector 881">
+              <p:cNvPr id="7" name="Straight Connector 6">
                 <a:extLst>
                   <a:ext uri="{FF2B5EF4-FFF2-40B4-BE49-F238E27FC236}">
-                    <a16:creationId xmlns:a16="http://schemas.microsoft.com/office/drawing/2014/main" id="{74C327F2-AA52-2F60-E579-33C0C11FD522}"/>
+                    <a16:creationId xmlns:a16="http://schemas.microsoft.com/office/drawing/2014/main" id="{3320B1B2-F7C7-97B9-F2DF-253FE3BC6101}"/>
                   </a:ext>
                 </a:extLst>
               </p:cNvPr>
-              <p:cNvCxnSpPr>
-                <a:cxnSpLocks/>
-              </p:cNvCxnSpPr>
+              <p:cNvCxnSpPr/>
               <p:nvPr/>
             </p:nvCxnSpPr>
             <p:spPr>
               <a:xfrm flipH="1">
-                <a:off x="1587752" y="2828685"/>
-                <a:ext cx="365760" cy="0"/>
+                <a:off x="2067286" y="4116961"/>
+                <a:ext cx="6144768" cy="0"/>
               </a:xfrm>
               <a:prstGeom prst="line">
                 <a:avLst/>
@@ -4532,10 +4148,10 @@
           </p:cxnSp>
           <p:cxnSp>
             <p:nvCxnSpPr>
-              <p:cNvPr id="883" name="Straight Connector 882">
+              <p:cNvPr id="10" name="Straight Connector 9">
                 <a:extLst>
                   <a:ext uri="{FF2B5EF4-FFF2-40B4-BE49-F238E27FC236}">
-                    <a16:creationId xmlns:a16="http://schemas.microsoft.com/office/drawing/2014/main" id="{F7FC099C-5081-CF3D-3755-D1441F1394A0}"/>
+                    <a16:creationId xmlns:a16="http://schemas.microsoft.com/office/drawing/2014/main" id="{387FB4C6-767B-B877-D3CD-6C9B093B5DA1}"/>
                   </a:ext>
                 </a:extLst>
               </p:cNvPr>
@@ -4543,143 +4159,9 @@
               <p:nvPr/>
             </p:nvCxnSpPr>
             <p:spPr>
-              <a:xfrm flipH="1" flipV="1">
-                <a:off x="1597276" y="2527065"/>
-                <a:ext cx="0" cy="310896"/>
-              </a:xfrm>
-              <a:prstGeom prst="line">
-                <a:avLst/>
-              </a:prstGeom>
-              <a:ln w="19050"/>
-            </p:spPr>
-            <p:style>
-              <a:lnRef idx="1">
-                <a:schemeClr val="dk1"/>
-              </a:lnRef>
-              <a:fillRef idx="0">
-                <a:schemeClr val="dk1"/>
-              </a:fillRef>
-              <a:effectRef idx="0">
-                <a:schemeClr val="dk1"/>
-              </a:effectRef>
-              <a:fontRef idx="minor">
-                <a:schemeClr val="tx1"/>
-              </a:fontRef>
-            </p:style>
-          </p:cxnSp>
-          <p:cxnSp>
-            <p:nvCxnSpPr>
-              <p:cNvPr id="884" name="Straight Connector 883">
-                <a:extLst>
-                  <a:ext uri="{FF2B5EF4-FFF2-40B4-BE49-F238E27FC236}">
-                    <a16:creationId xmlns:a16="http://schemas.microsoft.com/office/drawing/2014/main" id="{33A971D7-BC22-B930-6069-5C1FB3EDF7A0}"/>
-                  </a:ext>
-                </a:extLst>
-              </p:cNvPr>
-              <p:cNvCxnSpPr/>
-              <p:nvPr/>
-            </p:nvCxnSpPr>
-            <p:spPr>
-              <a:xfrm flipH="1" flipV="1">
-                <a:off x="1944939" y="2527064"/>
-                <a:ext cx="0" cy="310896"/>
-              </a:xfrm>
-              <a:prstGeom prst="line">
-                <a:avLst/>
-              </a:prstGeom>
-              <a:ln w="19050"/>
-            </p:spPr>
-            <p:style>
-              <a:lnRef idx="1">
-                <a:schemeClr val="dk1"/>
-              </a:lnRef>
-              <a:fillRef idx="0">
-                <a:schemeClr val="dk1"/>
-              </a:fillRef>
-              <a:effectRef idx="0">
-                <a:schemeClr val="dk1"/>
-              </a:effectRef>
-              <a:fontRef idx="minor">
-                <a:schemeClr val="tx1"/>
-              </a:fontRef>
-            </p:style>
-          </p:cxnSp>
-        </p:grpSp>
-        <p:grpSp>
-          <p:nvGrpSpPr>
-            <p:cNvPr id="37" name="Group 36">
-              <a:extLst>
-                <a:ext uri="{FF2B5EF4-FFF2-40B4-BE49-F238E27FC236}">
-                  <a16:creationId xmlns:a16="http://schemas.microsoft.com/office/drawing/2014/main" id="{78CD1962-07C8-D0A2-E198-283F4417BD07}"/>
-                </a:ext>
-              </a:extLst>
-            </p:cNvPr>
-            <p:cNvGrpSpPr/>
-            <p:nvPr/>
-          </p:nvGrpSpPr>
-          <p:grpSpPr>
-            <a:xfrm>
-              <a:off x="1461537" y="1655064"/>
-              <a:ext cx="359285" cy="408343"/>
-              <a:chOff x="1461537" y="1658107"/>
-              <a:chExt cx="359285" cy="408343"/>
-            </a:xfrm>
-          </p:grpSpPr>
-          <p:cxnSp>
-            <p:nvCxnSpPr>
-              <p:cNvPr id="876" name="Straight Connector 875">
-                <a:extLst>
-                  <a:ext uri="{FF2B5EF4-FFF2-40B4-BE49-F238E27FC236}">
-                    <a16:creationId xmlns:a16="http://schemas.microsoft.com/office/drawing/2014/main" id="{B3975CBA-7D3E-73B3-FF8B-FA8C6B20FD0F}"/>
-                  </a:ext>
-                </a:extLst>
-              </p:cNvPr>
-              <p:cNvCxnSpPr/>
-              <p:nvPr/>
-            </p:nvCxnSpPr>
-            <p:spPr>
-              <a:xfrm flipH="1" flipV="1">
-                <a:off x="1470779" y="1865282"/>
-                <a:ext cx="0" cy="201168"/>
-              </a:xfrm>
-              <a:prstGeom prst="line">
-                <a:avLst/>
-              </a:prstGeom>
-              <a:ln w="19050"/>
-            </p:spPr>
-            <p:style>
-              <a:lnRef idx="1">
-                <a:schemeClr val="dk1"/>
-              </a:lnRef>
-              <a:fillRef idx="0">
-                <a:schemeClr val="dk1"/>
-              </a:fillRef>
-              <a:effectRef idx="0">
-                <a:schemeClr val="dk1"/>
-              </a:effectRef>
-              <a:fontRef idx="minor">
-                <a:schemeClr val="tx1"/>
-              </a:fontRef>
-            </p:style>
-          </p:cxnSp>
-          <p:cxnSp>
-            <p:nvCxnSpPr>
-              <p:cNvPr id="877" name="Straight Connector 876">
-                <a:extLst>
-                  <a:ext uri="{FF2B5EF4-FFF2-40B4-BE49-F238E27FC236}">
-                    <a16:creationId xmlns:a16="http://schemas.microsoft.com/office/drawing/2014/main" id="{5A5E9079-E52D-1460-8467-D94CA9F97C54}"/>
-                  </a:ext>
-                </a:extLst>
-              </p:cNvPr>
-              <p:cNvCxnSpPr>
-                <a:cxnSpLocks/>
-              </p:cNvCxnSpPr>
-              <p:nvPr/>
-            </p:nvCxnSpPr>
-            <p:spPr>
               <a:xfrm flipH="1">
-                <a:off x="1461537" y="1865875"/>
-                <a:ext cx="45720" cy="0"/>
+                <a:off x="2064904" y="2880299"/>
+                <a:ext cx="6528816" cy="0"/>
               </a:xfrm>
               <a:prstGeom prst="line">
                 <a:avLst/>
@@ -4707,10 +4189,10 @@
           </p:cxnSp>
           <p:cxnSp>
             <p:nvCxnSpPr>
-              <p:cNvPr id="878" name="Straight Connector 877">
+              <p:cNvPr id="24" name="Straight Connector 23">
                 <a:extLst>
                   <a:ext uri="{FF2B5EF4-FFF2-40B4-BE49-F238E27FC236}">
-                    <a16:creationId xmlns:a16="http://schemas.microsoft.com/office/drawing/2014/main" id="{95D225A1-FFBB-A1CA-BDB1-45F332BAFC2F}"/>
+                    <a16:creationId xmlns:a16="http://schemas.microsoft.com/office/drawing/2014/main" id="{5FB93C5D-2F33-CF28-68B4-40B58D6B9170}"/>
                   </a:ext>
                 </a:extLst>
               </p:cNvPr>
@@ -4718,9 +4200,9 @@
               <p:nvPr/>
             </p:nvCxnSpPr>
             <p:spPr>
-              <a:xfrm flipH="1" flipV="1">
-                <a:off x="1496975" y="1715259"/>
-                <a:ext cx="0" cy="155448"/>
+              <a:xfrm flipH="1">
+                <a:off x="2072861" y="2870800"/>
+                <a:ext cx="0" cy="1252728"/>
               </a:xfrm>
               <a:prstGeom prst="line">
                 <a:avLst/>
@@ -4744,22 +4226,94 @@
           </p:cxnSp>
           <p:cxnSp>
             <p:nvCxnSpPr>
-              <p:cNvPr id="879" name="Straight Connector 878">
+              <p:cNvPr id="26" name="Straight Connector 25">
                 <a:extLst>
                   <a:ext uri="{FF2B5EF4-FFF2-40B4-BE49-F238E27FC236}">
-                    <a16:creationId xmlns:a16="http://schemas.microsoft.com/office/drawing/2014/main" id="{D013249F-BA42-8A60-7701-13CA57C3BFF2}"/>
+                    <a16:creationId xmlns:a16="http://schemas.microsoft.com/office/drawing/2014/main" id="{B31438A0-7E1B-9BF8-532B-038C1E60BF88}"/>
                   </a:ext>
                 </a:extLst>
               </p:cNvPr>
-              <p:cNvCxnSpPr>
-                <a:cxnSpLocks/>
-              </p:cNvCxnSpPr>
+              <p:cNvCxnSpPr/>
               <p:nvPr/>
             </p:nvCxnSpPr>
             <p:spPr>
               <a:xfrm flipH="1">
-                <a:off x="1490114" y="1722997"/>
-                <a:ext cx="45720" cy="0"/>
+                <a:off x="8206984" y="3391359"/>
+                <a:ext cx="0" cy="731520"/>
+              </a:xfrm>
+              <a:prstGeom prst="line">
+                <a:avLst/>
+              </a:prstGeom>
+              <a:ln w="19050"/>
+            </p:spPr>
+            <p:style>
+              <a:lnRef idx="1">
+                <a:schemeClr val="dk1"/>
+              </a:lnRef>
+              <a:fillRef idx="0">
+                <a:schemeClr val="dk1"/>
+              </a:fillRef>
+              <a:effectRef idx="0">
+                <a:schemeClr val="dk1"/>
+              </a:effectRef>
+              <a:fontRef idx="minor">
+                <a:schemeClr val="tx1"/>
+              </a:fontRef>
+            </p:style>
+          </p:cxnSp>
+          <p:cxnSp>
+            <p:nvCxnSpPr>
+              <p:cNvPr id="28" name="Straight Connector 27">
+                <a:extLst>
+                  <a:ext uri="{FF2B5EF4-FFF2-40B4-BE49-F238E27FC236}">
+                    <a16:creationId xmlns:a16="http://schemas.microsoft.com/office/drawing/2014/main" id="{97CF2BB8-0708-EE84-8BED-F4693A7E7B05}"/>
+                  </a:ext>
+                </a:extLst>
+              </p:cNvPr>
+              <p:cNvCxnSpPr/>
+              <p:nvPr/>
+            </p:nvCxnSpPr>
+            <p:spPr>
+              <a:xfrm flipH="1">
+                <a:off x="8592842" y="2873156"/>
+                <a:ext cx="0" cy="182880"/>
+              </a:xfrm>
+              <a:prstGeom prst="line">
+                <a:avLst/>
+              </a:prstGeom>
+              <a:ln w="19050"/>
+            </p:spPr>
+            <p:style>
+              <a:lnRef idx="1">
+                <a:schemeClr val="dk1"/>
+              </a:lnRef>
+              <a:fillRef idx="0">
+                <a:schemeClr val="dk1"/>
+              </a:fillRef>
+              <a:effectRef idx="0">
+                <a:schemeClr val="dk1"/>
+              </a:effectRef>
+              <a:fontRef idx="minor">
+                <a:schemeClr val="tx1"/>
+              </a:fontRef>
+            </p:style>
+          </p:cxnSp>
+          <p:cxnSp>
+            <p:nvCxnSpPr>
+              <p:cNvPr id="29" name="Straight Connector 28">
+                <a:extLst>
+                  <a:ext uri="{FF2B5EF4-FFF2-40B4-BE49-F238E27FC236}">
+                    <a16:creationId xmlns:a16="http://schemas.microsoft.com/office/drawing/2014/main" id="{27BDA69A-11C1-462B-3F70-BEFAC9C2600F}"/>
+                  </a:ext>
+                </a:extLst>
+              </p:cNvPr>
+              <p:cNvCxnSpPr/>
+              <p:nvPr/>
+            </p:nvCxnSpPr>
+            <p:spPr>
+              <a:xfrm flipH="1">
+                <a:off x="8586577" y="3048893"/>
+                <a:ext cx="3063240" cy="0"/>
               </a:xfrm>
               <a:prstGeom prst="line">
                 <a:avLst/>
@@ -4787,10 +4341,10 @@
           </p:cxnSp>
           <p:cxnSp>
             <p:nvCxnSpPr>
-              <p:cNvPr id="880" name="Straight Connector 879">
+              <p:cNvPr id="30" name="Straight Connector 29">
                 <a:extLst>
                   <a:ext uri="{FF2B5EF4-FFF2-40B4-BE49-F238E27FC236}">
-                    <a16:creationId xmlns:a16="http://schemas.microsoft.com/office/drawing/2014/main" id="{87FBCC0C-750C-BCC9-6CCF-592ACE5E3DF8}"/>
+                    <a16:creationId xmlns:a16="http://schemas.microsoft.com/office/drawing/2014/main" id="{085A1369-D2A1-DC38-0639-C05BD267E42C}"/>
                   </a:ext>
                 </a:extLst>
               </p:cNvPr>
@@ -4798,48 +4352,9 @@
               <p:nvPr/>
             </p:nvCxnSpPr>
             <p:spPr>
-              <a:xfrm flipH="1" flipV="1">
-                <a:off x="1535077" y="1658107"/>
-                <a:ext cx="0" cy="73152"/>
-              </a:xfrm>
-              <a:prstGeom prst="line">
-                <a:avLst/>
-              </a:prstGeom>
-              <a:ln w="19050"/>
-            </p:spPr>
-            <p:style>
-              <a:lnRef idx="1">
-                <a:schemeClr val="dk1"/>
-              </a:lnRef>
-              <a:fillRef idx="0">
-                <a:schemeClr val="dk1"/>
-              </a:fillRef>
-              <a:effectRef idx="0">
-                <a:schemeClr val="dk1"/>
-              </a:effectRef>
-              <a:fontRef idx="minor">
-                <a:schemeClr val="tx1"/>
-              </a:fontRef>
-            </p:style>
-          </p:cxnSp>
-          <p:cxnSp>
-            <p:nvCxnSpPr>
-              <p:cNvPr id="881" name="Straight Connector 880">
-                <a:extLst>
-                  <a:ext uri="{FF2B5EF4-FFF2-40B4-BE49-F238E27FC236}">
-                    <a16:creationId xmlns:a16="http://schemas.microsoft.com/office/drawing/2014/main" id="{2F91C420-2908-F4FB-D8E9-9541D73C3490}"/>
-                  </a:ext>
-                </a:extLst>
-              </p:cNvPr>
-              <p:cNvCxnSpPr>
-                <a:cxnSpLocks/>
-              </p:cNvCxnSpPr>
-              <p:nvPr/>
-            </p:nvCxnSpPr>
-            <p:spPr>
               <a:xfrm flipH="1">
-                <a:off x="1528214" y="1663462"/>
-                <a:ext cx="292608" cy="0"/>
+                <a:off x="9756915" y="3370714"/>
+                <a:ext cx="2011680" cy="0"/>
               </a:xfrm>
               <a:prstGeom prst="line">
                 <a:avLst/>
@@ -4868,10 +4383,10 @@
         </p:grpSp>
         <p:grpSp>
           <p:nvGrpSpPr>
-            <p:cNvPr id="38" name="Group 37">
+            <p:cNvPr id="32" name="building">
               <a:extLst>
                 <a:ext uri="{FF2B5EF4-FFF2-40B4-BE49-F238E27FC236}">
-                  <a16:creationId xmlns:a16="http://schemas.microsoft.com/office/drawing/2014/main" id="{4EE23463-08EB-6D74-0404-21D11F525E70}"/>
+                  <a16:creationId xmlns:a16="http://schemas.microsoft.com/office/drawing/2014/main" id="{5804A02F-ECE1-A535-7D15-522383E826A3}"/>
                 </a:ext>
               </a:extLst>
             </p:cNvPr>
@@ -4879,56 +4394,19 @@
             <p:nvPr/>
           </p:nvGrpSpPr>
           <p:grpSpPr>
-            <a:xfrm flipH="1">
-              <a:off x="3909586" y="1655470"/>
-              <a:ext cx="359285" cy="408343"/>
-              <a:chOff x="1461537" y="1658107"/>
-              <a:chExt cx="359285" cy="408343"/>
+            <a:xfrm rot="21591747">
+              <a:off x="847944" y="3566966"/>
+              <a:ext cx="3078952" cy="600809"/>
+              <a:chOff x="1461537" y="1655064"/>
+              <a:chExt cx="2807686" cy="465909"/>
             </a:xfrm>
           </p:grpSpPr>
           <p:cxnSp>
             <p:nvCxnSpPr>
-              <p:cNvPr id="870" name="Straight Connector 869">
+              <p:cNvPr id="33" name="Straight Connector 32">
                 <a:extLst>
                   <a:ext uri="{FF2B5EF4-FFF2-40B4-BE49-F238E27FC236}">
-                    <a16:creationId xmlns:a16="http://schemas.microsoft.com/office/drawing/2014/main" id="{BAF569C8-C763-2359-EE82-717A09335C2F}"/>
-                  </a:ext>
-                </a:extLst>
-              </p:cNvPr>
-              <p:cNvCxnSpPr/>
-              <p:nvPr/>
-            </p:nvCxnSpPr>
-            <p:spPr>
-              <a:xfrm flipH="1" flipV="1">
-                <a:off x="1470779" y="1865282"/>
-                <a:ext cx="0" cy="201168"/>
-              </a:xfrm>
-              <a:prstGeom prst="line">
-                <a:avLst/>
-              </a:prstGeom>
-              <a:ln w="19050"/>
-            </p:spPr>
-            <p:style>
-              <a:lnRef idx="1">
-                <a:schemeClr val="dk1"/>
-              </a:lnRef>
-              <a:fillRef idx="0">
-                <a:schemeClr val="dk1"/>
-              </a:fillRef>
-              <a:effectRef idx="0">
-                <a:schemeClr val="dk1"/>
-              </a:effectRef>
-              <a:fontRef idx="minor">
-                <a:schemeClr val="tx1"/>
-              </a:fontRef>
-            </p:style>
-          </p:cxnSp>
-          <p:cxnSp>
-            <p:nvCxnSpPr>
-              <p:cNvPr id="871" name="Straight Connector 870">
-                <a:extLst>
-                  <a:ext uri="{FF2B5EF4-FFF2-40B4-BE49-F238E27FC236}">
-                    <a16:creationId xmlns:a16="http://schemas.microsoft.com/office/drawing/2014/main" id="{538331FE-7AB0-52C6-4918-D5C5BC7E6BDE}"/>
+                    <a16:creationId xmlns:a16="http://schemas.microsoft.com/office/drawing/2014/main" id="{B7F5ECE9-190F-EB6F-882B-3281E4E7ACFE}"/>
                   </a:ext>
                 </a:extLst>
               </p:cNvPr>
@@ -4939,8 +4417,8 @@
             </p:nvCxnSpPr>
             <p:spPr>
               <a:xfrm flipH="1">
-                <a:off x="1461537" y="1865875"/>
-                <a:ext cx="45720" cy="0"/>
+                <a:off x="2330695" y="2055019"/>
+                <a:ext cx="1938528" cy="0"/>
               </a:xfrm>
               <a:prstGeom prst="line">
                 <a:avLst/>
@@ -4968,47 +4446,10 @@
           </p:cxnSp>
           <p:cxnSp>
             <p:nvCxnSpPr>
-              <p:cNvPr id="872" name="Straight Connector 871">
+              <p:cNvPr id="35" name="Straight Connector 34">
                 <a:extLst>
                   <a:ext uri="{FF2B5EF4-FFF2-40B4-BE49-F238E27FC236}">
-                    <a16:creationId xmlns:a16="http://schemas.microsoft.com/office/drawing/2014/main" id="{20643DA4-2757-7350-F75A-09CB5B253B41}"/>
-                  </a:ext>
-                </a:extLst>
-              </p:cNvPr>
-              <p:cNvCxnSpPr/>
-              <p:nvPr/>
-            </p:nvCxnSpPr>
-            <p:spPr>
-              <a:xfrm flipH="1" flipV="1">
-                <a:off x="1496975" y="1715259"/>
-                <a:ext cx="0" cy="155448"/>
-              </a:xfrm>
-              <a:prstGeom prst="line">
-                <a:avLst/>
-              </a:prstGeom>
-              <a:ln w="19050"/>
-            </p:spPr>
-            <p:style>
-              <a:lnRef idx="1">
-                <a:schemeClr val="dk1"/>
-              </a:lnRef>
-              <a:fillRef idx="0">
-                <a:schemeClr val="dk1"/>
-              </a:fillRef>
-              <a:effectRef idx="0">
-                <a:schemeClr val="dk1"/>
-              </a:effectRef>
-              <a:fontRef idx="minor">
-                <a:schemeClr val="tx1"/>
-              </a:fontRef>
-            </p:style>
-          </p:cxnSp>
-          <p:cxnSp>
-            <p:nvCxnSpPr>
-              <p:cNvPr id="873" name="Straight Connector 872">
-                <a:extLst>
-                  <a:ext uri="{FF2B5EF4-FFF2-40B4-BE49-F238E27FC236}">
-                    <a16:creationId xmlns:a16="http://schemas.microsoft.com/office/drawing/2014/main" id="{FC8DB9CC-7017-3774-1697-496CABD38252}"/>
+                    <a16:creationId xmlns:a16="http://schemas.microsoft.com/office/drawing/2014/main" id="{EA7FCA6B-C81A-5331-55A3-8614FD185032}"/>
                   </a:ext>
                 </a:extLst>
               </p:cNvPr>
@@ -5019,8 +4460,1677 @@
             </p:nvCxnSpPr>
             <p:spPr>
               <a:xfrm flipH="1">
-                <a:off x="1490114" y="1722997"/>
-                <a:ext cx="45720" cy="0"/>
+                <a:off x="1461537" y="2057400"/>
+                <a:ext cx="667512" cy="0"/>
+              </a:xfrm>
+              <a:prstGeom prst="line">
+                <a:avLst/>
+              </a:prstGeom>
+              <a:ln w="19050">
+                <a:solidFill>
+                  <a:schemeClr val="tx1"/>
+                </a:solidFill>
+              </a:ln>
+            </p:spPr>
+            <p:style>
+              <a:lnRef idx="1">
+                <a:schemeClr val="accent1"/>
+              </a:lnRef>
+              <a:fillRef idx="0">
+                <a:schemeClr val="accent1"/>
+              </a:fillRef>
+              <a:effectRef idx="0">
+                <a:schemeClr val="accent1"/>
+              </a:effectRef>
+              <a:fontRef idx="minor">
+                <a:schemeClr val="tx1"/>
+              </a:fontRef>
+            </p:style>
+          </p:cxnSp>
+          <p:grpSp>
+            <p:nvGrpSpPr>
+              <p:cNvPr id="36" name="Group 35">
+                <a:extLst>
+                  <a:ext uri="{FF2B5EF4-FFF2-40B4-BE49-F238E27FC236}">
+                    <a16:creationId xmlns:a16="http://schemas.microsoft.com/office/drawing/2014/main" id="{CD80B527-BFB0-9C33-07F4-059139918507}"/>
+                  </a:ext>
+                </a:extLst>
+              </p:cNvPr>
+              <p:cNvGrpSpPr/>
+              <p:nvPr/>
+            </p:nvGrpSpPr>
+            <p:grpSpPr>
+              <a:xfrm>
+                <a:off x="2114952" y="2048637"/>
+                <a:ext cx="227348" cy="67574"/>
+                <a:chOff x="1587752" y="2527064"/>
+                <a:chExt cx="365760" cy="310897"/>
+              </a:xfrm>
+            </p:grpSpPr>
+            <p:cxnSp>
+              <p:nvCxnSpPr>
+                <p:cNvPr id="882" name="Straight Connector 881">
+                  <a:extLst>
+                    <a:ext uri="{FF2B5EF4-FFF2-40B4-BE49-F238E27FC236}">
+                      <a16:creationId xmlns:a16="http://schemas.microsoft.com/office/drawing/2014/main" id="{74C327F2-AA52-2F60-E579-33C0C11FD522}"/>
+                    </a:ext>
+                  </a:extLst>
+                </p:cNvPr>
+                <p:cNvCxnSpPr>
+                  <a:cxnSpLocks/>
+                </p:cNvCxnSpPr>
+                <p:nvPr/>
+              </p:nvCxnSpPr>
+              <p:spPr>
+                <a:xfrm flipH="1">
+                  <a:off x="1587752" y="2828685"/>
+                  <a:ext cx="365760" cy="0"/>
+                </a:xfrm>
+                <a:prstGeom prst="line">
+                  <a:avLst/>
+                </a:prstGeom>
+                <a:ln w="19050">
+                  <a:solidFill>
+                    <a:schemeClr val="tx1"/>
+                  </a:solidFill>
+                </a:ln>
+              </p:spPr>
+              <p:style>
+                <a:lnRef idx="1">
+                  <a:schemeClr val="accent1"/>
+                </a:lnRef>
+                <a:fillRef idx="0">
+                  <a:schemeClr val="accent1"/>
+                </a:fillRef>
+                <a:effectRef idx="0">
+                  <a:schemeClr val="accent1"/>
+                </a:effectRef>
+                <a:fontRef idx="minor">
+                  <a:schemeClr val="tx1"/>
+                </a:fontRef>
+              </p:style>
+            </p:cxnSp>
+            <p:cxnSp>
+              <p:nvCxnSpPr>
+                <p:cNvPr id="883" name="Straight Connector 882">
+                  <a:extLst>
+                    <a:ext uri="{FF2B5EF4-FFF2-40B4-BE49-F238E27FC236}">
+                      <a16:creationId xmlns:a16="http://schemas.microsoft.com/office/drawing/2014/main" id="{F7FC099C-5081-CF3D-3755-D1441F1394A0}"/>
+                    </a:ext>
+                  </a:extLst>
+                </p:cNvPr>
+                <p:cNvCxnSpPr/>
+                <p:nvPr/>
+              </p:nvCxnSpPr>
+              <p:spPr>
+                <a:xfrm flipH="1" flipV="1">
+                  <a:off x="1597276" y="2527065"/>
+                  <a:ext cx="0" cy="310896"/>
+                </a:xfrm>
+                <a:prstGeom prst="line">
+                  <a:avLst/>
+                </a:prstGeom>
+                <a:ln w="19050"/>
+              </p:spPr>
+              <p:style>
+                <a:lnRef idx="1">
+                  <a:schemeClr val="dk1"/>
+                </a:lnRef>
+                <a:fillRef idx="0">
+                  <a:schemeClr val="dk1"/>
+                </a:fillRef>
+                <a:effectRef idx="0">
+                  <a:schemeClr val="dk1"/>
+                </a:effectRef>
+                <a:fontRef idx="minor">
+                  <a:schemeClr val="tx1"/>
+                </a:fontRef>
+              </p:style>
+            </p:cxnSp>
+            <p:cxnSp>
+              <p:nvCxnSpPr>
+                <p:cNvPr id="884" name="Straight Connector 883">
+                  <a:extLst>
+                    <a:ext uri="{FF2B5EF4-FFF2-40B4-BE49-F238E27FC236}">
+                      <a16:creationId xmlns:a16="http://schemas.microsoft.com/office/drawing/2014/main" id="{33A971D7-BC22-B930-6069-5C1FB3EDF7A0}"/>
+                    </a:ext>
+                  </a:extLst>
+                </p:cNvPr>
+                <p:cNvCxnSpPr/>
+                <p:nvPr/>
+              </p:nvCxnSpPr>
+              <p:spPr>
+                <a:xfrm flipH="1" flipV="1">
+                  <a:off x="1944939" y="2527064"/>
+                  <a:ext cx="0" cy="310896"/>
+                </a:xfrm>
+                <a:prstGeom prst="line">
+                  <a:avLst/>
+                </a:prstGeom>
+                <a:ln w="19050"/>
+              </p:spPr>
+              <p:style>
+                <a:lnRef idx="1">
+                  <a:schemeClr val="dk1"/>
+                </a:lnRef>
+                <a:fillRef idx="0">
+                  <a:schemeClr val="dk1"/>
+                </a:fillRef>
+                <a:effectRef idx="0">
+                  <a:schemeClr val="dk1"/>
+                </a:effectRef>
+                <a:fontRef idx="minor">
+                  <a:schemeClr val="tx1"/>
+                </a:fontRef>
+              </p:style>
+            </p:cxnSp>
+          </p:grpSp>
+          <p:grpSp>
+            <p:nvGrpSpPr>
+              <p:cNvPr id="37" name="Group 36">
+                <a:extLst>
+                  <a:ext uri="{FF2B5EF4-FFF2-40B4-BE49-F238E27FC236}">
+                    <a16:creationId xmlns:a16="http://schemas.microsoft.com/office/drawing/2014/main" id="{78CD1962-07C8-D0A2-E198-283F4417BD07}"/>
+                  </a:ext>
+                </a:extLst>
+              </p:cNvPr>
+              <p:cNvGrpSpPr/>
+              <p:nvPr/>
+            </p:nvGrpSpPr>
+            <p:grpSpPr>
+              <a:xfrm>
+                <a:off x="1461537" y="1655064"/>
+                <a:ext cx="359285" cy="408343"/>
+                <a:chOff x="1461537" y="1658107"/>
+                <a:chExt cx="359285" cy="408343"/>
+              </a:xfrm>
+            </p:grpSpPr>
+            <p:cxnSp>
+              <p:nvCxnSpPr>
+                <p:cNvPr id="876" name="Straight Connector 875">
+                  <a:extLst>
+                    <a:ext uri="{FF2B5EF4-FFF2-40B4-BE49-F238E27FC236}">
+                      <a16:creationId xmlns:a16="http://schemas.microsoft.com/office/drawing/2014/main" id="{B3975CBA-7D3E-73B3-FF8B-FA8C6B20FD0F}"/>
+                    </a:ext>
+                  </a:extLst>
+                </p:cNvPr>
+                <p:cNvCxnSpPr/>
+                <p:nvPr/>
+              </p:nvCxnSpPr>
+              <p:spPr>
+                <a:xfrm flipH="1" flipV="1">
+                  <a:off x="1470779" y="1865282"/>
+                  <a:ext cx="0" cy="201168"/>
+                </a:xfrm>
+                <a:prstGeom prst="line">
+                  <a:avLst/>
+                </a:prstGeom>
+                <a:ln w="19050"/>
+              </p:spPr>
+              <p:style>
+                <a:lnRef idx="1">
+                  <a:schemeClr val="dk1"/>
+                </a:lnRef>
+                <a:fillRef idx="0">
+                  <a:schemeClr val="dk1"/>
+                </a:fillRef>
+                <a:effectRef idx="0">
+                  <a:schemeClr val="dk1"/>
+                </a:effectRef>
+                <a:fontRef idx="minor">
+                  <a:schemeClr val="tx1"/>
+                </a:fontRef>
+              </p:style>
+            </p:cxnSp>
+            <p:cxnSp>
+              <p:nvCxnSpPr>
+                <p:cNvPr id="877" name="Straight Connector 876">
+                  <a:extLst>
+                    <a:ext uri="{FF2B5EF4-FFF2-40B4-BE49-F238E27FC236}">
+                      <a16:creationId xmlns:a16="http://schemas.microsoft.com/office/drawing/2014/main" id="{5A5E9079-E52D-1460-8467-D94CA9F97C54}"/>
+                    </a:ext>
+                  </a:extLst>
+                </p:cNvPr>
+                <p:cNvCxnSpPr>
+                  <a:cxnSpLocks/>
+                </p:cNvCxnSpPr>
+                <p:nvPr/>
+              </p:nvCxnSpPr>
+              <p:spPr>
+                <a:xfrm flipH="1">
+                  <a:off x="1461537" y="1865875"/>
+                  <a:ext cx="45720" cy="0"/>
+                </a:xfrm>
+                <a:prstGeom prst="line">
+                  <a:avLst/>
+                </a:prstGeom>
+                <a:ln w="19050">
+                  <a:solidFill>
+                    <a:schemeClr val="tx1"/>
+                  </a:solidFill>
+                </a:ln>
+              </p:spPr>
+              <p:style>
+                <a:lnRef idx="1">
+                  <a:schemeClr val="accent1"/>
+                </a:lnRef>
+                <a:fillRef idx="0">
+                  <a:schemeClr val="accent1"/>
+                </a:fillRef>
+                <a:effectRef idx="0">
+                  <a:schemeClr val="accent1"/>
+                </a:effectRef>
+                <a:fontRef idx="minor">
+                  <a:schemeClr val="tx1"/>
+                </a:fontRef>
+              </p:style>
+            </p:cxnSp>
+            <p:cxnSp>
+              <p:nvCxnSpPr>
+                <p:cNvPr id="878" name="Straight Connector 877">
+                  <a:extLst>
+                    <a:ext uri="{FF2B5EF4-FFF2-40B4-BE49-F238E27FC236}">
+                      <a16:creationId xmlns:a16="http://schemas.microsoft.com/office/drawing/2014/main" id="{95D225A1-FFBB-A1CA-BDB1-45F332BAFC2F}"/>
+                    </a:ext>
+                  </a:extLst>
+                </p:cNvPr>
+                <p:cNvCxnSpPr/>
+                <p:nvPr/>
+              </p:nvCxnSpPr>
+              <p:spPr>
+                <a:xfrm flipH="1" flipV="1">
+                  <a:off x="1496975" y="1715259"/>
+                  <a:ext cx="0" cy="155448"/>
+                </a:xfrm>
+                <a:prstGeom prst="line">
+                  <a:avLst/>
+                </a:prstGeom>
+                <a:ln w="19050"/>
+              </p:spPr>
+              <p:style>
+                <a:lnRef idx="1">
+                  <a:schemeClr val="dk1"/>
+                </a:lnRef>
+                <a:fillRef idx="0">
+                  <a:schemeClr val="dk1"/>
+                </a:fillRef>
+                <a:effectRef idx="0">
+                  <a:schemeClr val="dk1"/>
+                </a:effectRef>
+                <a:fontRef idx="minor">
+                  <a:schemeClr val="tx1"/>
+                </a:fontRef>
+              </p:style>
+            </p:cxnSp>
+            <p:cxnSp>
+              <p:nvCxnSpPr>
+                <p:cNvPr id="879" name="Straight Connector 878">
+                  <a:extLst>
+                    <a:ext uri="{FF2B5EF4-FFF2-40B4-BE49-F238E27FC236}">
+                      <a16:creationId xmlns:a16="http://schemas.microsoft.com/office/drawing/2014/main" id="{D013249F-BA42-8A60-7701-13CA57C3BFF2}"/>
+                    </a:ext>
+                  </a:extLst>
+                </p:cNvPr>
+                <p:cNvCxnSpPr>
+                  <a:cxnSpLocks/>
+                </p:cNvCxnSpPr>
+                <p:nvPr/>
+              </p:nvCxnSpPr>
+              <p:spPr>
+                <a:xfrm flipH="1">
+                  <a:off x="1490114" y="1722997"/>
+                  <a:ext cx="45720" cy="0"/>
+                </a:xfrm>
+                <a:prstGeom prst="line">
+                  <a:avLst/>
+                </a:prstGeom>
+                <a:ln w="19050">
+                  <a:solidFill>
+                    <a:schemeClr val="tx1"/>
+                  </a:solidFill>
+                </a:ln>
+              </p:spPr>
+              <p:style>
+                <a:lnRef idx="1">
+                  <a:schemeClr val="accent1"/>
+                </a:lnRef>
+                <a:fillRef idx="0">
+                  <a:schemeClr val="accent1"/>
+                </a:fillRef>
+                <a:effectRef idx="0">
+                  <a:schemeClr val="accent1"/>
+                </a:effectRef>
+                <a:fontRef idx="minor">
+                  <a:schemeClr val="tx1"/>
+                </a:fontRef>
+              </p:style>
+            </p:cxnSp>
+            <p:cxnSp>
+              <p:nvCxnSpPr>
+                <p:cNvPr id="880" name="Straight Connector 879">
+                  <a:extLst>
+                    <a:ext uri="{FF2B5EF4-FFF2-40B4-BE49-F238E27FC236}">
+                      <a16:creationId xmlns:a16="http://schemas.microsoft.com/office/drawing/2014/main" id="{87FBCC0C-750C-BCC9-6CCF-592ACE5E3DF8}"/>
+                    </a:ext>
+                  </a:extLst>
+                </p:cNvPr>
+                <p:cNvCxnSpPr/>
+                <p:nvPr/>
+              </p:nvCxnSpPr>
+              <p:spPr>
+                <a:xfrm flipH="1" flipV="1">
+                  <a:off x="1535077" y="1658107"/>
+                  <a:ext cx="0" cy="73152"/>
+                </a:xfrm>
+                <a:prstGeom prst="line">
+                  <a:avLst/>
+                </a:prstGeom>
+                <a:ln w="19050"/>
+              </p:spPr>
+              <p:style>
+                <a:lnRef idx="1">
+                  <a:schemeClr val="dk1"/>
+                </a:lnRef>
+                <a:fillRef idx="0">
+                  <a:schemeClr val="dk1"/>
+                </a:fillRef>
+                <a:effectRef idx="0">
+                  <a:schemeClr val="dk1"/>
+                </a:effectRef>
+                <a:fontRef idx="minor">
+                  <a:schemeClr val="tx1"/>
+                </a:fontRef>
+              </p:style>
+            </p:cxnSp>
+            <p:cxnSp>
+              <p:nvCxnSpPr>
+                <p:cNvPr id="881" name="Straight Connector 880">
+                  <a:extLst>
+                    <a:ext uri="{FF2B5EF4-FFF2-40B4-BE49-F238E27FC236}">
+                      <a16:creationId xmlns:a16="http://schemas.microsoft.com/office/drawing/2014/main" id="{2F91C420-2908-F4FB-D8E9-9541D73C3490}"/>
+                    </a:ext>
+                  </a:extLst>
+                </p:cNvPr>
+                <p:cNvCxnSpPr>
+                  <a:cxnSpLocks/>
+                </p:cNvCxnSpPr>
+                <p:nvPr/>
+              </p:nvCxnSpPr>
+              <p:spPr>
+                <a:xfrm flipH="1">
+                  <a:off x="1528214" y="1663462"/>
+                  <a:ext cx="292608" cy="0"/>
+                </a:xfrm>
+                <a:prstGeom prst="line">
+                  <a:avLst/>
+                </a:prstGeom>
+                <a:ln w="19050">
+                  <a:solidFill>
+                    <a:schemeClr val="tx1"/>
+                  </a:solidFill>
+                </a:ln>
+              </p:spPr>
+              <p:style>
+                <a:lnRef idx="1">
+                  <a:schemeClr val="accent1"/>
+                </a:lnRef>
+                <a:fillRef idx="0">
+                  <a:schemeClr val="accent1"/>
+                </a:fillRef>
+                <a:effectRef idx="0">
+                  <a:schemeClr val="accent1"/>
+                </a:effectRef>
+                <a:fontRef idx="minor">
+                  <a:schemeClr val="tx1"/>
+                </a:fontRef>
+              </p:style>
+            </p:cxnSp>
+          </p:grpSp>
+          <p:grpSp>
+            <p:nvGrpSpPr>
+              <p:cNvPr id="38" name="Group 37">
+                <a:extLst>
+                  <a:ext uri="{FF2B5EF4-FFF2-40B4-BE49-F238E27FC236}">
+                    <a16:creationId xmlns:a16="http://schemas.microsoft.com/office/drawing/2014/main" id="{4EE23463-08EB-6D74-0404-21D11F525E70}"/>
+                  </a:ext>
+                </a:extLst>
+              </p:cNvPr>
+              <p:cNvGrpSpPr/>
+              <p:nvPr/>
+            </p:nvGrpSpPr>
+            <p:grpSpPr>
+              <a:xfrm flipH="1">
+                <a:off x="3909586" y="1655470"/>
+                <a:ext cx="359285" cy="408343"/>
+                <a:chOff x="1461537" y="1658107"/>
+                <a:chExt cx="359285" cy="408343"/>
+              </a:xfrm>
+            </p:grpSpPr>
+            <p:cxnSp>
+              <p:nvCxnSpPr>
+                <p:cNvPr id="870" name="Straight Connector 869">
+                  <a:extLst>
+                    <a:ext uri="{FF2B5EF4-FFF2-40B4-BE49-F238E27FC236}">
+                      <a16:creationId xmlns:a16="http://schemas.microsoft.com/office/drawing/2014/main" id="{BAF569C8-C763-2359-EE82-717A09335C2F}"/>
+                    </a:ext>
+                  </a:extLst>
+                </p:cNvPr>
+                <p:cNvCxnSpPr/>
+                <p:nvPr/>
+              </p:nvCxnSpPr>
+              <p:spPr>
+                <a:xfrm flipH="1" flipV="1">
+                  <a:off x="1470779" y="1865282"/>
+                  <a:ext cx="0" cy="201168"/>
+                </a:xfrm>
+                <a:prstGeom prst="line">
+                  <a:avLst/>
+                </a:prstGeom>
+                <a:ln w="19050"/>
+              </p:spPr>
+              <p:style>
+                <a:lnRef idx="1">
+                  <a:schemeClr val="dk1"/>
+                </a:lnRef>
+                <a:fillRef idx="0">
+                  <a:schemeClr val="dk1"/>
+                </a:fillRef>
+                <a:effectRef idx="0">
+                  <a:schemeClr val="dk1"/>
+                </a:effectRef>
+                <a:fontRef idx="minor">
+                  <a:schemeClr val="tx1"/>
+                </a:fontRef>
+              </p:style>
+            </p:cxnSp>
+            <p:cxnSp>
+              <p:nvCxnSpPr>
+                <p:cNvPr id="871" name="Straight Connector 870">
+                  <a:extLst>
+                    <a:ext uri="{FF2B5EF4-FFF2-40B4-BE49-F238E27FC236}">
+                      <a16:creationId xmlns:a16="http://schemas.microsoft.com/office/drawing/2014/main" id="{538331FE-7AB0-52C6-4918-D5C5BC7E6BDE}"/>
+                    </a:ext>
+                  </a:extLst>
+                </p:cNvPr>
+                <p:cNvCxnSpPr>
+                  <a:cxnSpLocks/>
+                </p:cNvCxnSpPr>
+                <p:nvPr/>
+              </p:nvCxnSpPr>
+              <p:spPr>
+                <a:xfrm flipH="1">
+                  <a:off x="1461537" y="1865875"/>
+                  <a:ext cx="45720" cy="0"/>
+                </a:xfrm>
+                <a:prstGeom prst="line">
+                  <a:avLst/>
+                </a:prstGeom>
+                <a:ln w="19050">
+                  <a:solidFill>
+                    <a:schemeClr val="tx1"/>
+                  </a:solidFill>
+                </a:ln>
+              </p:spPr>
+              <p:style>
+                <a:lnRef idx="1">
+                  <a:schemeClr val="accent1"/>
+                </a:lnRef>
+                <a:fillRef idx="0">
+                  <a:schemeClr val="accent1"/>
+                </a:fillRef>
+                <a:effectRef idx="0">
+                  <a:schemeClr val="accent1"/>
+                </a:effectRef>
+                <a:fontRef idx="minor">
+                  <a:schemeClr val="tx1"/>
+                </a:fontRef>
+              </p:style>
+            </p:cxnSp>
+            <p:cxnSp>
+              <p:nvCxnSpPr>
+                <p:cNvPr id="872" name="Straight Connector 871">
+                  <a:extLst>
+                    <a:ext uri="{FF2B5EF4-FFF2-40B4-BE49-F238E27FC236}">
+                      <a16:creationId xmlns:a16="http://schemas.microsoft.com/office/drawing/2014/main" id="{20643DA4-2757-7350-F75A-09CB5B253B41}"/>
+                    </a:ext>
+                  </a:extLst>
+                </p:cNvPr>
+                <p:cNvCxnSpPr/>
+                <p:nvPr/>
+              </p:nvCxnSpPr>
+              <p:spPr>
+                <a:xfrm flipH="1" flipV="1">
+                  <a:off x="1496975" y="1715259"/>
+                  <a:ext cx="0" cy="155448"/>
+                </a:xfrm>
+                <a:prstGeom prst="line">
+                  <a:avLst/>
+                </a:prstGeom>
+                <a:ln w="19050"/>
+              </p:spPr>
+              <p:style>
+                <a:lnRef idx="1">
+                  <a:schemeClr val="dk1"/>
+                </a:lnRef>
+                <a:fillRef idx="0">
+                  <a:schemeClr val="dk1"/>
+                </a:fillRef>
+                <a:effectRef idx="0">
+                  <a:schemeClr val="dk1"/>
+                </a:effectRef>
+                <a:fontRef idx="minor">
+                  <a:schemeClr val="tx1"/>
+                </a:fontRef>
+              </p:style>
+            </p:cxnSp>
+            <p:cxnSp>
+              <p:nvCxnSpPr>
+                <p:cNvPr id="873" name="Straight Connector 872">
+                  <a:extLst>
+                    <a:ext uri="{FF2B5EF4-FFF2-40B4-BE49-F238E27FC236}">
+                      <a16:creationId xmlns:a16="http://schemas.microsoft.com/office/drawing/2014/main" id="{FC8DB9CC-7017-3774-1697-496CABD38252}"/>
+                    </a:ext>
+                  </a:extLst>
+                </p:cNvPr>
+                <p:cNvCxnSpPr>
+                  <a:cxnSpLocks/>
+                </p:cNvCxnSpPr>
+                <p:nvPr/>
+              </p:nvCxnSpPr>
+              <p:spPr>
+                <a:xfrm flipH="1">
+                  <a:off x="1490114" y="1722997"/>
+                  <a:ext cx="45720" cy="0"/>
+                </a:xfrm>
+                <a:prstGeom prst="line">
+                  <a:avLst/>
+                </a:prstGeom>
+                <a:ln w="19050">
+                  <a:solidFill>
+                    <a:schemeClr val="tx1"/>
+                  </a:solidFill>
+                </a:ln>
+              </p:spPr>
+              <p:style>
+                <a:lnRef idx="1">
+                  <a:schemeClr val="accent1"/>
+                </a:lnRef>
+                <a:fillRef idx="0">
+                  <a:schemeClr val="accent1"/>
+                </a:fillRef>
+                <a:effectRef idx="0">
+                  <a:schemeClr val="accent1"/>
+                </a:effectRef>
+                <a:fontRef idx="minor">
+                  <a:schemeClr val="tx1"/>
+                </a:fontRef>
+              </p:style>
+            </p:cxnSp>
+            <p:cxnSp>
+              <p:nvCxnSpPr>
+                <p:cNvPr id="874" name="Straight Connector 873">
+                  <a:extLst>
+                    <a:ext uri="{FF2B5EF4-FFF2-40B4-BE49-F238E27FC236}">
+                      <a16:creationId xmlns:a16="http://schemas.microsoft.com/office/drawing/2014/main" id="{35801234-859A-44A3-CB18-167DB1F0757C}"/>
+                    </a:ext>
+                  </a:extLst>
+                </p:cNvPr>
+                <p:cNvCxnSpPr/>
+                <p:nvPr/>
+              </p:nvCxnSpPr>
+              <p:spPr>
+                <a:xfrm flipH="1" flipV="1">
+                  <a:off x="1535077" y="1658107"/>
+                  <a:ext cx="0" cy="73152"/>
+                </a:xfrm>
+                <a:prstGeom prst="line">
+                  <a:avLst/>
+                </a:prstGeom>
+                <a:ln w="19050"/>
+              </p:spPr>
+              <p:style>
+                <a:lnRef idx="1">
+                  <a:schemeClr val="dk1"/>
+                </a:lnRef>
+                <a:fillRef idx="0">
+                  <a:schemeClr val="dk1"/>
+                </a:fillRef>
+                <a:effectRef idx="0">
+                  <a:schemeClr val="dk1"/>
+                </a:effectRef>
+                <a:fontRef idx="minor">
+                  <a:schemeClr val="tx1"/>
+                </a:fontRef>
+              </p:style>
+            </p:cxnSp>
+            <p:cxnSp>
+              <p:nvCxnSpPr>
+                <p:cNvPr id="875" name="Straight Connector 874">
+                  <a:extLst>
+                    <a:ext uri="{FF2B5EF4-FFF2-40B4-BE49-F238E27FC236}">
+                      <a16:creationId xmlns:a16="http://schemas.microsoft.com/office/drawing/2014/main" id="{20D5411A-941B-89BE-167E-1C352EEA8E40}"/>
+                    </a:ext>
+                  </a:extLst>
+                </p:cNvPr>
+                <p:cNvCxnSpPr>
+                  <a:cxnSpLocks/>
+                </p:cNvCxnSpPr>
+                <p:nvPr/>
+              </p:nvCxnSpPr>
+              <p:spPr>
+                <a:xfrm flipH="1">
+                  <a:off x="1528214" y="1663462"/>
+                  <a:ext cx="292608" cy="0"/>
+                </a:xfrm>
+                <a:prstGeom prst="line">
+                  <a:avLst/>
+                </a:prstGeom>
+                <a:ln w="19050">
+                  <a:solidFill>
+                    <a:schemeClr val="tx1"/>
+                  </a:solidFill>
+                </a:ln>
+              </p:spPr>
+              <p:style>
+                <a:lnRef idx="1">
+                  <a:schemeClr val="accent1"/>
+                </a:lnRef>
+                <a:fillRef idx="0">
+                  <a:schemeClr val="accent1"/>
+                </a:fillRef>
+                <a:effectRef idx="0">
+                  <a:schemeClr val="accent1"/>
+                </a:effectRef>
+                <a:fontRef idx="minor">
+                  <a:schemeClr val="tx1"/>
+                </a:fontRef>
+              </p:style>
+            </p:cxnSp>
+          </p:grpSp>
+          <p:grpSp>
+            <p:nvGrpSpPr>
+              <p:cNvPr id="39" name="Group 38">
+                <a:extLst>
+                  <a:ext uri="{FF2B5EF4-FFF2-40B4-BE49-F238E27FC236}">
+                    <a16:creationId xmlns:a16="http://schemas.microsoft.com/office/drawing/2014/main" id="{ECFAA1FC-DF02-47BD-C11B-9ACF2461AE32}"/>
+                  </a:ext>
+                </a:extLst>
+              </p:cNvPr>
+              <p:cNvGrpSpPr/>
+              <p:nvPr/>
+            </p:nvGrpSpPr>
+            <p:grpSpPr>
+              <a:xfrm>
+                <a:off x="3372139" y="2053399"/>
+                <a:ext cx="98885" cy="67574"/>
+                <a:chOff x="1587752" y="2527064"/>
+                <a:chExt cx="365760" cy="310897"/>
+              </a:xfrm>
+            </p:grpSpPr>
+            <p:cxnSp>
+              <p:nvCxnSpPr>
+                <p:cNvPr id="867" name="Straight Connector 866">
+                  <a:extLst>
+                    <a:ext uri="{FF2B5EF4-FFF2-40B4-BE49-F238E27FC236}">
+                      <a16:creationId xmlns:a16="http://schemas.microsoft.com/office/drawing/2014/main" id="{033DFCF2-B970-07EB-06FB-BBD878AED61A}"/>
+                    </a:ext>
+                  </a:extLst>
+                </p:cNvPr>
+                <p:cNvCxnSpPr>
+                  <a:cxnSpLocks/>
+                </p:cNvCxnSpPr>
+                <p:nvPr/>
+              </p:nvCxnSpPr>
+              <p:spPr>
+                <a:xfrm flipH="1">
+                  <a:off x="1587752" y="2828685"/>
+                  <a:ext cx="365760" cy="0"/>
+                </a:xfrm>
+                <a:prstGeom prst="line">
+                  <a:avLst/>
+                </a:prstGeom>
+                <a:ln w="19050">
+                  <a:solidFill>
+                    <a:schemeClr val="tx1"/>
+                  </a:solidFill>
+                </a:ln>
+              </p:spPr>
+              <p:style>
+                <a:lnRef idx="1">
+                  <a:schemeClr val="accent1"/>
+                </a:lnRef>
+                <a:fillRef idx="0">
+                  <a:schemeClr val="accent1"/>
+                </a:fillRef>
+                <a:effectRef idx="0">
+                  <a:schemeClr val="accent1"/>
+                </a:effectRef>
+                <a:fontRef idx="minor">
+                  <a:schemeClr val="tx1"/>
+                </a:fontRef>
+              </p:style>
+            </p:cxnSp>
+            <p:cxnSp>
+              <p:nvCxnSpPr>
+                <p:cNvPr id="868" name="Straight Connector 867">
+                  <a:extLst>
+                    <a:ext uri="{FF2B5EF4-FFF2-40B4-BE49-F238E27FC236}">
+                      <a16:creationId xmlns:a16="http://schemas.microsoft.com/office/drawing/2014/main" id="{F840D42A-C681-0846-F6EE-E9AC4AEC6C1C}"/>
+                    </a:ext>
+                  </a:extLst>
+                </p:cNvPr>
+                <p:cNvCxnSpPr/>
+                <p:nvPr/>
+              </p:nvCxnSpPr>
+              <p:spPr>
+                <a:xfrm flipH="1" flipV="1">
+                  <a:off x="1597276" y="2527065"/>
+                  <a:ext cx="0" cy="310896"/>
+                </a:xfrm>
+                <a:prstGeom prst="line">
+                  <a:avLst/>
+                </a:prstGeom>
+                <a:ln w="19050"/>
+              </p:spPr>
+              <p:style>
+                <a:lnRef idx="1">
+                  <a:schemeClr val="dk1"/>
+                </a:lnRef>
+                <a:fillRef idx="0">
+                  <a:schemeClr val="dk1"/>
+                </a:fillRef>
+                <a:effectRef idx="0">
+                  <a:schemeClr val="dk1"/>
+                </a:effectRef>
+                <a:fontRef idx="minor">
+                  <a:schemeClr val="tx1"/>
+                </a:fontRef>
+              </p:style>
+            </p:cxnSp>
+            <p:cxnSp>
+              <p:nvCxnSpPr>
+                <p:cNvPr id="869" name="Straight Connector 868">
+                  <a:extLst>
+                    <a:ext uri="{FF2B5EF4-FFF2-40B4-BE49-F238E27FC236}">
+                      <a16:creationId xmlns:a16="http://schemas.microsoft.com/office/drawing/2014/main" id="{35618160-EAC5-3002-2679-BAA7DDB1FD44}"/>
+                    </a:ext>
+                  </a:extLst>
+                </p:cNvPr>
+                <p:cNvCxnSpPr/>
+                <p:nvPr/>
+              </p:nvCxnSpPr>
+              <p:spPr>
+                <a:xfrm flipH="1" flipV="1">
+                  <a:off x="1944939" y="2527064"/>
+                  <a:ext cx="0" cy="310896"/>
+                </a:xfrm>
+                <a:prstGeom prst="line">
+                  <a:avLst/>
+                </a:prstGeom>
+                <a:ln w="19050"/>
+              </p:spPr>
+              <p:style>
+                <a:lnRef idx="1">
+                  <a:schemeClr val="dk1"/>
+                </a:lnRef>
+                <a:fillRef idx="0">
+                  <a:schemeClr val="dk1"/>
+                </a:fillRef>
+                <a:effectRef idx="0">
+                  <a:schemeClr val="dk1"/>
+                </a:effectRef>
+                <a:fontRef idx="minor">
+                  <a:schemeClr val="tx1"/>
+                </a:fontRef>
+              </p:style>
+            </p:cxnSp>
+          </p:grpSp>
+          <p:grpSp>
+            <p:nvGrpSpPr>
+              <p:cNvPr id="40" name="Group 39">
+                <a:extLst>
+                  <a:ext uri="{FF2B5EF4-FFF2-40B4-BE49-F238E27FC236}">
+                    <a16:creationId xmlns:a16="http://schemas.microsoft.com/office/drawing/2014/main" id="{032531DF-B270-2D73-BC4C-0B1406601827}"/>
+                  </a:ext>
+                </a:extLst>
+              </p:cNvPr>
+              <p:cNvGrpSpPr/>
+              <p:nvPr/>
+            </p:nvGrpSpPr>
+            <p:grpSpPr>
+              <a:xfrm>
+                <a:off x="2172100" y="1655064"/>
+                <a:ext cx="199622" cy="67574"/>
+                <a:chOff x="1587752" y="2527064"/>
+                <a:chExt cx="365760" cy="310897"/>
+              </a:xfrm>
+            </p:grpSpPr>
+            <p:cxnSp>
+              <p:nvCxnSpPr>
+                <p:cNvPr id="864" name="Straight Connector 863">
+                  <a:extLst>
+                    <a:ext uri="{FF2B5EF4-FFF2-40B4-BE49-F238E27FC236}">
+                      <a16:creationId xmlns:a16="http://schemas.microsoft.com/office/drawing/2014/main" id="{8ECEFCCA-1513-A216-DEDB-1DBA0B578711}"/>
+                    </a:ext>
+                  </a:extLst>
+                </p:cNvPr>
+                <p:cNvCxnSpPr>
+                  <a:cxnSpLocks/>
+                </p:cNvCxnSpPr>
+                <p:nvPr/>
+              </p:nvCxnSpPr>
+              <p:spPr>
+                <a:xfrm flipH="1">
+                  <a:off x="1587752" y="2828685"/>
+                  <a:ext cx="365760" cy="0"/>
+                </a:xfrm>
+                <a:prstGeom prst="line">
+                  <a:avLst/>
+                </a:prstGeom>
+                <a:ln w="19050">
+                  <a:solidFill>
+                    <a:schemeClr val="tx1"/>
+                  </a:solidFill>
+                </a:ln>
+              </p:spPr>
+              <p:style>
+                <a:lnRef idx="1">
+                  <a:schemeClr val="accent1"/>
+                </a:lnRef>
+                <a:fillRef idx="0">
+                  <a:schemeClr val="accent1"/>
+                </a:fillRef>
+                <a:effectRef idx="0">
+                  <a:schemeClr val="accent1"/>
+                </a:effectRef>
+                <a:fontRef idx="minor">
+                  <a:schemeClr val="tx1"/>
+                </a:fontRef>
+              </p:style>
+            </p:cxnSp>
+            <p:cxnSp>
+              <p:nvCxnSpPr>
+                <p:cNvPr id="865" name="Straight Connector 864">
+                  <a:extLst>
+                    <a:ext uri="{FF2B5EF4-FFF2-40B4-BE49-F238E27FC236}">
+                      <a16:creationId xmlns:a16="http://schemas.microsoft.com/office/drawing/2014/main" id="{AAD000A7-2C58-9240-A6EF-E8020F4C7339}"/>
+                    </a:ext>
+                  </a:extLst>
+                </p:cNvPr>
+                <p:cNvCxnSpPr/>
+                <p:nvPr/>
+              </p:nvCxnSpPr>
+              <p:spPr>
+                <a:xfrm flipH="1" flipV="1">
+                  <a:off x="1597276" y="2527065"/>
+                  <a:ext cx="0" cy="310896"/>
+                </a:xfrm>
+                <a:prstGeom prst="line">
+                  <a:avLst/>
+                </a:prstGeom>
+                <a:ln w="19050"/>
+              </p:spPr>
+              <p:style>
+                <a:lnRef idx="1">
+                  <a:schemeClr val="dk1"/>
+                </a:lnRef>
+                <a:fillRef idx="0">
+                  <a:schemeClr val="dk1"/>
+                </a:fillRef>
+                <a:effectRef idx="0">
+                  <a:schemeClr val="dk1"/>
+                </a:effectRef>
+                <a:fontRef idx="minor">
+                  <a:schemeClr val="tx1"/>
+                </a:fontRef>
+              </p:style>
+            </p:cxnSp>
+            <p:cxnSp>
+              <p:nvCxnSpPr>
+                <p:cNvPr id="866" name="Straight Connector 865">
+                  <a:extLst>
+                    <a:ext uri="{FF2B5EF4-FFF2-40B4-BE49-F238E27FC236}">
+                      <a16:creationId xmlns:a16="http://schemas.microsoft.com/office/drawing/2014/main" id="{BF1A3E22-1F97-8D0F-5230-2EB934E5E3AD}"/>
+                    </a:ext>
+                  </a:extLst>
+                </p:cNvPr>
+                <p:cNvCxnSpPr/>
+                <p:nvPr/>
+              </p:nvCxnSpPr>
+              <p:spPr>
+                <a:xfrm flipH="1" flipV="1">
+                  <a:off x="1944939" y="2527064"/>
+                  <a:ext cx="0" cy="310896"/>
+                </a:xfrm>
+                <a:prstGeom prst="line">
+                  <a:avLst/>
+                </a:prstGeom>
+                <a:ln w="19050"/>
+              </p:spPr>
+              <p:style>
+                <a:lnRef idx="1">
+                  <a:schemeClr val="dk1"/>
+                </a:lnRef>
+                <a:fillRef idx="0">
+                  <a:schemeClr val="dk1"/>
+                </a:fillRef>
+                <a:effectRef idx="0">
+                  <a:schemeClr val="dk1"/>
+                </a:effectRef>
+                <a:fontRef idx="minor">
+                  <a:schemeClr val="tx1"/>
+                </a:fontRef>
+              </p:style>
+            </p:cxnSp>
+          </p:grpSp>
+          <p:grpSp>
+            <p:nvGrpSpPr>
+              <p:cNvPr id="41" name="Group 40">
+                <a:extLst>
+                  <a:ext uri="{FF2B5EF4-FFF2-40B4-BE49-F238E27FC236}">
+                    <a16:creationId xmlns:a16="http://schemas.microsoft.com/office/drawing/2014/main" id="{CC542518-30C3-E4A5-2939-47E167F695C1}"/>
+                  </a:ext>
+                </a:extLst>
+              </p:cNvPr>
+              <p:cNvGrpSpPr/>
+              <p:nvPr/>
+            </p:nvGrpSpPr>
+            <p:grpSpPr>
+              <a:xfrm>
+                <a:off x="2633731" y="1655064"/>
+                <a:ext cx="99230" cy="67574"/>
+                <a:chOff x="1587752" y="2527064"/>
+                <a:chExt cx="365760" cy="310897"/>
+              </a:xfrm>
+            </p:grpSpPr>
+            <p:cxnSp>
+              <p:nvCxnSpPr>
+                <p:cNvPr id="861" name="Straight Connector 860">
+                  <a:extLst>
+                    <a:ext uri="{FF2B5EF4-FFF2-40B4-BE49-F238E27FC236}">
+                      <a16:creationId xmlns:a16="http://schemas.microsoft.com/office/drawing/2014/main" id="{F0FE2EDA-A186-51FB-FAF1-722A34896D69}"/>
+                    </a:ext>
+                  </a:extLst>
+                </p:cNvPr>
+                <p:cNvCxnSpPr>
+                  <a:cxnSpLocks/>
+                </p:cNvCxnSpPr>
+                <p:nvPr/>
+              </p:nvCxnSpPr>
+              <p:spPr>
+                <a:xfrm flipH="1">
+                  <a:off x="1587752" y="2828685"/>
+                  <a:ext cx="365760" cy="0"/>
+                </a:xfrm>
+                <a:prstGeom prst="line">
+                  <a:avLst/>
+                </a:prstGeom>
+                <a:ln w="19050">
+                  <a:solidFill>
+                    <a:schemeClr val="tx1"/>
+                  </a:solidFill>
+                </a:ln>
+              </p:spPr>
+              <p:style>
+                <a:lnRef idx="1">
+                  <a:schemeClr val="accent1"/>
+                </a:lnRef>
+                <a:fillRef idx="0">
+                  <a:schemeClr val="accent1"/>
+                </a:fillRef>
+                <a:effectRef idx="0">
+                  <a:schemeClr val="accent1"/>
+                </a:effectRef>
+                <a:fontRef idx="minor">
+                  <a:schemeClr val="tx1"/>
+                </a:fontRef>
+              </p:style>
+            </p:cxnSp>
+            <p:cxnSp>
+              <p:nvCxnSpPr>
+                <p:cNvPr id="862" name="Straight Connector 861">
+                  <a:extLst>
+                    <a:ext uri="{FF2B5EF4-FFF2-40B4-BE49-F238E27FC236}">
+                      <a16:creationId xmlns:a16="http://schemas.microsoft.com/office/drawing/2014/main" id="{32D427FF-B79D-29B4-8016-D5C152B0AB84}"/>
+                    </a:ext>
+                  </a:extLst>
+                </p:cNvPr>
+                <p:cNvCxnSpPr/>
+                <p:nvPr/>
+              </p:nvCxnSpPr>
+              <p:spPr>
+                <a:xfrm flipH="1" flipV="1">
+                  <a:off x="1597276" y="2527065"/>
+                  <a:ext cx="0" cy="310896"/>
+                </a:xfrm>
+                <a:prstGeom prst="line">
+                  <a:avLst/>
+                </a:prstGeom>
+                <a:ln w="19050"/>
+              </p:spPr>
+              <p:style>
+                <a:lnRef idx="1">
+                  <a:schemeClr val="dk1"/>
+                </a:lnRef>
+                <a:fillRef idx="0">
+                  <a:schemeClr val="dk1"/>
+                </a:fillRef>
+                <a:effectRef idx="0">
+                  <a:schemeClr val="dk1"/>
+                </a:effectRef>
+                <a:fontRef idx="minor">
+                  <a:schemeClr val="tx1"/>
+                </a:fontRef>
+              </p:style>
+            </p:cxnSp>
+            <p:cxnSp>
+              <p:nvCxnSpPr>
+                <p:cNvPr id="863" name="Straight Connector 862">
+                  <a:extLst>
+                    <a:ext uri="{FF2B5EF4-FFF2-40B4-BE49-F238E27FC236}">
+                      <a16:creationId xmlns:a16="http://schemas.microsoft.com/office/drawing/2014/main" id="{E67E168F-1D9A-0CDE-0049-B33288075A67}"/>
+                    </a:ext>
+                  </a:extLst>
+                </p:cNvPr>
+                <p:cNvCxnSpPr/>
+                <p:nvPr/>
+              </p:nvCxnSpPr>
+              <p:spPr>
+                <a:xfrm flipH="1" flipV="1">
+                  <a:off x="1944939" y="2527064"/>
+                  <a:ext cx="0" cy="310896"/>
+                </a:xfrm>
+                <a:prstGeom prst="line">
+                  <a:avLst/>
+                </a:prstGeom>
+                <a:ln w="19050"/>
+              </p:spPr>
+              <p:style>
+                <a:lnRef idx="1">
+                  <a:schemeClr val="dk1"/>
+                </a:lnRef>
+                <a:fillRef idx="0">
+                  <a:schemeClr val="dk1"/>
+                </a:fillRef>
+                <a:effectRef idx="0">
+                  <a:schemeClr val="dk1"/>
+                </a:effectRef>
+                <a:fontRef idx="minor">
+                  <a:schemeClr val="tx1"/>
+                </a:fontRef>
+              </p:style>
+            </p:cxnSp>
+          </p:grpSp>
+          <p:grpSp>
+            <p:nvGrpSpPr>
+              <p:cNvPr id="44" name="Group 43">
+                <a:extLst>
+                  <a:ext uri="{FF2B5EF4-FFF2-40B4-BE49-F238E27FC236}">
+                    <a16:creationId xmlns:a16="http://schemas.microsoft.com/office/drawing/2014/main" id="{0577C20F-860D-D563-4F1D-DB538CFEC5D5}"/>
+                  </a:ext>
+                </a:extLst>
+              </p:cNvPr>
+              <p:cNvGrpSpPr/>
+              <p:nvPr/>
+            </p:nvGrpSpPr>
+            <p:grpSpPr>
+              <a:xfrm>
+                <a:off x="3007592" y="1655064"/>
+                <a:ext cx="99230" cy="67574"/>
+                <a:chOff x="1587752" y="2527064"/>
+                <a:chExt cx="365760" cy="310897"/>
+              </a:xfrm>
+            </p:grpSpPr>
+            <p:cxnSp>
+              <p:nvCxnSpPr>
+                <p:cNvPr id="858" name="Straight Connector 857">
+                  <a:extLst>
+                    <a:ext uri="{FF2B5EF4-FFF2-40B4-BE49-F238E27FC236}">
+                      <a16:creationId xmlns:a16="http://schemas.microsoft.com/office/drawing/2014/main" id="{4972E686-F7E7-577B-74DE-8499D4280F06}"/>
+                    </a:ext>
+                  </a:extLst>
+                </p:cNvPr>
+                <p:cNvCxnSpPr>
+                  <a:cxnSpLocks/>
+                </p:cNvCxnSpPr>
+                <p:nvPr/>
+              </p:nvCxnSpPr>
+              <p:spPr>
+                <a:xfrm flipH="1">
+                  <a:off x="1587752" y="2828685"/>
+                  <a:ext cx="365760" cy="0"/>
+                </a:xfrm>
+                <a:prstGeom prst="line">
+                  <a:avLst/>
+                </a:prstGeom>
+                <a:ln w="19050">
+                  <a:solidFill>
+                    <a:schemeClr val="tx1"/>
+                  </a:solidFill>
+                </a:ln>
+              </p:spPr>
+              <p:style>
+                <a:lnRef idx="1">
+                  <a:schemeClr val="accent1"/>
+                </a:lnRef>
+                <a:fillRef idx="0">
+                  <a:schemeClr val="accent1"/>
+                </a:fillRef>
+                <a:effectRef idx="0">
+                  <a:schemeClr val="accent1"/>
+                </a:effectRef>
+                <a:fontRef idx="minor">
+                  <a:schemeClr val="tx1"/>
+                </a:fontRef>
+              </p:style>
+            </p:cxnSp>
+            <p:cxnSp>
+              <p:nvCxnSpPr>
+                <p:cNvPr id="859" name="Straight Connector 858">
+                  <a:extLst>
+                    <a:ext uri="{FF2B5EF4-FFF2-40B4-BE49-F238E27FC236}">
+                      <a16:creationId xmlns:a16="http://schemas.microsoft.com/office/drawing/2014/main" id="{9781759D-CF9C-B575-EACE-A30AB54D4A57}"/>
+                    </a:ext>
+                  </a:extLst>
+                </p:cNvPr>
+                <p:cNvCxnSpPr/>
+                <p:nvPr/>
+              </p:nvCxnSpPr>
+              <p:spPr>
+                <a:xfrm flipH="1" flipV="1">
+                  <a:off x="1597276" y="2527065"/>
+                  <a:ext cx="0" cy="310896"/>
+                </a:xfrm>
+                <a:prstGeom prst="line">
+                  <a:avLst/>
+                </a:prstGeom>
+                <a:ln w="19050"/>
+              </p:spPr>
+              <p:style>
+                <a:lnRef idx="1">
+                  <a:schemeClr val="dk1"/>
+                </a:lnRef>
+                <a:fillRef idx="0">
+                  <a:schemeClr val="dk1"/>
+                </a:fillRef>
+                <a:effectRef idx="0">
+                  <a:schemeClr val="dk1"/>
+                </a:effectRef>
+                <a:fontRef idx="minor">
+                  <a:schemeClr val="tx1"/>
+                </a:fontRef>
+              </p:style>
+            </p:cxnSp>
+            <p:cxnSp>
+              <p:nvCxnSpPr>
+                <p:cNvPr id="860" name="Straight Connector 859">
+                  <a:extLst>
+                    <a:ext uri="{FF2B5EF4-FFF2-40B4-BE49-F238E27FC236}">
+                      <a16:creationId xmlns:a16="http://schemas.microsoft.com/office/drawing/2014/main" id="{C3F7D3DB-188B-9716-82C7-481FAA1B395F}"/>
+                    </a:ext>
+                  </a:extLst>
+                </p:cNvPr>
+                <p:cNvCxnSpPr/>
+                <p:nvPr/>
+              </p:nvCxnSpPr>
+              <p:spPr>
+                <a:xfrm flipH="1" flipV="1">
+                  <a:off x="1944939" y="2527064"/>
+                  <a:ext cx="0" cy="310896"/>
+                </a:xfrm>
+                <a:prstGeom prst="line">
+                  <a:avLst/>
+                </a:prstGeom>
+                <a:ln w="19050"/>
+              </p:spPr>
+              <p:style>
+                <a:lnRef idx="1">
+                  <a:schemeClr val="dk1"/>
+                </a:lnRef>
+                <a:fillRef idx="0">
+                  <a:schemeClr val="dk1"/>
+                </a:fillRef>
+                <a:effectRef idx="0">
+                  <a:schemeClr val="dk1"/>
+                </a:effectRef>
+                <a:fontRef idx="minor">
+                  <a:schemeClr val="tx1"/>
+                </a:fontRef>
+              </p:style>
+            </p:cxnSp>
+          </p:grpSp>
+          <p:grpSp>
+            <p:nvGrpSpPr>
+              <p:cNvPr id="45" name="Group 44">
+                <a:extLst>
+                  <a:ext uri="{FF2B5EF4-FFF2-40B4-BE49-F238E27FC236}">
+                    <a16:creationId xmlns:a16="http://schemas.microsoft.com/office/drawing/2014/main" id="{EFAAFB99-9E93-03CE-37CD-9701A0C02F5E}"/>
+                  </a:ext>
+                </a:extLst>
+              </p:cNvPr>
+              <p:cNvGrpSpPr/>
+              <p:nvPr/>
+            </p:nvGrpSpPr>
+            <p:grpSpPr>
+              <a:xfrm>
+                <a:off x="1808817" y="1655064"/>
+                <a:ext cx="99230" cy="67574"/>
+                <a:chOff x="1587752" y="2527064"/>
+                <a:chExt cx="365760" cy="310897"/>
+              </a:xfrm>
+            </p:grpSpPr>
+            <p:cxnSp>
+              <p:nvCxnSpPr>
+                <p:cNvPr id="855" name="Straight Connector 854">
+                  <a:extLst>
+                    <a:ext uri="{FF2B5EF4-FFF2-40B4-BE49-F238E27FC236}">
+                      <a16:creationId xmlns:a16="http://schemas.microsoft.com/office/drawing/2014/main" id="{3EC9EB21-88DF-5832-6520-1438C1C5E503}"/>
+                    </a:ext>
+                  </a:extLst>
+                </p:cNvPr>
+                <p:cNvCxnSpPr>
+                  <a:cxnSpLocks/>
+                </p:cNvCxnSpPr>
+                <p:nvPr/>
+              </p:nvCxnSpPr>
+              <p:spPr>
+                <a:xfrm flipH="1">
+                  <a:off x="1587752" y="2828685"/>
+                  <a:ext cx="365760" cy="0"/>
+                </a:xfrm>
+                <a:prstGeom prst="line">
+                  <a:avLst/>
+                </a:prstGeom>
+                <a:ln w="19050">
+                  <a:solidFill>
+                    <a:schemeClr val="tx1"/>
+                  </a:solidFill>
+                </a:ln>
+              </p:spPr>
+              <p:style>
+                <a:lnRef idx="1">
+                  <a:schemeClr val="accent1"/>
+                </a:lnRef>
+                <a:fillRef idx="0">
+                  <a:schemeClr val="accent1"/>
+                </a:fillRef>
+                <a:effectRef idx="0">
+                  <a:schemeClr val="accent1"/>
+                </a:effectRef>
+                <a:fontRef idx="minor">
+                  <a:schemeClr val="tx1"/>
+                </a:fontRef>
+              </p:style>
+            </p:cxnSp>
+            <p:cxnSp>
+              <p:nvCxnSpPr>
+                <p:cNvPr id="856" name="Straight Connector 855">
+                  <a:extLst>
+                    <a:ext uri="{FF2B5EF4-FFF2-40B4-BE49-F238E27FC236}">
+                      <a16:creationId xmlns:a16="http://schemas.microsoft.com/office/drawing/2014/main" id="{995F9595-FE4C-2A04-7DDB-F92C121F1D37}"/>
+                    </a:ext>
+                  </a:extLst>
+                </p:cNvPr>
+                <p:cNvCxnSpPr/>
+                <p:nvPr/>
+              </p:nvCxnSpPr>
+              <p:spPr>
+                <a:xfrm flipH="1" flipV="1">
+                  <a:off x="1597276" y="2527065"/>
+                  <a:ext cx="0" cy="310896"/>
+                </a:xfrm>
+                <a:prstGeom prst="line">
+                  <a:avLst/>
+                </a:prstGeom>
+                <a:ln w="19050"/>
+              </p:spPr>
+              <p:style>
+                <a:lnRef idx="1">
+                  <a:schemeClr val="dk1"/>
+                </a:lnRef>
+                <a:fillRef idx="0">
+                  <a:schemeClr val="dk1"/>
+                </a:fillRef>
+                <a:effectRef idx="0">
+                  <a:schemeClr val="dk1"/>
+                </a:effectRef>
+                <a:fontRef idx="minor">
+                  <a:schemeClr val="tx1"/>
+                </a:fontRef>
+              </p:style>
+            </p:cxnSp>
+            <p:cxnSp>
+              <p:nvCxnSpPr>
+                <p:cNvPr id="857" name="Straight Connector 856">
+                  <a:extLst>
+                    <a:ext uri="{FF2B5EF4-FFF2-40B4-BE49-F238E27FC236}">
+                      <a16:creationId xmlns:a16="http://schemas.microsoft.com/office/drawing/2014/main" id="{6B9CAF6F-4AB5-DBC2-4787-4F70556A01D3}"/>
+                    </a:ext>
+                  </a:extLst>
+                </p:cNvPr>
+                <p:cNvCxnSpPr/>
+                <p:nvPr/>
+              </p:nvCxnSpPr>
+              <p:spPr>
+                <a:xfrm flipH="1" flipV="1">
+                  <a:off x="1944939" y="2527064"/>
+                  <a:ext cx="0" cy="310896"/>
+                </a:xfrm>
+                <a:prstGeom prst="line">
+                  <a:avLst/>
+                </a:prstGeom>
+                <a:ln w="19050"/>
+              </p:spPr>
+              <p:style>
+                <a:lnRef idx="1">
+                  <a:schemeClr val="dk1"/>
+                </a:lnRef>
+                <a:fillRef idx="0">
+                  <a:schemeClr val="dk1"/>
+                </a:fillRef>
+                <a:effectRef idx="0">
+                  <a:schemeClr val="dk1"/>
+                </a:effectRef>
+                <a:fontRef idx="minor">
+                  <a:schemeClr val="tx1"/>
+                </a:fontRef>
+              </p:style>
+            </p:cxnSp>
+          </p:grpSp>
+          <p:grpSp>
+            <p:nvGrpSpPr>
+              <p:cNvPr id="46" name="Group 45">
+                <a:extLst>
+                  <a:ext uri="{FF2B5EF4-FFF2-40B4-BE49-F238E27FC236}">
+                    <a16:creationId xmlns:a16="http://schemas.microsoft.com/office/drawing/2014/main" id="{1F510E59-E294-98CD-7461-796C3A8A355C}"/>
+                  </a:ext>
+                </a:extLst>
+              </p:cNvPr>
+              <p:cNvGrpSpPr/>
+              <p:nvPr/>
+            </p:nvGrpSpPr>
+            <p:grpSpPr>
+              <a:xfrm>
+                <a:off x="3821786" y="1655064"/>
+                <a:ext cx="99230" cy="67574"/>
+                <a:chOff x="1587752" y="2527064"/>
+                <a:chExt cx="365760" cy="310897"/>
+              </a:xfrm>
+            </p:grpSpPr>
+            <p:cxnSp>
+              <p:nvCxnSpPr>
+                <p:cNvPr id="852" name="Straight Connector 851">
+                  <a:extLst>
+                    <a:ext uri="{FF2B5EF4-FFF2-40B4-BE49-F238E27FC236}">
+                      <a16:creationId xmlns:a16="http://schemas.microsoft.com/office/drawing/2014/main" id="{EAEF6627-781A-2D76-78E2-7C345A04AB72}"/>
+                    </a:ext>
+                  </a:extLst>
+                </p:cNvPr>
+                <p:cNvCxnSpPr>
+                  <a:cxnSpLocks/>
+                </p:cNvCxnSpPr>
+                <p:nvPr/>
+              </p:nvCxnSpPr>
+              <p:spPr>
+                <a:xfrm flipH="1">
+                  <a:off x="1587752" y="2828685"/>
+                  <a:ext cx="365760" cy="0"/>
+                </a:xfrm>
+                <a:prstGeom prst="line">
+                  <a:avLst/>
+                </a:prstGeom>
+                <a:ln w="19050">
+                  <a:solidFill>
+                    <a:schemeClr val="tx1"/>
+                  </a:solidFill>
+                </a:ln>
+              </p:spPr>
+              <p:style>
+                <a:lnRef idx="1">
+                  <a:schemeClr val="accent1"/>
+                </a:lnRef>
+                <a:fillRef idx="0">
+                  <a:schemeClr val="accent1"/>
+                </a:fillRef>
+                <a:effectRef idx="0">
+                  <a:schemeClr val="accent1"/>
+                </a:effectRef>
+                <a:fontRef idx="minor">
+                  <a:schemeClr val="tx1"/>
+                </a:fontRef>
+              </p:style>
+            </p:cxnSp>
+            <p:cxnSp>
+              <p:nvCxnSpPr>
+                <p:cNvPr id="853" name="Straight Connector 852">
+                  <a:extLst>
+                    <a:ext uri="{FF2B5EF4-FFF2-40B4-BE49-F238E27FC236}">
+                      <a16:creationId xmlns:a16="http://schemas.microsoft.com/office/drawing/2014/main" id="{769297A8-B96B-C341-8D25-3FDDA358DF5A}"/>
+                    </a:ext>
+                  </a:extLst>
+                </p:cNvPr>
+                <p:cNvCxnSpPr/>
+                <p:nvPr/>
+              </p:nvCxnSpPr>
+              <p:spPr>
+                <a:xfrm flipH="1" flipV="1">
+                  <a:off x="1597276" y="2527065"/>
+                  <a:ext cx="0" cy="310896"/>
+                </a:xfrm>
+                <a:prstGeom prst="line">
+                  <a:avLst/>
+                </a:prstGeom>
+                <a:ln w="19050"/>
+              </p:spPr>
+              <p:style>
+                <a:lnRef idx="1">
+                  <a:schemeClr val="dk1"/>
+                </a:lnRef>
+                <a:fillRef idx="0">
+                  <a:schemeClr val="dk1"/>
+                </a:fillRef>
+                <a:effectRef idx="0">
+                  <a:schemeClr val="dk1"/>
+                </a:effectRef>
+                <a:fontRef idx="minor">
+                  <a:schemeClr val="tx1"/>
+                </a:fontRef>
+              </p:style>
+            </p:cxnSp>
+            <p:cxnSp>
+              <p:nvCxnSpPr>
+                <p:cNvPr id="854" name="Straight Connector 853">
+                  <a:extLst>
+                    <a:ext uri="{FF2B5EF4-FFF2-40B4-BE49-F238E27FC236}">
+                      <a16:creationId xmlns:a16="http://schemas.microsoft.com/office/drawing/2014/main" id="{4223B856-DABA-3ECE-1FB2-9AD2491ED050}"/>
+                    </a:ext>
+                  </a:extLst>
+                </p:cNvPr>
+                <p:cNvCxnSpPr/>
+                <p:nvPr/>
+              </p:nvCxnSpPr>
+              <p:spPr>
+                <a:xfrm flipH="1" flipV="1">
+                  <a:off x="1944939" y="2527064"/>
+                  <a:ext cx="0" cy="310896"/>
+                </a:xfrm>
+                <a:prstGeom prst="line">
+                  <a:avLst/>
+                </a:prstGeom>
+                <a:ln w="19050"/>
+              </p:spPr>
+              <p:style>
+                <a:lnRef idx="1">
+                  <a:schemeClr val="dk1"/>
+                </a:lnRef>
+                <a:fillRef idx="0">
+                  <a:schemeClr val="dk1"/>
+                </a:fillRef>
+                <a:effectRef idx="0">
+                  <a:schemeClr val="dk1"/>
+                </a:effectRef>
+                <a:fontRef idx="minor">
+                  <a:schemeClr val="tx1"/>
+                </a:fontRef>
+              </p:style>
+            </p:cxnSp>
+          </p:grpSp>
+          <p:grpSp>
+            <p:nvGrpSpPr>
+              <p:cNvPr id="47" name="Group 46">
+                <a:extLst>
+                  <a:ext uri="{FF2B5EF4-FFF2-40B4-BE49-F238E27FC236}">
+                    <a16:creationId xmlns:a16="http://schemas.microsoft.com/office/drawing/2014/main" id="{3BC220AA-A4D7-E0A6-C1A8-37FC533AF702}"/>
+                  </a:ext>
+                </a:extLst>
+              </p:cNvPr>
+              <p:cNvGrpSpPr/>
+              <p:nvPr/>
+            </p:nvGrpSpPr>
+            <p:grpSpPr>
+              <a:xfrm>
+                <a:off x="3365499" y="1655064"/>
+                <a:ext cx="199622" cy="67574"/>
+                <a:chOff x="1587752" y="2527064"/>
+                <a:chExt cx="365760" cy="310897"/>
+              </a:xfrm>
+            </p:grpSpPr>
+            <p:cxnSp>
+              <p:nvCxnSpPr>
+                <p:cNvPr id="849" name="Straight Connector 848">
+                  <a:extLst>
+                    <a:ext uri="{FF2B5EF4-FFF2-40B4-BE49-F238E27FC236}">
+                      <a16:creationId xmlns:a16="http://schemas.microsoft.com/office/drawing/2014/main" id="{9E423138-EA25-2827-67CC-3C49FE145E3E}"/>
+                    </a:ext>
+                  </a:extLst>
+                </p:cNvPr>
+                <p:cNvCxnSpPr>
+                  <a:cxnSpLocks/>
+                </p:cNvCxnSpPr>
+                <p:nvPr/>
+              </p:nvCxnSpPr>
+              <p:spPr>
+                <a:xfrm flipH="1">
+                  <a:off x="1587752" y="2828685"/>
+                  <a:ext cx="365760" cy="0"/>
+                </a:xfrm>
+                <a:prstGeom prst="line">
+                  <a:avLst/>
+                </a:prstGeom>
+                <a:ln w="19050">
+                  <a:solidFill>
+                    <a:schemeClr val="tx1"/>
+                  </a:solidFill>
+                </a:ln>
+              </p:spPr>
+              <p:style>
+                <a:lnRef idx="1">
+                  <a:schemeClr val="accent1"/>
+                </a:lnRef>
+                <a:fillRef idx="0">
+                  <a:schemeClr val="accent1"/>
+                </a:fillRef>
+                <a:effectRef idx="0">
+                  <a:schemeClr val="accent1"/>
+                </a:effectRef>
+                <a:fontRef idx="minor">
+                  <a:schemeClr val="tx1"/>
+                </a:fontRef>
+              </p:style>
+            </p:cxnSp>
+            <p:cxnSp>
+              <p:nvCxnSpPr>
+                <p:cNvPr id="850" name="Straight Connector 849">
+                  <a:extLst>
+                    <a:ext uri="{FF2B5EF4-FFF2-40B4-BE49-F238E27FC236}">
+                      <a16:creationId xmlns:a16="http://schemas.microsoft.com/office/drawing/2014/main" id="{7FC5FD71-FC91-6E83-9657-1F39E50D11D8}"/>
+                    </a:ext>
+                  </a:extLst>
+                </p:cNvPr>
+                <p:cNvCxnSpPr/>
+                <p:nvPr/>
+              </p:nvCxnSpPr>
+              <p:spPr>
+                <a:xfrm flipH="1" flipV="1">
+                  <a:off x="1597276" y="2527065"/>
+                  <a:ext cx="0" cy="310896"/>
+                </a:xfrm>
+                <a:prstGeom prst="line">
+                  <a:avLst/>
+                </a:prstGeom>
+                <a:ln w="19050"/>
+              </p:spPr>
+              <p:style>
+                <a:lnRef idx="1">
+                  <a:schemeClr val="dk1"/>
+                </a:lnRef>
+                <a:fillRef idx="0">
+                  <a:schemeClr val="dk1"/>
+                </a:fillRef>
+                <a:effectRef idx="0">
+                  <a:schemeClr val="dk1"/>
+                </a:effectRef>
+                <a:fontRef idx="minor">
+                  <a:schemeClr val="tx1"/>
+                </a:fontRef>
+              </p:style>
+            </p:cxnSp>
+            <p:cxnSp>
+              <p:nvCxnSpPr>
+                <p:cNvPr id="851" name="Straight Connector 850">
+                  <a:extLst>
+                    <a:ext uri="{FF2B5EF4-FFF2-40B4-BE49-F238E27FC236}">
+                      <a16:creationId xmlns:a16="http://schemas.microsoft.com/office/drawing/2014/main" id="{012E8DC7-6CED-99E8-54CB-5BEDC271310D}"/>
+                    </a:ext>
+                  </a:extLst>
+                </p:cNvPr>
+                <p:cNvCxnSpPr/>
+                <p:nvPr/>
+              </p:nvCxnSpPr>
+              <p:spPr>
+                <a:xfrm flipH="1" flipV="1">
+                  <a:off x="1944939" y="2527064"/>
+                  <a:ext cx="0" cy="310896"/>
+                </a:xfrm>
+                <a:prstGeom prst="line">
+                  <a:avLst/>
+                </a:prstGeom>
+                <a:ln w="19050"/>
+              </p:spPr>
+              <p:style>
+                <a:lnRef idx="1">
+                  <a:schemeClr val="dk1"/>
+                </a:lnRef>
+                <a:fillRef idx="0">
+                  <a:schemeClr val="dk1"/>
+                </a:fillRef>
+                <a:effectRef idx="0">
+                  <a:schemeClr val="dk1"/>
+                </a:effectRef>
+                <a:fontRef idx="minor">
+                  <a:schemeClr val="tx1"/>
+                </a:fontRef>
+              </p:style>
+            </p:cxnSp>
+          </p:grpSp>
+          <p:cxnSp>
+            <p:nvCxnSpPr>
+              <p:cNvPr id="48" name="Straight Connector 47">
+                <a:extLst>
+                  <a:ext uri="{FF2B5EF4-FFF2-40B4-BE49-F238E27FC236}">
+                    <a16:creationId xmlns:a16="http://schemas.microsoft.com/office/drawing/2014/main" id="{7BA73E3E-890A-4E32-CE47-49B6D5DDF6AB}"/>
+                  </a:ext>
+                </a:extLst>
+              </p:cNvPr>
+              <p:cNvCxnSpPr>
+                <a:cxnSpLocks/>
+              </p:cNvCxnSpPr>
+              <p:nvPr/>
+            </p:nvCxnSpPr>
+            <p:spPr>
+              <a:xfrm flipH="1">
+                <a:off x="1896197" y="1655064"/>
+                <a:ext cx="283464" cy="0"/>
               </a:xfrm>
               <a:prstGeom prst="line">
                 <a:avLst/>
@@ -5048,47 +6158,10 @@
           </p:cxnSp>
           <p:cxnSp>
             <p:nvCxnSpPr>
-              <p:cNvPr id="874" name="Straight Connector 873">
+              <p:cNvPr id="59" name="Straight Connector 58">
                 <a:extLst>
                   <a:ext uri="{FF2B5EF4-FFF2-40B4-BE49-F238E27FC236}">
-                    <a16:creationId xmlns:a16="http://schemas.microsoft.com/office/drawing/2014/main" id="{35801234-859A-44A3-CB18-167DB1F0757C}"/>
-                  </a:ext>
-                </a:extLst>
-              </p:cNvPr>
-              <p:cNvCxnSpPr/>
-              <p:nvPr/>
-            </p:nvCxnSpPr>
-            <p:spPr>
-              <a:xfrm flipH="1" flipV="1">
-                <a:off x="1535077" y="1658107"/>
-                <a:ext cx="0" cy="73152"/>
-              </a:xfrm>
-              <a:prstGeom prst="line">
-                <a:avLst/>
-              </a:prstGeom>
-              <a:ln w="19050"/>
-            </p:spPr>
-            <p:style>
-              <a:lnRef idx="1">
-                <a:schemeClr val="dk1"/>
-              </a:lnRef>
-              <a:fillRef idx="0">
-                <a:schemeClr val="dk1"/>
-              </a:fillRef>
-              <a:effectRef idx="0">
-                <a:schemeClr val="dk1"/>
-              </a:effectRef>
-              <a:fontRef idx="minor">
-                <a:schemeClr val="tx1"/>
-              </a:fontRef>
-            </p:style>
-          </p:cxnSp>
-          <p:cxnSp>
-            <p:nvCxnSpPr>
-              <p:cNvPr id="875" name="Straight Connector 874">
-                <a:extLst>
-                  <a:ext uri="{FF2B5EF4-FFF2-40B4-BE49-F238E27FC236}">
-                    <a16:creationId xmlns:a16="http://schemas.microsoft.com/office/drawing/2014/main" id="{20D5411A-941B-89BE-167E-1C352EEA8E40}"/>
+                    <a16:creationId xmlns:a16="http://schemas.microsoft.com/office/drawing/2014/main" id="{31C90F43-4332-B92E-E8AB-EFA99635C64B}"/>
                   </a:ext>
                 </a:extLst>
               </p:cNvPr>
@@ -5099,8 +6172,137 @@
             </p:nvCxnSpPr>
             <p:spPr>
               <a:xfrm flipH="1">
-                <a:off x="1528214" y="1663462"/>
-                <a:ext cx="292608" cy="0"/>
+                <a:off x="2359900" y="1655064"/>
+                <a:ext cx="283464" cy="0"/>
+              </a:xfrm>
+              <a:prstGeom prst="line">
+                <a:avLst/>
+              </a:prstGeom>
+              <a:ln w="19050">
+                <a:solidFill>
+                  <a:schemeClr val="tx1"/>
+                </a:solidFill>
+              </a:ln>
+            </p:spPr>
+            <p:style>
+              <a:lnRef idx="1">
+                <a:schemeClr val="accent1"/>
+              </a:lnRef>
+              <a:fillRef idx="0">
+                <a:schemeClr val="accent1"/>
+              </a:fillRef>
+              <a:effectRef idx="0">
+                <a:schemeClr val="accent1"/>
+              </a:effectRef>
+              <a:fontRef idx="minor">
+                <a:schemeClr val="tx1"/>
+              </a:fontRef>
+            </p:style>
+          </p:cxnSp>
+          <p:cxnSp>
+            <p:nvCxnSpPr>
+              <p:cNvPr id="60" name="Straight Connector 59">
+                <a:extLst>
+                  <a:ext uri="{FF2B5EF4-FFF2-40B4-BE49-F238E27FC236}">
+                    <a16:creationId xmlns:a16="http://schemas.microsoft.com/office/drawing/2014/main" id="{5BF6FF2B-A0CA-527E-70E5-023006D2E608}"/>
+                  </a:ext>
+                </a:extLst>
+              </p:cNvPr>
+              <p:cNvCxnSpPr>
+                <a:cxnSpLocks/>
+              </p:cNvCxnSpPr>
+              <p:nvPr/>
+            </p:nvCxnSpPr>
+            <p:spPr>
+              <a:xfrm flipH="1">
+                <a:off x="2727128" y="1655064"/>
+                <a:ext cx="283464" cy="0"/>
+              </a:xfrm>
+              <a:prstGeom prst="line">
+                <a:avLst/>
+              </a:prstGeom>
+              <a:ln w="19050">
+                <a:solidFill>
+                  <a:schemeClr val="tx1"/>
+                </a:solidFill>
+              </a:ln>
+            </p:spPr>
+            <p:style>
+              <a:lnRef idx="1">
+                <a:schemeClr val="accent1"/>
+              </a:lnRef>
+              <a:fillRef idx="0">
+                <a:schemeClr val="accent1"/>
+              </a:fillRef>
+              <a:effectRef idx="0">
+                <a:schemeClr val="accent1"/>
+              </a:effectRef>
+              <a:fontRef idx="minor">
+                <a:schemeClr val="tx1"/>
+              </a:fontRef>
+            </p:style>
+          </p:cxnSp>
+          <p:cxnSp>
+            <p:nvCxnSpPr>
+              <p:cNvPr id="61" name="Straight Connector 60">
+                <a:extLst>
+                  <a:ext uri="{FF2B5EF4-FFF2-40B4-BE49-F238E27FC236}">
+                    <a16:creationId xmlns:a16="http://schemas.microsoft.com/office/drawing/2014/main" id="{C73B780D-5403-2460-DD9E-796E285B2F49}"/>
+                  </a:ext>
+                </a:extLst>
+              </p:cNvPr>
+              <p:cNvCxnSpPr>
+                <a:cxnSpLocks/>
+              </p:cNvCxnSpPr>
+              <p:nvPr/>
+            </p:nvCxnSpPr>
+            <p:spPr>
+              <a:xfrm flipH="1">
+                <a:off x="3097435" y="1655064"/>
+                <a:ext cx="283464" cy="0"/>
+              </a:xfrm>
+              <a:prstGeom prst="line">
+                <a:avLst/>
+              </a:prstGeom>
+              <a:ln w="19050">
+                <a:solidFill>
+                  <a:schemeClr val="tx1"/>
+                </a:solidFill>
+              </a:ln>
+            </p:spPr>
+            <p:style>
+              <a:lnRef idx="1">
+                <a:schemeClr val="accent1"/>
+              </a:lnRef>
+              <a:fillRef idx="0">
+                <a:schemeClr val="accent1"/>
+              </a:fillRef>
+              <a:effectRef idx="0">
+                <a:schemeClr val="accent1"/>
+              </a:effectRef>
+              <a:fontRef idx="minor">
+                <a:schemeClr val="tx1"/>
+              </a:fontRef>
+            </p:style>
+          </p:cxnSp>
+          <p:cxnSp>
+            <p:nvCxnSpPr>
+              <p:cNvPr id="63" name="Straight Connector 62">
+                <a:extLst>
+                  <a:ext uri="{FF2B5EF4-FFF2-40B4-BE49-F238E27FC236}">
+                    <a16:creationId xmlns:a16="http://schemas.microsoft.com/office/drawing/2014/main" id="{FE21C955-3A7F-9084-AAE2-B9BCB23FA7B5}"/>
+                  </a:ext>
+                </a:extLst>
+              </p:cNvPr>
+              <p:cNvCxnSpPr>
+                <a:cxnSpLocks/>
+              </p:cNvCxnSpPr>
+              <p:nvPr/>
+            </p:nvCxnSpPr>
+            <p:spPr>
+              <a:xfrm flipH="1">
+                <a:off x="3550844" y="1655064"/>
+                <a:ext cx="283464" cy="0"/>
               </a:xfrm>
               <a:prstGeom prst="line">
                 <a:avLst/>
@@ -5129,10 +6331,10 @@
         </p:grpSp>
         <p:grpSp>
           <p:nvGrpSpPr>
-            <p:cNvPr id="39" name="Group 38">
+            <p:cNvPr id="885" name="building">
               <a:extLst>
                 <a:ext uri="{FF2B5EF4-FFF2-40B4-BE49-F238E27FC236}">
-                  <a16:creationId xmlns:a16="http://schemas.microsoft.com/office/drawing/2014/main" id="{ECFAA1FC-DF02-47BD-C11B-9ACF2461AE32}"/>
+                  <a16:creationId xmlns:a16="http://schemas.microsoft.com/office/drawing/2014/main" id="{7C46D532-3D92-0A98-DD58-53B354C7F0D5}"/>
                 </a:ext>
               </a:extLst>
             </p:cNvPr>
@@ -5140,19 +6342,19 @@
             <p:nvPr/>
           </p:nvGrpSpPr>
           <p:grpSpPr>
-            <a:xfrm>
-              <a:off x="3372139" y="2053399"/>
-              <a:ext cx="98885" cy="67574"/>
-              <a:chOff x="1587752" y="2527064"/>
-              <a:chExt cx="365760" cy="310897"/>
+            <a:xfrm rot="21591747">
+              <a:off x="4376955" y="3558492"/>
+              <a:ext cx="3078952" cy="600809"/>
+              <a:chOff x="1461537" y="1655064"/>
+              <a:chExt cx="2807686" cy="465909"/>
             </a:xfrm>
           </p:grpSpPr>
           <p:cxnSp>
             <p:nvCxnSpPr>
-              <p:cNvPr id="867" name="Straight Connector 866">
+              <p:cNvPr id="886" name="Straight Connector 885">
                 <a:extLst>
                   <a:ext uri="{FF2B5EF4-FFF2-40B4-BE49-F238E27FC236}">
-                    <a16:creationId xmlns:a16="http://schemas.microsoft.com/office/drawing/2014/main" id="{033DFCF2-B970-07EB-06FB-BBD878AED61A}"/>
+                    <a16:creationId xmlns:a16="http://schemas.microsoft.com/office/drawing/2014/main" id="{D387123A-5975-F483-C64E-8EEF8FE60B8E}"/>
                   </a:ext>
                 </a:extLst>
               </p:cNvPr>
@@ -5163,8 +6365,8 @@
             </p:nvCxnSpPr>
             <p:spPr>
               <a:xfrm flipH="1">
-                <a:off x="1587752" y="2828685"/>
-                <a:ext cx="365760" cy="0"/>
+                <a:off x="2330695" y="2055019"/>
+                <a:ext cx="1938528" cy="0"/>
               </a:xfrm>
               <a:prstGeom prst="line">
                 <a:avLst/>
@@ -5192,105 +6394,10 @@
           </p:cxnSp>
           <p:cxnSp>
             <p:nvCxnSpPr>
-              <p:cNvPr id="868" name="Straight Connector 867">
+              <p:cNvPr id="887" name="Straight Connector 886">
                 <a:extLst>
                   <a:ext uri="{FF2B5EF4-FFF2-40B4-BE49-F238E27FC236}">
-                    <a16:creationId xmlns:a16="http://schemas.microsoft.com/office/drawing/2014/main" id="{F840D42A-C681-0846-F6EE-E9AC4AEC6C1C}"/>
-                  </a:ext>
-                </a:extLst>
-              </p:cNvPr>
-              <p:cNvCxnSpPr/>
-              <p:nvPr/>
-            </p:nvCxnSpPr>
-            <p:spPr>
-              <a:xfrm flipH="1" flipV="1">
-                <a:off x="1597276" y="2527065"/>
-                <a:ext cx="0" cy="310896"/>
-              </a:xfrm>
-              <a:prstGeom prst="line">
-                <a:avLst/>
-              </a:prstGeom>
-              <a:ln w="19050"/>
-            </p:spPr>
-            <p:style>
-              <a:lnRef idx="1">
-                <a:schemeClr val="dk1"/>
-              </a:lnRef>
-              <a:fillRef idx="0">
-                <a:schemeClr val="dk1"/>
-              </a:fillRef>
-              <a:effectRef idx="0">
-                <a:schemeClr val="dk1"/>
-              </a:effectRef>
-              <a:fontRef idx="minor">
-                <a:schemeClr val="tx1"/>
-              </a:fontRef>
-            </p:style>
-          </p:cxnSp>
-          <p:cxnSp>
-            <p:nvCxnSpPr>
-              <p:cNvPr id="869" name="Straight Connector 868">
-                <a:extLst>
-                  <a:ext uri="{FF2B5EF4-FFF2-40B4-BE49-F238E27FC236}">
-                    <a16:creationId xmlns:a16="http://schemas.microsoft.com/office/drawing/2014/main" id="{35618160-EAC5-3002-2679-BAA7DDB1FD44}"/>
-                  </a:ext>
-                </a:extLst>
-              </p:cNvPr>
-              <p:cNvCxnSpPr/>
-              <p:nvPr/>
-            </p:nvCxnSpPr>
-            <p:spPr>
-              <a:xfrm flipH="1" flipV="1">
-                <a:off x="1944939" y="2527064"/>
-                <a:ext cx="0" cy="310896"/>
-              </a:xfrm>
-              <a:prstGeom prst="line">
-                <a:avLst/>
-              </a:prstGeom>
-              <a:ln w="19050"/>
-            </p:spPr>
-            <p:style>
-              <a:lnRef idx="1">
-                <a:schemeClr val="dk1"/>
-              </a:lnRef>
-              <a:fillRef idx="0">
-                <a:schemeClr val="dk1"/>
-              </a:fillRef>
-              <a:effectRef idx="0">
-                <a:schemeClr val="dk1"/>
-              </a:effectRef>
-              <a:fontRef idx="minor">
-                <a:schemeClr val="tx1"/>
-              </a:fontRef>
-            </p:style>
-          </p:cxnSp>
-        </p:grpSp>
-        <p:grpSp>
-          <p:nvGrpSpPr>
-            <p:cNvPr id="40" name="Group 39">
-              <a:extLst>
-                <a:ext uri="{FF2B5EF4-FFF2-40B4-BE49-F238E27FC236}">
-                  <a16:creationId xmlns:a16="http://schemas.microsoft.com/office/drawing/2014/main" id="{032531DF-B270-2D73-BC4C-0B1406601827}"/>
-                </a:ext>
-              </a:extLst>
-            </p:cNvPr>
-            <p:cNvGrpSpPr/>
-            <p:nvPr/>
-          </p:nvGrpSpPr>
-          <p:grpSpPr>
-            <a:xfrm>
-              <a:off x="2172100" y="1655064"/>
-              <a:ext cx="199622" cy="67574"/>
-              <a:chOff x="1587752" y="2527064"/>
-              <a:chExt cx="365760" cy="310897"/>
-            </a:xfrm>
-          </p:grpSpPr>
-          <p:cxnSp>
-            <p:nvCxnSpPr>
-              <p:cNvPr id="864" name="Straight Connector 863">
-                <a:extLst>
-                  <a:ext uri="{FF2B5EF4-FFF2-40B4-BE49-F238E27FC236}">
-                    <a16:creationId xmlns:a16="http://schemas.microsoft.com/office/drawing/2014/main" id="{8ECEFCCA-1513-A216-DEDB-1DBA0B578711}"/>
+                    <a16:creationId xmlns:a16="http://schemas.microsoft.com/office/drawing/2014/main" id="{E5DA23CB-6DB3-413B-A2B7-9259F97C8642}"/>
                   </a:ext>
                 </a:extLst>
               </p:cNvPr>
@@ -5301,8 +6408,1677 @@
             </p:nvCxnSpPr>
             <p:spPr>
               <a:xfrm flipH="1">
-                <a:off x="1587752" y="2828685"/>
-                <a:ext cx="365760" cy="0"/>
+                <a:off x="1461537" y="2057400"/>
+                <a:ext cx="667512" cy="0"/>
+              </a:xfrm>
+              <a:prstGeom prst="line">
+                <a:avLst/>
+              </a:prstGeom>
+              <a:ln w="19050">
+                <a:solidFill>
+                  <a:schemeClr val="tx1"/>
+                </a:solidFill>
+              </a:ln>
+            </p:spPr>
+            <p:style>
+              <a:lnRef idx="1">
+                <a:schemeClr val="accent1"/>
+              </a:lnRef>
+              <a:fillRef idx="0">
+                <a:schemeClr val="accent1"/>
+              </a:fillRef>
+              <a:effectRef idx="0">
+                <a:schemeClr val="accent1"/>
+              </a:effectRef>
+              <a:fontRef idx="minor">
+                <a:schemeClr val="tx1"/>
+              </a:fontRef>
+            </p:style>
+          </p:cxnSp>
+          <p:grpSp>
+            <p:nvGrpSpPr>
+              <p:cNvPr id="888" name="Group 887">
+                <a:extLst>
+                  <a:ext uri="{FF2B5EF4-FFF2-40B4-BE49-F238E27FC236}">
+                    <a16:creationId xmlns:a16="http://schemas.microsoft.com/office/drawing/2014/main" id="{770B0841-CA7F-49BF-E9A4-36B3EFCF0864}"/>
+                  </a:ext>
+                </a:extLst>
+              </p:cNvPr>
+              <p:cNvGrpSpPr/>
+              <p:nvPr/>
+            </p:nvGrpSpPr>
+            <p:grpSpPr>
+              <a:xfrm>
+                <a:off x="2114952" y="2048637"/>
+                <a:ext cx="227348" cy="67574"/>
+                <a:chOff x="1587752" y="2527064"/>
+                <a:chExt cx="365760" cy="310897"/>
+              </a:xfrm>
+            </p:grpSpPr>
+            <p:cxnSp>
+              <p:nvCxnSpPr>
+                <p:cNvPr id="1064" name="Straight Connector 1063">
+                  <a:extLst>
+                    <a:ext uri="{FF2B5EF4-FFF2-40B4-BE49-F238E27FC236}">
+                      <a16:creationId xmlns:a16="http://schemas.microsoft.com/office/drawing/2014/main" id="{D79ACAB3-8FFB-96B7-64FC-35BA09E38EAC}"/>
+                    </a:ext>
+                  </a:extLst>
+                </p:cNvPr>
+                <p:cNvCxnSpPr>
+                  <a:cxnSpLocks/>
+                </p:cNvCxnSpPr>
+                <p:nvPr/>
+              </p:nvCxnSpPr>
+              <p:spPr>
+                <a:xfrm flipH="1">
+                  <a:off x="1587752" y="2828685"/>
+                  <a:ext cx="365760" cy="0"/>
+                </a:xfrm>
+                <a:prstGeom prst="line">
+                  <a:avLst/>
+                </a:prstGeom>
+                <a:ln w="19050">
+                  <a:solidFill>
+                    <a:schemeClr val="tx1"/>
+                  </a:solidFill>
+                </a:ln>
+              </p:spPr>
+              <p:style>
+                <a:lnRef idx="1">
+                  <a:schemeClr val="accent1"/>
+                </a:lnRef>
+                <a:fillRef idx="0">
+                  <a:schemeClr val="accent1"/>
+                </a:fillRef>
+                <a:effectRef idx="0">
+                  <a:schemeClr val="accent1"/>
+                </a:effectRef>
+                <a:fontRef idx="minor">
+                  <a:schemeClr val="tx1"/>
+                </a:fontRef>
+              </p:style>
+            </p:cxnSp>
+            <p:cxnSp>
+              <p:nvCxnSpPr>
+                <p:cNvPr id="1065" name="Straight Connector 1064">
+                  <a:extLst>
+                    <a:ext uri="{FF2B5EF4-FFF2-40B4-BE49-F238E27FC236}">
+                      <a16:creationId xmlns:a16="http://schemas.microsoft.com/office/drawing/2014/main" id="{F08BC992-F8C3-C72C-6EC7-3878D8C7B7DE}"/>
+                    </a:ext>
+                  </a:extLst>
+                </p:cNvPr>
+                <p:cNvCxnSpPr/>
+                <p:nvPr/>
+              </p:nvCxnSpPr>
+              <p:spPr>
+                <a:xfrm flipH="1" flipV="1">
+                  <a:off x="1597276" y="2527065"/>
+                  <a:ext cx="0" cy="310896"/>
+                </a:xfrm>
+                <a:prstGeom prst="line">
+                  <a:avLst/>
+                </a:prstGeom>
+                <a:ln w="19050"/>
+              </p:spPr>
+              <p:style>
+                <a:lnRef idx="1">
+                  <a:schemeClr val="dk1"/>
+                </a:lnRef>
+                <a:fillRef idx="0">
+                  <a:schemeClr val="dk1"/>
+                </a:fillRef>
+                <a:effectRef idx="0">
+                  <a:schemeClr val="dk1"/>
+                </a:effectRef>
+                <a:fontRef idx="minor">
+                  <a:schemeClr val="tx1"/>
+                </a:fontRef>
+              </p:style>
+            </p:cxnSp>
+            <p:cxnSp>
+              <p:nvCxnSpPr>
+                <p:cNvPr id="1066" name="Straight Connector 1065">
+                  <a:extLst>
+                    <a:ext uri="{FF2B5EF4-FFF2-40B4-BE49-F238E27FC236}">
+                      <a16:creationId xmlns:a16="http://schemas.microsoft.com/office/drawing/2014/main" id="{9B060BE7-B988-E208-5FD6-6A25FB3F7A52}"/>
+                    </a:ext>
+                  </a:extLst>
+                </p:cNvPr>
+                <p:cNvCxnSpPr/>
+                <p:nvPr/>
+              </p:nvCxnSpPr>
+              <p:spPr>
+                <a:xfrm flipH="1" flipV="1">
+                  <a:off x="1944939" y="2527064"/>
+                  <a:ext cx="0" cy="310896"/>
+                </a:xfrm>
+                <a:prstGeom prst="line">
+                  <a:avLst/>
+                </a:prstGeom>
+                <a:ln w="19050"/>
+              </p:spPr>
+              <p:style>
+                <a:lnRef idx="1">
+                  <a:schemeClr val="dk1"/>
+                </a:lnRef>
+                <a:fillRef idx="0">
+                  <a:schemeClr val="dk1"/>
+                </a:fillRef>
+                <a:effectRef idx="0">
+                  <a:schemeClr val="dk1"/>
+                </a:effectRef>
+                <a:fontRef idx="minor">
+                  <a:schemeClr val="tx1"/>
+                </a:fontRef>
+              </p:style>
+            </p:cxnSp>
+          </p:grpSp>
+          <p:grpSp>
+            <p:nvGrpSpPr>
+              <p:cNvPr id="889" name="Group 888">
+                <a:extLst>
+                  <a:ext uri="{FF2B5EF4-FFF2-40B4-BE49-F238E27FC236}">
+                    <a16:creationId xmlns:a16="http://schemas.microsoft.com/office/drawing/2014/main" id="{EFAFEC4C-EA4E-9C1F-5AB9-FFD10A2D9310}"/>
+                  </a:ext>
+                </a:extLst>
+              </p:cNvPr>
+              <p:cNvGrpSpPr/>
+              <p:nvPr/>
+            </p:nvGrpSpPr>
+            <p:grpSpPr>
+              <a:xfrm>
+                <a:off x="1461537" y="1655064"/>
+                <a:ext cx="359285" cy="408343"/>
+                <a:chOff x="1461537" y="1658107"/>
+                <a:chExt cx="359285" cy="408343"/>
+              </a:xfrm>
+            </p:grpSpPr>
+            <p:cxnSp>
+              <p:nvCxnSpPr>
+                <p:cNvPr id="1058" name="Straight Connector 1057">
+                  <a:extLst>
+                    <a:ext uri="{FF2B5EF4-FFF2-40B4-BE49-F238E27FC236}">
+                      <a16:creationId xmlns:a16="http://schemas.microsoft.com/office/drawing/2014/main" id="{49480F17-DFF0-0137-E1FE-A408F4B91861}"/>
+                    </a:ext>
+                  </a:extLst>
+                </p:cNvPr>
+                <p:cNvCxnSpPr/>
+                <p:nvPr/>
+              </p:nvCxnSpPr>
+              <p:spPr>
+                <a:xfrm flipH="1" flipV="1">
+                  <a:off x="1470779" y="1865282"/>
+                  <a:ext cx="0" cy="201168"/>
+                </a:xfrm>
+                <a:prstGeom prst="line">
+                  <a:avLst/>
+                </a:prstGeom>
+                <a:ln w="19050"/>
+              </p:spPr>
+              <p:style>
+                <a:lnRef idx="1">
+                  <a:schemeClr val="dk1"/>
+                </a:lnRef>
+                <a:fillRef idx="0">
+                  <a:schemeClr val="dk1"/>
+                </a:fillRef>
+                <a:effectRef idx="0">
+                  <a:schemeClr val="dk1"/>
+                </a:effectRef>
+                <a:fontRef idx="minor">
+                  <a:schemeClr val="tx1"/>
+                </a:fontRef>
+              </p:style>
+            </p:cxnSp>
+            <p:cxnSp>
+              <p:nvCxnSpPr>
+                <p:cNvPr id="1059" name="Straight Connector 1058">
+                  <a:extLst>
+                    <a:ext uri="{FF2B5EF4-FFF2-40B4-BE49-F238E27FC236}">
+                      <a16:creationId xmlns:a16="http://schemas.microsoft.com/office/drawing/2014/main" id="{C4E9C8C0-E280-500C-3DB5-99D2D4FF51D3}"/>
+                    </a:ext>
+                  </a:extLst>
+                </p:cNvPr>
+                <p:cNvCxnSpPr>
+                  <a:cxnSpLocks/>
+                </p:cNvCxnSpPr>
+                <p:nvPr/>
+              </p:nvCxnSpPr>
+              <p:spPr>
+                <a:xfrm flipH="1">
+                  <a:off x="1461537" y="1865875"/>
+                  <a:ext cx="45720" cy="0"/>
+                </a:xfrm>
+                <a:prstGeom prst="line">
+                  <a:avLst/>
+                </a:prstGeom>
+                <a:ln w="19050">
+                  <a:solidFill>
+                    <a:schemeClr val="tx1"/>
+                  </a:solidFill>
+                </a:ln>
+              </p:spPr>
+              <p:style>
+                <a:lnRef idx="1">
+                  <a:schemeClr val="accent1"/>
+                </a:lnRef>
+                <a:fillRef idx="0">
+                  <a:schemeClr val="accent1"/>
+                </a:fillRef>
+                <a:effectRef idx="0">
+                  <a:schemeClr val="accent1"/>
+                </a:effectRef>
+                <a:fontRef idx="minor">
+                  <a:schemeClr val="tx1"/>
+                </a:fontRef>
+              </p:style>
+            </p:cxnSp>
+            <p:cxnSp>
+              <p:nvCxnSpPr>
+                <p:cNvPr id="1060" name="Straight Connector 1059">
+                  <a:extLst>
+                    <a:ext uri="{FF2B5EF4-FFF2-40B4-BE49-F238E27FC236}">
+                      <a16:creationId xmlns:a16="http://schemas.microsoft.com/office/drawing/2014/main" id="{3F72F88D-E095-3671-2D97-76717162DCD9}"/>
+                    </a:ext>
+                  </a:extLst>
+                </p:cNvPr>
+                <p:cNvCxnSpPr/>
+                <p:nvPr/>
+              </p:nvCxnSpPr>
+              <p:spPr>
+                <a:xfrm flipH="1" flipV="1">
+                  <a:off x="1496975" y="1715259"/>
+                  <a:ext cx="0" cy="155448"/>
+                </a:xfrm>
+                <a:prstGeom prst="line">
+                  <a:avLst/>
+                </a:prstGeom>
+                <a:ln w="19050"/>
+              </p:spPr>
+              <p:style>
+                <a:lnRef idx="1">
+                  <a:schemeClr val="dk1"/>
+                </a:lnRef>
+                <a:fillRef idx="0">
+                  <a:schemeClr val="dk1"/>
+                </a:fillRef>
+                <a:effectRef idx="0">
+                  <a:schemeClr val="dk1"/>
+                </a:effectRef>
+                <a:fontRef idx="minor">
+                  <a:schemeClr val="tx1"/>
+                </a:fontRef>
+              </p:style>
+            </p:cxnSp>
+            <p:cxnSp>
+              <p:nvCxnSpPr>
+                <p:cNvPr id="1061" name="Straight Connector 1060">
+                  <a:extLst>
+                    <a:ext uri="{FF2B5EF4-FFF2-40B4-BE49-F238E27FC236}">
+                      <a16:creationId xmlns:a16="http://schemas.microsoft.com/office/drawing/2014/main" id="{2B3ABC90-ED6C-762B-0D50-1F2BCE0A35ED}"/>
+                    </a:ext>
+                  </a:extLst>
+                </p:cNvPr>
+                <p:cNvCxnSpPr>
+                  <a:cxnSpLocks/>
+                </p:cNvCxnSpPr>
+                <p:nvPr/>
+              </p:nvCxnSpPr>
+              <p:spPr>
+                <a:xfrm flipH="1">
+                  <a:off x="1490114" y="1722997"/>
+                  <a:ext cx="45720" cy="0"/>
+                </a:xfrm>
+                <a:prstGeom prst="line">
+                  <a:avLst/>
+                </a:prstGeom>
+                <a:ln w="19050">
+                  <a:solidFill>
+                    <a:schemeClr val="tx1"/>
+                  </a:solidFill>
+                </a:ln>
+              </p:spPr>
+              <p:style>
+                <a:lnRef idx="1">
+                  <a:schemeClr val="accent1"/>
+                </a:lnRef>
+                <a:fillRef idx="0">
+                  <a:schemeClr val="accent1"/>
+                </a:fillRef>
+                <a:effectRef idx="0">
+                  <a:schemeClr val="accent1"/>
+                </a:effectRef>
+                <a:fontRef idx="minor">
+                  <a:schemeClr val="tx1"/>
+                </a:fontRef>
+              </p:style>
+            </p:cxnSp>
+            <p:cxnSp>
+              <p:nvCxnSpPr>
+                <p:cNvPr id="1062" name="Straight Connector 1061">
+                  <a:extLst>
+                    <a:ext uri="{FF2B5EF4-FFF2-40B4-BE49-F238E27FC236}">
+                      <a16:creationId xmlns:a16="http://schemas.microsoft.com/office/drawing/2014/main" id="{3FA181A3-EC77-D4A5-3C98-9C8A178E9895}"/>
+                    </a:ext>
+                  </a:extLst>
+                </p:cNvPr>
+                <p:cNvCxnSpPr/>
+                <p:nvPr/>
+              </p:nvCxnSpPr>
+              <p:spPr>
+                <a:xfrm flipH="1" flipV="1">
+                  <a:off x="1535077" y="1658107"/>
+                  <a:ext cx="0" cy="73152"/>
+                </a:xfrm>
+                <a:prstGeom prst="line">
+                  <a:avLst/>
+                </a:prstGeom>
+                <a:ln w="19050"/>
+              </p:spPr>
+              <p:style>
+                <a:lnRef idx="1">
+                  <a:schemeClr val="dk1"/>
+                </a:lnRef>
+                <a:fillRef idx="0">
+                  <a:schemeClr val="dk1"/>
+                </a:fillRef>
+                <a:effectRef idx="0">
+                  <a:schemeClr val="dk1"/>
+                </a:effectRef>
+                <a:fontRef idx="minor">
+                  <a:schemeClr val="tx1"/>
+                </a:fontRef>
+              </p:style>
+            </p:cxnSp>
+            <p:cxnSp>
+              <p:nvCxnSpPr>
+                <p:cNvPr id="1063" name="Straight Connector 1062">
+                  <a:extLst>
+                    <a:ext uri="{FF2B5EF4-FFF2-40B4-BE49-F238E27FC236}">
+                      <a16:creationId xmlns:a16="http://schemas.microsoft.com/office/drawing/2014/main" id="{D82B4BCB-B06C-541B-DC5D-694A5D773F08}"/>
+                    </a:ext>
+                  </a:extLst>
+                </p:cNvPr>
+                <p:cNvCxnSpPr>
+                  <a:cxnSpLocks/>
+                </p:cNvCxnSpPr>
+                <p:nvPr/>
+              </p:nvCxnSpPr>
+              <p:spPr>
+                <a:xfrm flipH="1">
+                  <a:off x="1528214" y="1663462"/>
+                  <a:ext cx="292608" cy="0"/>
+                </a:xfrm>
+                <a:prstGeom prst="line">
+                  <a:avLst/>
+                </a:prstGeom>
+                <a:ln w="19050">
+                  <a:solidFill>
+                    <a:schemeClr val="tx1"/>
+                  </a:solidFill>
+                </a:ln>
+              </p:spPr>
+              <p:style>
+                <a:lnRef idx="1">
+                  <a:schemeClr val="accent1"/>
+                </a:lnRef>
+                <a:fillRef idx="0">
+                  <a:schemeClr val="accent1"/>
+                </a:fillRef>
+                <a:effectRef idx="0">
+                  <a:schemeClr val="accent1"/>
+                </a:effectRef>
+                <a:fontRef idx="minor">
+                  <a:schemeClr val="tx1"/>
+                </a:fontRef>
+              </p:style>
+            </p:cxnSp>
+          </p:grpSp>
+          <p:grpSp>
+            <p:nvGrpSpPr>
+              <p:cNvPr id="890" name="Group 889">
+                <a:extLst>
+                  <a:ext uri="{FF2B5EF4-FFF2-40B4-BE49-F238E27FC236}">
+                    <a16:creationId xmlns:a16="http://schemas.microsoft.com/office/drawing/2014/main" id="{7BD4C818-0D03-CE82-4CC2-B71F1B113454}"/>
+                  </a:ext>
+                </a:extLst>
+              </p:cNvPr>
+              <p:cNvGrpSpPr/>
+              <p:nvPr/>
+            </p:nvGrpSpPr>
+            <p:grpSpPr>
+              <a:xfrm flipH="1">
+                <a:off x="3909586" y="1655470"/>
+                <a:ext cx="359285" cy="408343"/>
+                <a:chOff x="1461537" y="1658107"/>
+                <a:chExt cx="359285" cy="408343"/>
+              </a:xfrm>
+            </p:grpSpPr>
+            <p:cxnSp>
+              <p:nvCxnSpPr>
+                <p:cNvPr id="1052" name="Straight Connector 1051">
+                  <a:extLst>
+                    <a:ext uri="{FF2B5EF4-FFF2-40B4-BE49-F238E27FC236}">
+                      <a16:creationId xmlns:a16="http://schemas.microsoft.com/office/drawing/2014/main" id="{1297E4A2-7D96-216B-5A49-86193410BFDE}"/>
+                    </a:ext>
+                  </a:extLst>
+                </p:cNvPr>
+                <p:cNvCxnSpPr/>
+                <p:nvPr/>
+              </p:nvCxnSpPr>
+              <p:spPr>
+                <a:xfrm flipH="1" flipV="1">
+                  <a:off x="1470779" y="1865282"/>
+                  <a:ext cx="0" cy="201168"/>
+                </a:xfrm>
+                <a:prstGeom prst="line">
+                  <a:avLst/>
+                </a:prstGeom>
+                <a:ln w="19050"/>
+              </p:spPr>
+              <p:style>
+                <a:lnRef idx="1">
+                  <a:schemeClr val="dk1"/>
+                </a:lnRef>
+                <a:fillRef idx="0">
+                  <a:schemeClr val="dk1"/>
+                </a:fillRef>
+                <a:effectRef idx="0">
+                  <a:schemeClr val="dk1"/>
+                </a:effectRef>
+                <a:fontRef idx="minor">
+                  <a:schemeClr val="tx1"/>
+                </a:fontRef>
+              </p:style>
+            </p:cxnSp>
+            <p:cxnSp>
+              <p:nvCxnSpPr>
+                <p:cNvPr id="1053" name="Straight Connector 1052">
+                  <a:extLst>
+                    <a:ext uri="{FF2B5EF4-FFF2-40B4-BE49-F238E27FC236}">
+                      <a16:creationId xmlns:a16="http://schemas.microsoft.com/office/drawing/2014/main" id="{44D69203-B6C8-1743-424C-F007EB29B3A9}"/>
+                    </a:ext>
+                  </a:extLst>
+                </p:cNvPr>
+                <p:cNvCxnSpPr>
+                  <a:cxnSpLocks/>
+                </p:cNvCxnSpPr>
+                <p:nvPr/>
+              </p:nvCxnSpPr>
+              <p:spPr>
+                <a:xfrm flipH="1">
+                  <a:off x="1461537" y="1865875"/>
+                  <a:ext cx="45720" cy="0"/>
+                </a:xfrm>
+                <a:prstGeom prst="line">
+                  <a:avLst/>
+                </a:prstGeom>
+                <a:ln w="19050">
+                  <a:solidFill>
+                    <a:schemeClr val="tx1"/>
+                  </a:solidFill>
+                </a:ln>
+              </p:spPr>
+              <p:style>
+                <a:lnRef idx="1">
+                  <a:schemeClr val="accent1"/>
+                </a:lnRef>
+                <a:fillRef idx="0">
+                  <a:schemeClr val="accent1"/>
+                </a:fillRef>
+                <a:effectRef idx="0">
+                  <a:schemeClr val="accent1"/>
+                </a:effectRef>
+                <a:fontRef idx="minor">
+                  <a:schemeClr val="tx1"/>
+                </a:fontRef>
+              </p:style>
+            </p:cxnSp>
+            <p:cxnSp>
+              <p:nvCxnSpPr>
+                <p:cNvPr id="1054" name="Straight Connector 1053">
+                  <a:extLst>
+                    <a:ext uri="{FF2B5EF4-FFF2-40B4-BE49-F238E27FC236}">
+                      <a16:creationId xmlns:a16="http://schemas.microsoft.com/office/drawing/2014/main" id="{0E4EBD9B-1DB2-5EF7-7DFA-CBE12FAA8218}"/>
+                    </a:ext>
+                  </a:extLst>
+                </p:cNvPr>
+                <p:cNvCxnSpPr/>
+                <p:nvPr/>
+              </p:nvCxnSpPr>
+              <p:spPr>
+                <a:xfrm flipH="1" flipV="1">
+                  <a:off x="1496975" y="1715259"/>
+                  <a:ext cx="0" cy="155448"/>
+                </a:xfrm>
+                <a:prstGeom prst="line">
+                  <a:avLst/>
+                </a:prstGeom>
+                <a:ln w="19050"/>
+              </p:spPr>
+              <p:style>
+                <a:lnRef idx="1">
+                  <a:schemeClr val="dk1"/>
+                </a:lnRef>
+                <a:fillRef idx="0">
+                  <a:schemeClr val="dk1"/>
+                </a:fillRef>
+                <a:effectRef idx="0">
+                  <a:schemeClr val="dk1"/>
+                </a:effectRef>
+                <a:fontRef idx="minor">
+                  <a:schemeClr val="tx1"/>
+                </a:fontRef>
+              </p:style>
+            </p:cxnSp>
+            <p:cxnSp>
+              <p:nvCxnSpPr>
+                <p:cNvPr id="1055" name="Straight Connector 1054">
+                  <a:extLst>
+                    <a:ext uri="{FF2B5EF4-FFF2-40B4-BE49-F238E27FC236}">
+                      <a16:creationId xmlns:a16="http://schemas.microsoft.com/office/drawing/2014/main" id="{892CB1D5-DAA3-1A4B-B29C-4AC8589C4293}"/>
+                    </a:ext>
+                  </a:extLst>
+                </p:cNvPr>
+                <p:cNvCxnSpPr>
+                  <a:cxnSpLocks/>
+                </p:cNvCxnSpPr>
+                <p:nvPr/>
+              </p:nvCxnSpPr>
+              <p:spPr>
+                <a:xfrm flipH="1">
+                  <a:off x="1490114" y="1722997"/>
+                  <a:ext cx="45720" cy="0"/>
+                </a:xfrm>
+                <a:prstGeom prst="line">
+                  <a:avLst/>
+                </a:prstGeom>
+                <a:ln w="19050">
+                  <a:solidFill>
+                    <a:schemeClr val="tx1"/>
+                  </a:solidFill>
+                </a:ln>
+              </p:spPr>
+              <p:style>
+                <a:lnRef idx="1">
+                  <a:schemeClr val="accent1"/>
+                </a:lnRef>
+                <a:fillRef idx="0">
+                  <a:schemeClr val="accent1"/>
+                </a:fillRef>
+                <a:effectRef idx="0">
+                  <a:schemeClr val="accent1"/>
+                </a:effectRef>
+                <a:fontRef idx="minor">
+                  <a:schemeClr val="tx1"/>
+                </a:fontRef>
+              </p:style>
+            </p:cxnSp>
+            <p:cxnSp>
+              <p:nvCxnSpPr>
+                <p:cNvPr id="1056" name="Straight Connector 1055">
+                  <a:extLst>
+                    <a:ext uri="{FF2B5EF4-FFF2-40B4-BE49-F238E27FC236}">
+                      <a16:creationId xmlns:a16="http://schemas.microsoft.com/office/drawing/2014/main" id="{3CED28DF-61CF-3E2F-09B0-A1295CF38DDC}"/>
+                    </a:ext>
+                  </a:extLst>
+                </p:cNvPr>
+                <p:cNvCxnSpPr/>
+                <p:nvPr/>
+              </p:nvCxnSpPr>
+              <p:spPr>
+                <a:xfrm flipH="1" flipV="1">
+                  <a:off x="1535077" y="1658107"/>
+                  <a:ext cx="0" cy="73152"/>
+                </a:xfrm>
+                <a:prstGeom prst="line">
+                  <a:avLst/>
+                </a:prstGeom>
+                <a:ln w="19050"/>
+              </p:spPr>
+              <p:style>
+                <a:lnRef idx="1">
+                  <a:schemeClr val="dk1"/>
+                </a:lnRef>
+                <a:fillRef idx="0">
+                  <a:schemeClr val="dk1"/>
+                </a:fillRef>
+                <a:effectRef idx="0">
+                  <a:schemeClr val="dk1"/>
+                </a:effectRef>
+                <a:fontRef idx="minor">
+                  <a:schemeClr val="tx1"/>
+                </a:fontRef>
+              </p:style>
+            </p:cxnSp>
+            <p:cxnSp>
+              <p:nvCxnSpPr>
+                <p:cNvPr id="1057" name="Straight Connector 1056">
+                  <a:extLst>
+                    <a:ext uri="{FF2B5EF4-FFF2-40B4-BE49-F238E27FC236}">
+                      <a16:creationId xmlns:a16="http://schemas.microsoft.com/office/drawing/2014/main" id="{02453C11-286A-7934-035D-C531997B0A1F}"/>
+                    </a:ext>
+                  </a:extLst>
+                </p:cNvPr>
+                <p:cNvCxnSpPr>
+                  <a:cxnSpLocks/>
+                </p:cNvCxnSpPr>
+                <p:nvPr/>
+              </p:nvCxnSpPr>
+              <p:spPr>
+                <a:xfrm flipH="1">
+                  <a:off x="1528214" y="1663462"/>
+                  <a:ext cx="292608" cy="0"/>
+                </a:xfrm>
+                <a:prstGeom prst="line">
+                  <a:avLst/>
+                </a:prstGeom>
+                <a:ln w="19050">
+                  <a:solidFill>
+                    <a:schemeClr val="tx1"/>
+                  </a:solidFill>
+                </a:ln>
+              </p:spPr>
+              <p:style>
+                <a:lnRef idx="1">
+                  <a:schemeClr val="accent1"/>
+                </a:lnRef>
+                <a:fillRef idx="0">
+                  <a:schemeClr val="accent1"/>
+                </a:fillRef>
+                <a:effectRef idx="0">
+                  <a:schemeClr val="accent1"/>
+                </a:effectRef>
+                <a:fontRef idx="minor">
+                  <a:schemeClr val="tx1"/>
+                </a:fontRef>
+              </p:style>
+            </p:cxnSp>
+          </p:grpSp>
+          <p:grpSp>
+            <p:nvGrpSpPr>
+              <p:cNvPr id="891" name="Group 890">
+                <a:extLst>
+                  <a:ext uri="{FF2B5EF4-FFF2-40B4-BE49-F238E27FC236}">
+                    <a16:creationId xmlns:a16="http://schemas.microsoft.com/office/drawing/2014/main" id="{7A54FA0A-D8E5-746A-180E-8C16E5C63FB9}"/>
+                  </a:ext>
+                </a:extLst>
+              </p:cNvPr>
+              <p:cNvGrpSpPr/>
+              <p:nvPr/>
+            </p:nvGrpSpPr>
+            <p:grpSpPr>
+              <a:xfrm>
+                <a:off x="3372139" y="2053399"/>
+                <a:ext cx="98885" cy="67574"/>
+                <a:chOff x="1587752" y="2527064"/>
+                <a:chExt cx="365760" cy="310897"/>
+              </a:xfrm>
+            </p:grpSpPr>
+            <p:cxnSp>
+              <p:nvCxnSpPr>
+                <p:cNvPr id="1049" name="Straight Connector 1048">
+                  <a:extLst>
+                    <a:ext uri="{FF2B5EF4-FFF2-40B4-BE49-F238E27FC236}">
+                      <a16:creationId xmlns:a16="http://schemas.microsoft.com/office/drawing/2014/main" id="{7F669191-CADC-55E5-2046-A0B76E1CBCBE}"/>
+                    </a:ext>
+                  </a:extLst>
+                </p:cNvPr>
+                <p:cNvCxnSpPr>
+                  <a:cxnSpLocks/>
+                </p:cNvCxnSpPr>
+                <p:nvPr/>
+              </p:nvCxnSpPr>
+              <p:spPr>
+                <a:xfrm flipH="1">
+                  <a:off x="1587752" y="2828685"/>
+                  <a:ext cx="365760" cy="0"/>
+                </a:xfrm>
+                <a:prstGeom prst="line">
+                  <a:avLst/>
+                </a:prstGeom>
+                <a:ln w="19050">
+                  <a:solidFill>
+                    <a:schemeClr val="tx1"/>
+                  </a:solidFill>
+                </a:ln>
+              </p:spPr>
+              <p:style>
+                <a:lnRef idx="1">
+                  <a:schemeClr val="accent1"/>
+                </a:lnRef>
+                <a:fillRef idx="0">
+                  <a:schemeClr val="accent1"/>
+                </a:fillRef>
+                <a:effectRef idx="0">
+                  <a:schemeClr val="accent1"/>
+                </a:effectRef>
+                <a:fontRef idx="minor">
+                  <a:schemeClr val="tx1"/>
+                </a:fontRef>
+              </p:style>
+            </p:cxnSp>
+            <p:cxnSp>
+              <p:nvCxnSpPr>
+                <p:cNvPr id="1050" name="Straight Connector 1049">
+                  <a:extLst>
+                    <a:ext uri="{FF2B5EF4-FFF2-40B4-BE49-F238E27FC236}">
+                      <a16:creationId xmlns:a16="http://schemas.microsoft.com/office/drawing/2014/main" id="{B0DBE00B-7CDC-9183-912B-E63AFED4F050}"/>
+                    </a:ext>
+                  </a:extLst>
+                </p:cNvPr>
+                <p:cNvCxnSpPr/>
+                <p:nvPr/>
+              </p:nvCxnSpPr>
+              <p:spPr>
+                <a:xfrm flipH="1" flipV="1">
+                  <a:off x="1597276" y="2527065"/>
+                  <a:ext cx="0" cy="310896"/>
+                </a:xfrm>
+                <a:prstGeom prst="line">
+                  <a:avLst/>
+                </a:prstGeom>
+                <a:ln w="19050"/>
+              </p:spPr>
+              <p:style>
+                <a:lnRef idx="1">
+                  <a:schemeClr val="dk1"/>
+                </a:lnRef>
+                <a:fillRef idx="0">
+                  <a:schemeClr val="dk1"/>
+                </a:fillRef>
+                <a:effectRef idx="0">
+                  <a:schemeClr val="dk1"/>
+                </a:effectRef>
+                <a:fontRef idx="minor">
+                  <a:schemeClr val="tx1"/>
+                </a:fontRef>
+              </p:style>
+            </p:cxnSp>
+            <p:cxnSp>
+              <p:nvCxnSpPr>
+                <p:cNvPr id="1051" name="Straight Connector 1050">
+                  <a:extLst>
+                    <a:ext uri="{FF2B5EF4-FFF2-40B4-BE49-F238E27FC236}">
+                      <a16:creationId xmlns:a16="http://schemas.microsoft.com/office/drawing/2014/main" id="{FEDD3D60-7D9F-15CE-AA26-BC1EA8AA1757}"/>
+                    </a:ext>
+                  </a:extLst>
+                </p:cNvPr>
+                <p:cNvCxnSpPr/>
+                <p:nvPr/>
+              </p:nvCxnSpPr>
+              <p:spPr>
+                <a:xfrm flipH="1" flipV="1">
+                  <a:off x="1944939" y="2527064"/>
+                  <a:ext cx="0" cy="310896"/>
+                </a:xfrm>
+                <a:prstGeom prst="line">
+                  <a:avLst/>
+                </a:prstGeom>
+                <a:ln w="19050"/>
+              </p:spPr>
+              <p:style>
+                <a:lnRef idx="1">
+                  <a:schemeClr val="dk1"/>
+                </a:lnRef>
+                <a:fillRef idx="0">
+                  <a:schemeClr val="dk1"/>
+                </a:fillRef>
+                <a:effectRef idx="0">
+                  <a:schemeClr val="dk1"/>
+                </a:effectRef>
+                <a:fontRef idx="minor">
+                  <a:schemeClr val="tx1"/>
+                </a:fontRef>
+              </p:style>
+            </p:cxnSp>
+          </p:grpSp>
+          <p:grpSp>
+            <p:nvGrpSpPr>
+              <p:cNvPr id="892" name="Group 891">
+                <a:extLst>
+                  <a:ext uri="{FF2B5EF4-FFF2-40B4-BE49-F238E27FC236}">
+                    <a16:creationId xmlns:a16="http://schemas.microsoft.com/office/drawing/2014/main" id="{A0E59F74-B025-82D6-55D0-9DA62B67F4B0}"/>
+                  </a:ext>
+                </a:extLst>
+              </p:cNvPr>
+              <p:cNvGrpSpPr/>
+              <p:nvPr/>
+            </p:nvGrpSpPr>
+            <p:grpSpPr>
+              <a:xfrm>
+                <a:off x="2172100" y="1655064"/>
+                <a:ext cx="199622" cy="67574"/>
+                <a:chOff x="1587752" y="2527064"/>
+                <a:chExt cx="365760" cy="310897"/>
+              </a:xfrm>
+            </p:grpSpPr>
+            <p:cxnSp>
+              <p:nvCxnSpPr>
+                <p:cNvPr id="1046" name="Straight Connector 1045">
+                  <a:extLst>
+                    <a:ext uri="{FF2B5EF4-FFF2-40B4-BE49-F238E27FC236}">
+                      <a16:creationId xmlns:a16="http://schemas.microsoft.com/office/drawing/2014/main" id="{4935571B-5A43-58B2-4254-E89703AD76BD}"/>
+                    </a:ext>
+                  </a:extLst>
+                </p:cNvPr>
+                <p:cNvCxnSpPr>
+                  <a:cxnSpLocks/>
+                </p:cNvCxnSpPr>
+                <p:nvPr/>
+              </p:nvCxnSpPr>
+              <p:spPr>
+                <a:xfrm flipH="1">
+                  <a:off x="1587752" y="2828685"/>
+                  <a:ext cx="365760" cy="0"/>
+                </a:xfrm>
+                <a:prstGeom prst="line">
+                  <a:avLst/>
+                </a:prstGeom>
+                <a:ln w="19050">
+                  <a:solidFill>
+                    <a:schemeClr val="tx1"/>
+                  </a:solidFill>
+                </a:ln>
+              </p:spPr>
+              <p:style>
+                <a:lnRef idx="1">
+                  <a:schemeClr val="accent1"/>
+                </a:lnRef>
+                <a:fillRef idx="0">
+                  <a:schemeClr val="accent1"/>
+                </a:fillRef>
+                <a:effectRef idx="0">
+                  <a:schemeClr val="accent1"/>
+                </a:effectRef>
+                <a:fontRef idx="minor">
+                  <a:schemeClr val="tx1"/>
+                </a:fontRef>
+              </p:style>
+            </p:cxnSp>
+            <p:cxnSp>
+              <p:nvCxnSpPr>
+                <p:cNvPr id="1047" name="Straight Connector 1046">
+                  <a:extLst>
+                    <a:ext uri="{FF2B5EF4-FFF2-40B4-BE49-F238E27FC236}">
+                      <a16:creationId xmlns:a16="http://schemas.microsoft.com/office/drawing/2014/main" id="{8A1D56BE-190E-3489-160E-DE2B5DFA95CC}"/>
+                    </a:ext>
+                  </a:extLst>
+                </p:cNvPr>
+                <p:cNvCxnSpPr/>
+                <p:nvPr/>
+              </p:nvCxnSpPr>
+              <p:spPr>
+                <a:xfrm flipH="1" flipV="1">
+                  <a:off x="1597276" y="2527065"/>
+                  <a:ext cx="0" cy="310896"/>
+                </a:xfrm>
+                <a:prstGeom prst="line">
+                  <a:avLst/>
+                </a:prstGeom>
+                <a:ln w="19050"/>
+              </p:spPr>
+              <p:style>
+                <a:lnRef idx="1">
+                  <a:schemeClr val="dk1"/>
+                </a:lnRef>
+                <a:fillRef idx="0">
+                  <a:schemeClr val="dk1"/>
+                </a:fillRef>
+                <a:effectRef idx="0">
+                  <a:schemeClr val="dk1"/>
+                </a:effectRef>
+                <a:fontRef idx="minor">
+                  <a:schemeClr val="tx1"/>
+                </a:fontRef>
+              </p:style>
+            </p:cxnSp>
+            <p:cxnSp>
+              <p:nvCxnSpPr>
+                <p:cNvPr id="1048" name="Straight Connector 1047">
+                  <a:extLst>
+                    <a:ext uri="{FF2B5EF4-FFF2-40B4-BE49-F238E27FC236}">
+                      <a16:creationId xmlns:a16="http://schemas.microsoft.com/office/drawing/2014/main" id="{EDF51C4E-87EE-477B-410A-AF4BA261A41B}"/>
+                    </a:ext>
+                  </a:extLst>
+                </p:cNvPr>
+                <p:cNvCxnSpPr/>
+                <p:nvPr/>
+              </p:nvCxnSpPr>
+              <p:spPr>
+                <a:xfrm flipH="1" flipV="1">
+                  <a:off x="1944939" y="2527064"/>
+                  <a:ext cx="0" cy="310896"/>
+                </a:xfrm>
+                <a:prstGeom prst="line">
+                  <a:avLst/>
+                </a:prstGeom>
+                <a:ln w="19050"/>
+              </p:spPr>
+              <p:style>
+                <a:lnRef idx="1">
+                  <a:schemeClr val="dk1"/>
+                </a:lnRef>
+                <a:fillRef idx="0">
+                  <a:schemeClr val="dk1"/>
+                </a:fillRef>
+                <a:effectRef idx="0">
+                  <a:schemeClr val="dk1"/>
+                </a:effectRef>
+                <a:fontRef idx="minor">
+                  <a:schemeClr val="tx1"/>
+                </a:fontRef>
+              </p:style>
+            </p:cxnSp>
+          </p:grpSp>
+          <p:grpSp>
+            <p:nvGrpSpPr>
+              <p:cNvPr id="893" name="Group 892">
+                <a:extLst>
+                  <a:ext uri="{FF2B5EF4-FFF2-40B4-BE49-F238E27FC236}">
+                    <a16:creationId xmlns:a16="http://schemas.microsoft.com/office/drawing/2014/main" id="{4FC3639A-1E2F-F2A8-FE49-B95A412CE367}"/>
+                  </a:ext>
+                </a:extLst>
+              </p:cNvPr>
+              <p:cNvGrpSpPr/>
+              <p:nvPr/>
+            </p:nvGrpSpPr>
+            <p:grpSpPr>
+              <a:xfrm>
+                <a:off x="2633731" y="1655064"/>
+                <a:ext cx="99230" cy="67574"/>
+                <a:chOff x="1587752" y="2527064"/>
+                <a:chExt cx="365760" cy="310897"/>
+              </a:xfrm>
+            </p:grpSpPr>
+            <p:cxnSp>
+              <p:nvCxnSpPr>
+                <p:cNvPr id="1043" name="Straight Connector 1042">
+                  <a:extLst>
+                    <a:ext uri="{FF2B5EF4-FFF2-40B4-BE49-F238E27FC236}">
+                      <a16:creationId xmlns:a16="http://schemas.microsoft.com/office/drawing/2014/main" id="{A9FA9C01-FC50-09EA-9EE3-232B13FD6BFE}"/>
+                    </a:ext>
+                  </a:extLst>
+                </p:cNvPr>
+                <p:cNvCxnSpPr>
+                  <a:cxnSpLocks/>
+                </p:cNvCxnSpPr>
+                <p:nvPr/>
+              </p:nvCxnSpPr>
+              <p:spPr>
+                <a:xfrm flipH="1">
+                  <a:off x="1587752" y="2828685"/>
+                  <a:ext cx="365760" cy="0"/>
+                </a:xfrm>
+                <a:prstGeom prst="line">
+                  <a:avLst/>
+                </a:prstGeom>
+                <a:ln w="19050">
+                  <a:solidFill>
+                    <a:schemeClr val="tx1"/>
+                  </a:solidFill>
+                </a:ln>
+              </p:spPr>
+              <p:style>
+                <a:lnRef idx="1">
+                  <a:schemeClr val="accent1"/>
+                </a:lnRef>
+                <a:fillRef idx="0">
+                  <a:schemeClr val="accent1"/>
+                </a:fillRef>
+                <a:effectRef idx="0">
+                  <a:schemeClr val="accent1"/>
+                </a:effectRef>
+                <a:fontRef idx="minor">
+                  <a:schemeClr val="tx1"/>
+                </a:fontRef>
+              </p:style>
+            </p:cxnSp>
+            <p:cxnSp>
+              <p:nvCxnSpPr>
+                <p:cNvPr id="1044" name="Straight Connector 1043">
+                  <a:extLst>
+                    <a:ext uri="{FF2B5EF4-FFF2-40B4-BE49-F238E27FC236}">
+                      <a16:creationId xmlns:a16="http://schemas.microsoft.com/office/drawing/2014/main" id="{47597003-D672-09EF-C515-E675552858B6}"/>
+                    </a:ext>
+                  </a:extLst>
+                </p:cNvPr>
+                <p:cNvCxnSpPr/>
+                <p:nvPr/>
+              </p:nvCxnSpPr>
+              <p:spPr>
+                <a:xfrm flipH="1" flipV="1">
+                  <a:off x="1597276" y="2527065"/>
+                  <a:ext cx="0" cy="310896"/>
+                </a:xfrm>
+                <a:prstGeom prst="line">
+                  <a:avLst/>
+                </a:prstGeom>
+                <a:ln w="19050"/>
+              </p:spPr>
+              <p:style>
+                <a:lnRef idx="1">
+                  <a:schemeClr val="dk1"/>
+                </a:lnRef>
+                <a:fillRef idx="0">
+                  <a:schemeClr val="dk1"/>
+                </a:fillRef>
+                <a:effectRef idx="0">
+                  <a:schemeClr val="dk1"/>
+                </a:effectRef>
+                <a:fontRef idx="minor">
+                  <a:schemeClr val="tx1"/>
+                </a:fontRef>
+              </p:style>
+            </p:cxnSp>
+            <p:cxnSp>
+              <p:nvCxnSpPr>
+                <p:cNvPr id="1045" name="Straight Connector 1044">
+                  <a:extLst>
+                    <a:ext uri="{FF2B5EF4-FFF2-40B4-BE49-F238E27FC236}">
+                      <a16:creationId xmlns:a16="http://schemas.microsoft.com/office/drawing/2014/main" id="{042617B6-84CD-6199-355A-1F6B58DFD1F0}"/>
+                    </a:ext>
+                  </a:extLst>
+                </p:cNvPr>
+                <p:cNvCxnSpPr/>
+                <p:nvPr/>
+              </p:nvCxnSpPr>
+              <p:spPr>
+                <a:xfrm flipH="1" flipV="1">
+                  <a:off x="1944939" y="2527064"/>
+                  <a:ext cx="0" cy="310896"/>
+                </a:xfrm>
+                <a:prstGeom prst="line">
+                  <a:avLst/>
+                </a:prstGeom>
+                <a:ln w="19050"/>
+              </p:spPr>
+              <p:style>
+                <a:lnRef idx="1">
+                  <a:schemeClr val="dk1"/>
+                </a:lnRef>
+                <a:fillRef idx="0">
+                  <a:schemeClr val="dk1"/>
+                </a:fillRef>
+                <a:effectRef idx="0">
+                  <a:schemeClr val="dk1"/>
+                </a:effectRef>
+                <a:fontRef idx="minor">
+                  <a:schemeClr val="tx1"/>
+                </a:fontRef>
+              </p:style>
+            </p:cxnSp>
+          </p:grpSp>
+          <p:grpSp>
+            <p:nvGrpSpPr>
+              <p:cNvPr id="894" name="Group 893">
+                <a:extLst>
+                  <a:ext uri="{FF2B5EF4-FFF2-40B4-BE49-F238E27FC236}">
+                    <a16:creationId xmlns:a16="http://schemas.microsoft.com/office/drawing/2014/main" id="{05D63FC3-4F9D-0178-E0BF-30B25DE41329}"/>
+                  </a:ext>
+                </a:extLst>
+              </p:cNvPr>
+              <p:cNvGrpSpPr/>
+              <p:nvPr/>
+            </p:nvGrpSpPr>
+            <p:grpSpPr>
+              <a:xfrm>
+                <a:off x="3007592" y="1655064"/>
+                <a:ext cx="99230" cy="67574"/>
+                <a:chOff x="1587752" y="2527064"/>
+                <a:chExt cx="365760" cy="310897"/>
+              </a:xfrm>
+            </p:grpSpPr>
+            <p:cxnSp>
+              <p:nvCxnSpPr>
+                <p:cNvPr id="1040" name="Straight Connector 1039">
+                  <a:extLst>
+                    <a:ext uri="{FF2B5EF4-FFF2-40B4-BE49-F238E27FC236}">
+                      <a16:creationId xmlns:a16="http://schemas.microsoft.com/office/drawing/2014/main" id="{4833C2AA-47BA-A960-1087-71467C30C0F6}"/>
+                    </a:ext>
+                  </a:extLst>
+                </p:cNvPr>
+                <p:cNvCxnSpPr>
+                  <a:cxnSpLocks/>
+                </p:cNvCxnSpPr>
+                <p:nvPr/>
+              </p:nvCxnSpPr>
+              <p:spPr>
+                <a:xfrm flipH="1">
+                  <a:off x="1587752" y="2828685"/>
+                  <a:ext cx="365760" cy="0"/>
+                </a:xfrm>
+                <a:prstGeom prst="line">
+                  <a:avLst/>
+                </a:prstGeom>
+                <a:ln w="19050">
+                  <a:solidFill>
+                    <a:schemeClr val="tx1"/>
+                  </a:solidFill>
+                </a:ln>
+              </p:spPr>
+              <p:style>
+                <a:lnRef idx="1">
+                  <a:schemeClr val="accent1"/>
+                </a:lnRef>
+                <a:fillRef idx="0">
+                  <a:schemeClr val="accent1"/>
+                </a:fillRef>
+                <a:effectRef idx="0">
+                  <a:schemeClr val="accent1"/>
+                </a:effectRef>
+                <a:fontRef idx="minor">
+                  <a:schemeClr val="tx1"/>
+                </a:fontRef>
+              </p:style>
+            </p:cxnSp>
+            <p:cxnSp>
+              <p:nvCxnSpPr>
+                <p:cNvPr id="1041" name="Straight Connector 1040">
+                  <a:extLst>
+                    <a:ext uri="{FF2B5EF4-FFF2-40B4-BE49-F238E27FC236}">
+                      <a16:creationId xmlns:a16="http://schemas.microsoft.com/office/drawing/2014/main" id="{28A5340A-CABD-E3F0-80F0-08B2760D8DDB}"/>
+                    </a:ext>
+                  </a:extLst>
+                </p:cNvPr>
+                <p:cNvCxnSpPr/>
+                <p:nvPr/>
+              </p:nvCxnSpPr>
+              <p:spPr>
+                <a:xfrm flipH="1" flipV="1">
+                  <a:off x="1597276" y="2527065"/>
+                  <a:ext cx="0" cy="310896"/>
+                </a:xfrm>
+                <a:prstGeom prst="line">
+                  <a:avLst/>
+                </a:prstGeom>
+                <a:ln w="19050"/>
+              </p:spPr>
+              <p:style>
+                <a:lnRef idx="1">
+                  <a:schemeClr val="dk1"/>
+                </a:lnRef>
+                <a:fillRef idx="0">
+                  <a:schemeClr val="dk1"/>
+                </a:fillRef>
+                <a:effectRef idx="0">
+                  <a:schemeClr val="dk1"/>
+                </a:effectRef>
+                <a:fontRef idx="minor">
+                  <a:schemeClr val="tx1"/>
+                </a:fontRef>
+              </p:style>
+            </p:cxnSp>
+            <p:cxnSp>
+              <p:nvCxnSpPr>
+                <p:cNvPr id="1042" name="Straight Connector 1041">
+                  <a:extLst>
+                    <a:ext uri="{FF2B5EF4-FFF2-40B4-BE49-F238E27FC236}">
+                      <a16:creationId xmlns:a16="http://schemas.microsoft.com/office/drawing/2014/main" id="{8CF6273E-03DF-5F62-5750-4E35F61F7D53}"/>
+                    </a:ext>
+                  </a:extLst>
+                </p:cNvPr>
+                <p:cNvCxnSpPr/>
+                <p:nvPr/>
+              </p:nvCxnSpPr>
+              <p:spPr>
+                <a:xfrm flipH="1" flipV="1">
+                  <a:off x="1944939" y="2527064"/>
+                  <a:ext cx="0" cy="310896"/>
+                </a:xfrm>
+                <a:prstGeom prst="line">
+                  <a:avLst/>
+                </a:prstGeom>
+                <a:ln w="19050"/>
+              </p:spPr>
+              <p:style>
+                <a:lnRef idx="1">
+                  <a:schemeClr val="dk1"/>
+                </a:lnRef>
+                <a:fillRef idx="0">
+                  <a:schemeClr val="dk1"/>
+                </a:fillRef>
+                <a:effectRef idx="0">
+                  <a:schemeClr val="dk1"/>
+                </a:effectRef>
+                <a:fontRef idx="minor">
+                  <a:schemeClr val="tx1"/>
+                </a:fontRef>
+              </p:style>
+            </p:cxnSp>
+          </p:grpSp>
+          <p:grpSp>
+            <p:nvGrpSpPr>
+              <p:cNvPr id="895" name="Group 894">
+                <a:extLst>
+                  <a:ext uri="{FF2B5EF4-FFF2-40B4-BE49-F238E27FC236}">
+                    <a16:creationId xmlns:a16="http://schemas.microsoft.com/office/drawing/2014/main" id="{E5B6E5E4-D6B3-F6D6-61AB-81DD4FB801BA}"/>
+                  </a:ext>
+                </a:extLst>
+              </p:cNvPr>
+              <p:cNvGrpSpPr/>
+              <p:nvPr/>
+            </p:nvGrpSpPr>
+            <p:grpSpPr>
+              <a:xfrm>
+                <a:off x="1808817" y="1655064"/>
+                <a:ext cx="99230" cy="67574"/>
+                <a:chOff x="1587752" y="2527064"/>
+                <a:chExt cx="365760" cy="310897"/>
+              </a:xfrm>
+            </p:grpSpPr>
+            <p:cxnSp>
+              <p:nvCxnSpPr>
+                <p:cNvPr id="1037" name="Straight Connector 1036">
+                  <a:extLst>
+                    <a:ext uri="{FF2B5EF4-FFF2-40B4-BE49-F238E27FC236}">
+                      <a16:creationId xmlns:a16="http://schemas.microsoft.com/office/drawing/2014/main" id="{E3E2761E-A4AE-080B-9B26-6ACB1900DC61}"/>
+                    </a:ext>
+                  </a:extLst>
+                </p:cNvPr>
+                <p:cNvCxnSpPr>
+                  <a:cxnSpLocks/>
+                </p:cNvCxnSpPr>
+                <p:nvPr/>
+              </p:nvCxnSpPr>
+              <p:spPr>
+                <a:xfrm flipH="1">
+                  <a:off x="1587752" y="2828685"/>
+                  <a:ext cx="365760" cy="0"/>
+                </a:xfrm>
+                <a:prstGeom prst="line">
+                  <a:avLst/>
+                </a:prstGeom>
+                <a:ln w="19050">
+                  <a:solidFill>
+                    <a:schemeClr val="tx1"/>
+                  </a:solidFill>
+                </a:ln>
+              </p:spPr>
+              <p:style>
+                <a:lnRef idx="1">
+                  <a:schemeClr val="accent1"/>
+                </a:lnRef>
+                <a:fillRef idx="0">
+                  <a:schemeClr val="accent1"/>
+                </a:fillRef>
+                <a:effectRef idx="0">
+                  <a:schemeClr val="accent1"/>
+                </a:effectRef>
+                <a:fontRef idx="minor">
+                  <a:schemeClr val="tx1"/>
+                </a:fontRef>
+              </p:style>
+            </p:cxnSp>
+            <p:cxnSp>
+              <p:nvCxnSpPr>
+                <p:cNvPr id="1038" name="Straight Connector 1037">
+                  <a:extLst>
+                    <a:ext uri="{FF2B5EF4-FFF2-40B4-BE49-F238E27FC236}">
+                      <a16:creationId xmlns:a16="http://schemas.microsoft.com/office/drawing/2014/main" id="{684ADC32-4C62-637D-4433-F11ADA69F2B7}"/>
+                    </a:ext>
+                  </a:extLst>
+                </p:cNvPr>
+                <p:cNvCxnSpPr/>
+                <p:nvPr/>
+              </p:nvCxnSpPr>
+              <p:spPr>
+                <a:xfrm flipH="1" flipV="1">
+                  <a:off x="1597276" y="2527065"/>
+                  <a:ext cx="0" cy="310896"/>
+                </a:xfrm>
+                <a:prstGeom prst="line">
+                  <a:avLst/>
+                </a:prstGeom>
+                <a:ln w="19050"/>
+              </p:spPr>
+              <p:style>
+                <a:lnRef idx="1">
+                  <a:schemeClr val="dk1"/>
+                </a:lnRef>
+                <a:fillRef idx="0">
+                  <a:schemeClr val="dk1"/>
+                </a:fillRef>
+                <a:effectRef idx="0">
+                  <a:schemeClr val="dk1"/>
+                </a:effectRef>
+                <a:fontRef idx="minor">
+                  <a:schemeClr val="tx1"/>
+                </a:fontRef>
+              </p:style>
+            </p:cxnSp>
+            <p:cxnSp>
+              <p:nvCxnSpPr>
+                <p:cNvPr id="1039" name="Straight Connector 1038">
+                  <a:extLst>
+                    <a:ext uri="{FF2B5EF4-FFF2-40B4-BE49-F238E27FC236}">
+                      <a16:creationId xmlns:a16="http://schemas.microsoft.com/office/drawing/2014/main" id="{14228983-ABB4-B18F-C090-EE885EBE5D9E}"/>
+                    </a:ext>
+                  </a:extLst>
+                </p:cNvPr>
+                <p:cNvCxnSpPr/>
+                <p:nvPr/>
+              </p:nvCxnSpPr>
+              <p:spPr>
+                <a:xfrm flipH="1" flipV="1">
+                  <a:off x="1944939" y="2527064"/>
+                  <a:ext cx="0" cy="310896"/>
+                </a:xfrm>
+                <a:prstGeom prst="line">
+                  <a:avLst/>
+                </a:prstGeom>
+                <a:ln w="19050"/>
+              </p:spPr>
+              <p:style>
+                <a:lnRef idx="1">
+                  <a:schemeClr val="dk1"/>
+                </a:lnRef>
+                <a:fillRef idx="0">
+                  <a:schemeClr val="dk1"/>
+                </a:fillRef>
+                <a:effectRef idx="0">
+                  <a:schemeClr val="dk1"/>
+                </a:effectRef>
+                <a:fontRef idx="minor">
+                  <a:schemeClr val="tx1"/>
+                </a:fontRef>
+              </p:style>
+            </p:cxnSp>
+          </p:grpSp>
+          <p:grpSp>
+            <p:nvGrpSpPr>
+              <p:cNvPr id="1024" name="Group 1023">
+                <a:extLst>
+                  <a:ext uri="{FF2B5EF4-FFF2-40B4-BE49-F238E27FC236}">
+                    <a16:creationId xmlns:a16="http://schemas.microsoft.com/office/drawing/2014/main" id="{D1BF6FB3-55FD-655E-DEDF-68B0F0C4F034}"/>
+                  </a:ext>
+                </a:extLst>
+              </p:cNvPr>
+              <p:cNvGrpSpPr/>
+              <p:nvPr/>
+            </p:nvGrpSpPr>
+            <p:grpSpPr>
+              <a:xfrm>
+                <a:off x="3821786" y="1655064"/>
+                <a:ext cx="99230" cy="67574"/>
+                <a:chOff x="1587752" y="2527064"/>
+                <a:chExt cx="365760" cy="310897"/>
+              </a:xfrm>
+            </p:grpSpPr>
+            <p:cxnSp>
+              <p:nvCxnSpPr>
+                <p:cNvPr id="1034" name="Straight Connector 1033">
+                  <a:extLst>
+                    <a:ext uri="{FF2B5EF4-FFF2-40B4-BE49-F238E27FC236}">
+                      <a16:creationId xmlns:a16="http://schemas.microsoft.com/office/drawing/2014/main" id="{AC7981CF-31C4-C7A7-ECB4-1B7415D031CE}"/>
+                    </a:ext>
+                  </a:extLst>
+                </p:cNvPr>
+                <p:cNvCxnSpPr>
+                  <a:cxnSpLocks/>
+                </p:cNvCxnSpPr>
+                <p:nvPr/>
+              </p:nvCxnSpPr>
+              <p:spPr>
+                <a:xfrm flipH="1">
+                  <a:off x="1587752" y="2828685"/>
+                  <a:ext cx="365760" cy="0"/>
+                </a:xfrm>
+                <a:prstGeom prst="line">
+                  <a:avLst/>
+                </a:prstGeom>
+                <a:ln w="19050">
+                  <a:solidFill>
+                    <a:schemeClr val="tx1"/>
+                  </a:solidFill>
+                </a:ln>
+              </p:spPr>
+              <p:style>
+                <a:lnRef idx="1">
+                  <a:schemeClr val="accent1"/>
+                </a:lnRef>
+                <a:fillRef idx="0">
+                  <a:schemeClr val="accent1"/>
+                </a:fillRef>
+                <a:effectRef idx="0">
+                  <a:schemeClr val="accent1"/>
+                </a:effectRef>
+                <a:fontRef idx="minor">
+                  <a:schemeClr val="tx1"/>
+                </a:fontRef>
+              </p:style>
+            </p:cxnSp>
+            <p:cxnSp>
+              <p:nvCxnSpPr>
+                <p:cNvPr id="1035" name="Straight Connector 1034">
+                  <a:extLst>
+                    <a:ext uri="{FF2B5EF4-FFF2-40B4-BE49-F238E27FC236}">
+                      <a16:creationId xmlns:a16="http://schemas.microsoft.com/office/drawing/2014/main" id="{D0E2D9AC-221E-9586-37C3-CAC091F79432}"/>
+                    </a:ext>
+                  </a:extLst>
+                </p:cNvPr>
+                <p:cNvCxnSpPr/>
+                <p:nvPr/>
+              </p:nvCxnSpPr>
+              <p:spPr>
+                <a:xfrm flipH="1" flipV="1">
+                  <a:off x="1597276" y="2527065"/>
+                  <a:ext cx="0" cy="310896"/>
+                </a:xfrm>
+                <a:prstGeom prst="line">
+                  <a:avLst/>
+                </a:prstGeom>
+                <a:ln w="19050"/>
+              </p:spPr>
+              <p:style>
+                <a:lnRef idx="1">
+                  <a:schemeClr val="dk1"/>
+                </a:lnRef>
+                <a:fillRef idx="0">
+                  <a:schemeClr val="dk1"/>
+                </a:fillRef>
+                <a:effectRef idx="0">
+                  <a:schemeClr val="dk1"/>
+                </a:effectRef>
+                <a:fontRef idx="minor">
+                  <a:schemeClr val="tx1"/>
+                </a:fontRef>
+              </p:style>
+            </p:cxnSp>
+            <p:cxnSp>
+              <p:nvCxnSpPr>
+                <p:cNvPr id="1036" name="Straight Connector 1035">
+                  <a:extLst>
+                    <a:ext uri="{FF2B5EF4-FFF2-40B4-BE49-F238E27FC236}">
+                      <a16:creationId xmlns:a16="http://schemas.microsoft.com/office/drawing/2014/main" id="{5DC1014C-1A02-E48B-0CD5-16DDAD4F896D}"/>
+                    </a:ext>
+                  </a:extLst>
+                </p:cNvPr>
+                <p:cNvCxnSpPr/>
+                <p:nvPr/>
+              </p:nvCxnSpPr>
+              <p:spPr>
+                <a:xfrm flipH="1" flipV="1">
+                  <a:off x="1944939" y="2527064"/>
+                  <a:ext cx="0" cy="310896"/>
+                </a:xfrm>
+                <a:prstGeom prst="line">
+                  <a:avLst/>
+                </a:prstGeom>
+                <a:ln w="19050"/>
+              </p:spPr>
+              <p:style>
+                <a:lnRef idx="1">
+                  <a:schemeClr val="dk1"/>
+                </a:lnRef>
+                <a:fillRef idx="0">
+                  <a:schemeClr val="dk1"/>
+                </a:fillRef>
+                <a:effectRef idx="0">
+                  <a:schemeClr val="dk1"/>
+                </a:effectRef>
+                <a:fontRef idx="minor">
+                  <a:schemeClr val="tx1"/>
+                </a:fontRef>
+              </p:style>
+            </p:cxnSp>
+          </p:grpSp>
+          <p:grpSp>
+            <p:nvGrpSpPr>
+              <p:cNvPr id="1025" name="Group 1024">
+                <a:extLst>
+                  <a:ext uri="{FF2B5EF4-FFF2-40B4-BE49-F238E27FC236}">
+                    <a16:creationId xmlns:a16="http://schemas.microsoft.com/office/drawing/2014/main" id="{6ECEA1BD-056E-A5B7-3889-474DBD1674F7}"/>
+                  </a:ext>
+                </a:extLst>
+              </p:cNvPr>
+              <p:cNvGrpSpPr/>
+              <p:nvPr/>
+            </p:nvGrpSpPr>
+            <p:grpSpPr>
+              <a:xfrm>
+                <a:off x="3365499" y="1655064"/>
+                <a:ext cx="199622" cy="67574"/>
+                <a:chOff x="1587752" y="2527064"/>
+                <a:chExt cx="365760" cy="310897"/>
+              </a:xfrm>
+            </p:grpSpPr>
+            <p:cxnSp>
+              <p:nvCxnSpPr>
+                <p:cNvPr id="1031" name="Straight Connector 1030">
+                  <a:extLst>
+                    <a:ext uri="{FF2B5EF4-FFF2-40B4-BE49-F238E27FC236}">
+                      <a16:creationId xmlns:a16="http://schemas.microsoft.com/office/drawing/2014/main" id="{73A4366E-E666-A806-06FC-A717F45E3AA8}"/>
+                    </a:ext>
+                  </a:extLst>
+                </p:cNvPr>
+                <p:cNvCxnSpPr>
+                  <a:cxnSpLocks/>
+                </p:cNvCxnSpPr>
+                <p:nvPr/>
+              </p:nvCxnSpPr>
+              <p:spPr>
+                <a:xfrm flipH="1">
+                  <a:off x="1587752" y="2828685"/>
+                  <a:ext cx="365760" cy="0"/>
+                </a:xfrm>
+                <a:prstGeom prst="line">
+                  <a:avLst/>
+                </a:prstGeom>
+                <a:ln w="19050">
+                  <a:solidFill>
+                    <a:schemeClr val="tx1"/>
+                  </a:solidFill>
+                </a:ln>
+              </p:spPr>
+              <p:style>
+                <a:lnRef idx="1">
+                  <a:schemeClr val="accent1"/>
+                </a:lnRef>
+                <a:fillRef idx="0">
+                  <a:schemeClr val="accent1"/>
+                </a:fillRef>
+                <a:effectRef idx="0">
+                  <a:schemeClr val="accent1"/>
+                </a:effectRef>
+                <a:fontRef idx="minor">
+                  <a:schemeClr val="tx1"/>
+                </a:fontRef>
+              </p:style>
+            </p:cxnSp>
+            <p:cxnSp>
+              <p:nvCxnSpPr>
+                <p:cNvPr id="1032" name="Straight Connector 1031">
+                  <a:extLst>
+                    <a:ext uri="{FF2B5EF4-FFF2-40B4-BE49-F238E27FC236}">
+                      <a16:creationId xmlns:a16="http://schemas.microsoft.com/office/drawing/2014/main" id="{DDE3F9C1-58F5-4BF3-3414-4B9FE0616F53}"/>
+                    </a:ext>
+                  </a:extLst>
+                </p:cNvPr>
+                <p:cNvCxnSpPr/>
+                <p:nvPr/>
+              </p:nvCxnSpPr>
+              <p:spPr>
+                <a:xfrm flipH="1" flipV="1">
+                  <a:off x="1597276" y="2527065"/>
+                  <a:ext cx="0" cy="310896"/>
+                </a:xfrm>
+                <a:prstGeom prst="line">
+                  <a:avLst/>
+                </a:prstGeom>
+                <a:ln w="19050"/>
+              </p:spPr>
+              <p:style>
+                <a:lnRef idx="1">
+                  <a:schemeClr val="dk1"/>
+                </a:lnRef>
+                <a:fillRef idx="0">
+                  <a:schemeClr val="dk1"/>
+                </a:fillRef>
+                <a:effectRef idx="0">
+                  <a:schemeClr val="dk1"/>
+                </a:effectRef>
+                <a:fontRef idx="minor">
+                  <a:schemeClr val="tx1"/>
+                </a:fontRef>
+              </p:style>
+            </p:cxnSp>
+            <p:cxnSp>
+              <p:nvCxnSpPr>
+                <p:cNvPr id="1033" name="Straight Connector 1032">
+                  <a:extLst>
+                    <a:ext uri="{FF2B5EF4-FFF2-40B4-BE49-F238E27FC236}">
+                      <a16:creationId xmlns:a16="http://schemas.microsoft.com/office/drawing/2014/main" id="{F5B9AB5D-F507-86FD-358C-8EA7EF50B8D3}"/>
+                    </a:ext>
+                  </a:extLst>
+                </p:cNvPr>
+                <p:cNvCxnSpPr/>
+                <p:nvPr/>
+              </p:nvCxnSpPr>
+              <p:spPr>
+                <a:xfrm flipH="1" flipV="1">
+                  <a:off x="1944939" y="2527064"/>
+                  <a:ext cx="0" cy="310896"/>
+                </a:xfrm>
+                <a:prstGeom prst="line">
+                  <a:avLst/>
+                </a:prstGeom>
+                <a:ln w="19050"/>
+              </p:spPr>
+              <p:style>
+                <a:lnRef idx="1">
+                  <a:schemeClr val="dk1"/>
+                </a:lnRef>
+                <a:fillRef idx="0">
+                  <a:schemeClr val="dk1"/>
+                </a:fillRef>
+                <a:effectRef idx="0">
+                  <a:schemeClr val="dk1"/>
+                </a:effectRef>
+                <a:fontRef idx="minor">
+                  <a:schemeClr val="tx1"/>
+                </a:fontRef>
+              </p:style>
+            </p:cxnSp>
+          </p:grpSp>
+          <p:cxnSp>
+            <p:nvCxnSpPr>
+              <p:cNvPr id="1026" name="Straight Connector 1025">
+                <a:extLst>
+                  <a:ext uri="{FF2B5EF4-FFF2-40B4-BE49-F238E27FC236}">
+                    <a16:creationId xmlns:a16="http://schemas.microsoft.com/office/drawing/2014/main" id="{5B750659-CE96-5BD5-6EA2-E93F16A36A94}"/>
+                  </a:ext>
+                </a:extLst>
+              </p:cNvPr>
+              <p:cNvCxnSpPr>
+                <a:cxnSpLocks/>
+              </p:cNvCxnSpPr>
+              <p:nvPr/>
+            </p:nvCxnSpPr>
+            <p:spPr>
+              <a:xfrm flipH="1">
+                <a:off x="1896197" y="1655064"/>
+                <a:ext cx="283464" cy="0"/>
               </a:xfrm>
               <a:prstGeom prst="line">
                 <a:avLst/>
@@ -5330,105 +8106,10 @@
           </p:cxnSp>
           <p:cxnSp>
             <p:nvCxnSpPr>
-              <p:cNvPr id="865" name="Straight Connector 864">
+              <p:cNvPr id="1027" name="Straight Connector 1026">
                 <a:extLst>
                   <a:ext uri="{FF2B5EF4-FFF2-40B4-BE49-F238E27FC236}">
-                    <a16:creationId xmlns:a16="http://schemas.microsoft.com/office/drawing/2014/main" id="{AAD000A7-2C58-9240-A6EF-E8020F4C7339}"/>
-                  </a:ext>
-                </a:extLst>
-              </p:cNvPr>
-              <p:cNvCxnSpPr/>
-              <p:nvPr/>
-            </p:nvCxnSpPr>
-            <p:spPr>
-              <a:xfrm flipH="1" flipV="1">
-                <a:off x="1597276" y="2527065"/>
-                <a:ext cx="0" cy="310896"/>
-              </a:xfrm>
-              <a:prstGeom prst="line">
-                <a:avLst/>
-              </a:prstGeom>
-              <a:ln w="19050"/>
-            </p:spPr>
-            <p:style>
-              <a:lnRef idx="1">
-                <a:schemeClr val="dk1"/>
-              </a:lnRef>
-              <a:fillRef idx="0">
-                <a:schemeClr val="dk1"/>
-              </a:fillRef>
-              <a:effectRef idx="0">
-                <a:schemeClr val="dk1"/>
-              </a:effectRef>
-              <a:fontRef idx="minor">
-                <a:schemeClr val="tx1"/>
-              </a:fontRef>
-            </p:style>
-          </p:cxnSp>
-          <p:cxnSp>
-            <p:nvCxnSpPr>
-              <p:cNvPr id="866" name="Straight Connector 865">
-                <a:extLst>
-                  <a:ext uri="{FF2B5EF4-FFF2-40B4-BE49-F238E27FC236}">
-                    <a16:creationId xmlns:a16="http://schemas.microsoft.com/office/drawing/2014/main" id="{BF1A3E22-1F97-8D0F-5230-2EB934E5E3AD}"/>
-                  </a:ext>
-                </a:extLst>
-              </p:cNvPr>
-              <p:cNvCxnSpPr/>
-              <p:nvPr/>
-            </p:nvCxnSpPr>
-            <p:spPr>
-              <a:xfrm flipH="1" flipV="1">
-                <a:off x="1944939" y="2527064"/>
-                <a:ext cx="0" cy="310896"/>
-              </a:xfrm>
-              <a:prstGeom prst="line">
-                <a:avLst/>
-              </a:prstGeom>
-              <a:ln w="19050"/>
-            </p:spPr>
-            <p:style>
-              <a:lnRef idx="1">
-                <a:schemeClr val="dk1"/>
-              </a:lnRef>
-              <a:fillRef idx="0">
-                <a:schemeClr val="dk1"/>
-              </a:fillRef>
-              <a:effectRef idx="0">
-                <a:schemeClr val="dk1"/>
-              </a:effectRef>
-              <a:fontRef idx="minor">
-                <a:schemeClr val="tx1"/>
-              </a:fontRef>
-            </p:style>
-          </p:cxnSp>
-        </p:grpSp>
-        <p:grpSp>
-          <p:nvGrpSpPr>
-            <p:cNvPr id="41" name="Group 40">
-              <a:extLst>
-                <a:ext uri="{FF2B5EF4-FFF2-40B4-BE49-F238E27FC236}">
-                  <a16:creationId xmlns:a16="http://schemas.microsoft.com/office/drawing/2014/main" id="{CC542518-30C3-E4A5-2939-47E167F695C1}"/>
-                </a:ext>
-              </a:extLst>
-            </p:cNvPr>
-            <p:cNvGrpSpPr/>
-            <p:nvPr/>
-          </p:nvGrpSpPr>
-          <p:grpSpPr>
-            <a:xfrm>
-              <a:off x="2633731" y="1655064"/>
-              <a:ext cx="99230" cy="67574"/>
-              <a:chOff x="1587752" y="2527064"/>
-              <a:chExt cx="365760" cy="310897"/>
-            </a:xfrm>
-          </p:grpSpPr>
-          <p:cxnSp>
-            <p:nvCxnSpPr>
-              <p:cNvPr id="861" name="Straight Connector 860">
-                <a:extLst>
-                  <a:ext uri="{FF2B5EF4-FFF2-40B4-BE49-F238E27FC236}">
-                    <a16:creationId xmlns:a16="http://schemas.microsoft.com/office/drawing/2014/main" id="{F0FE2EDA-A186-51FB-FAF1-722A34896D69}"/>
+                    <a16:creationId xmlns:a16="http://schemas.microsoft.com/office/drawing/2014/main" id="{BFDA28DA-5586-96AC-C773-DC6CE63F7F7D}"/>
                   </a:ext>
                 </a:extLst>
               </p:cNvPr>
@@ -5439,8 +8120,8 @@
             </p:nvCxnSpPr>
             <p:spPr>
               <a:xfrm flipH="1">
-                <a:off x="1587752" y="2828685"/>
-                <a:ext cx="365760" cy="0"/>
+                <a:off x="2359900" y="1655064"/>
+                <a:ext cx="283464" cy="0"/>
               </a:xfrm>
               <a:prstGeom prst="line">
                 <a:avLst/>
@@ -5468,105 +8149,10 @@
           </p:cxnSp>
           <p:cxnSp>
             <p:nvCxnSpPr>
-              <p:cNvPr id="862" name="Straight Connector 861">
+              <p:cNvPr id="1028" name="Straight Connector 1027">
                 <a:extLst>
                   <a:ext uri="{FF2B5EF4-FFF2-40B4-BE49-F238E27FC236}">
-                    <a16:creationId xmlns:a16="http://schemas.microsoft.com/office/drawing/2014/main" id="{32D427FF-B79D-29B4-8016-D5C152B0AB84}"/>
-                  </a:ext>
-                </a:extLst>
-              </p:cNvPr>
-              <p:cNvCxnSpPr/>
-              <p:nvPr/>
-            </p:nvCxnSpPr>
-            <p:spPr>
-              <a:xfrm flipH="1" flipV="1">
-                <a:off x="1597276" y="2527065"/>
-                <a:ext cx="0" cy="310896"/>
-              </a:xfrm>
-              <a:prstGeom prst="line">
-                <a:avLst/>
-              </a:prstGeom>
-              <a:ln w="19050"/>
-            </p:spPr>
-            <p:style>
-              <a:lnRef idx="1">
-                <a:schemeClr val="dk1"/>
-              </a:lnRef>
-              <a:fillRef idx="0">
-                <a:schemeClr val="dk1"/>
-              </a:fillRef>
-              <a:effectRef idx="0">
-                <a:schemeClr val="dk1"/>
-              </a:effectRef>
-              <a:fontRef idx="minor">
-                <a:schemeClr val="tx1"/>
-              </a:fontRef>
-            </p:style>
-          </p:cxnSp>
-          <p:cxnSp>
-            <p:nvCxnSpPr>
-              <p:cNvPr id="863" name="Straight Connector 862">
-                <a:extLst>
-                  <a:ext uri="{FF2B5EF4-FFF2-40B4-BE49-F238E27FC236}">
-                    <a16:creationId xmlns:a16="http://schemas.microsoft.com/office/drawing/2014/main" id="{E67E168F-1D9A-0CDE-0049-B33288075A67}"/>
-                  </a:ext>
-                </a:extLst>
-              </p:cNvPr>
-              <p:cNvCxnSpPr/>
-              <p:nvPr/>
-            </p:nvCxnSpPr>
-            <p:spPr>
-              <a:xfrm flipH="1" flipV="1">
-                <a:off x="1944939" y="2527064"/>
-                <a:ext cx="0" cy="310896"/>
-              </a:xfrm>
-              <a:prstGeom prst="line">
-                <a:avLst/>
-              </a:prstGeom>
-              <a:ln w="19050"/>
-            </p:spPr>
-            <p:style>
-              <a:lnRef idx="1">
-                <a:schemeClr val="dk1"/>
-              </a:lnRef>
-              <a:fillRef idx="0">
-                <a:schemeClr val="dk1"/>
-              </a:fillRef>
-              <a:effectRef idx="0">
-                <a:schemeClr val="dk1"/>
-              </a:effectRef>
-              <a:fontRef idx="minor">
-                <a:schemeClr val="tx1"/>
-              </a:fontRef>
-            </p:style>
-          </p:cxnSp>
-        </p:grpSp>
-        <p:grpSp>
-          <p:nvGrpSpPr>
-            <p:cNvPr id="44" name="Group 43">
-              <a:extLst>
-                <a:ext uri="{FF2B5EF4-FFF2-40B4-BE49-F238E27FC236}">
-                  <a16:creationId xmlns:a16="http://schemas.microsoft.com/office/drawing/2014/main" id="{0577C20F-860D-D563-4F1D-DB538CFEC5D5}"/>
-                </a:ext>
-              </a:extLst>
-            </p:cNvPr>
-            <p:cNvGrpSpPr/>
-            <p:nvPr/>
-          </p:nvGrpSpPr>
-          <p:grpSpPr>
-            <a:xfrm>
-              <a:off x="3007592" y="1655064"/>
-              <a:ext cx="99230" cy="67574"/>
-              <a:chOff x="1587752" y="2527064"/>
-              <a:chExt cx="365760" cy="310897"/>
-            </a:xfrm>
-          </p:grpSpPr>
-          <p:cxnSp>
-            <p:nvCxnSpPr>
-              <p:cNvPr id="858" name="Straight Connector 857">
-                <a:extLst>
-                  <a:ext uri="{FF2B5EF4-FFF2-40B4-BE49-F238E27FC236}">
-                    <a16:creationId xmlns:a16="http://schemas.microsoft.com/office/drawing/2014/main" id="{4972E686-F7E7-577B-74DE-8499D4280F06}"/>
+                    <a16:creationId xmlns:a16="http://schemas.microsoft.com/office/drawing/2014/main" id="{6E00723B-9CFB-6A7B-AC62-B191734E279F}"/>
                   </a:ext>
                 </a:extLst>
               </p:cNvPr>
@@ -5577,8 +8163,8 @@
             </p:nvCxnSpPr>
             <p:spPr>
               <a:xfrm flipH="1">
-                <a:off x="1587752" y="2828685"/>
-                <a:ext cx="365760" cy="0"/>
+                <a:off x="2727128" y="1655064"/>
+                <a:ext cx="283464" cy="0"/>
               </a:xfrm>
               <a:prstGeom prst="line">
                 <a:avLst/>
@@ -5606,105 +8192,10 @@
           </p:cxnSp>
           <p:cxnSp>
             <p:nvCxnSpPr>
-              <p:cNvPr id="859" name="Straight Connector 858">
+              <p:cNvPr id="1029" name="Straight Connector 1028">
                 <a:extLst>
                   <a:ext uri="{FF2B5EF4-FFF2-40B4-BE49-F238E27FC236}">
-                    <a16:creationId xmlns:a16="http://schemas.microsoft.com/office/drawing/2014/main" id="{9781759D-CF9C-B575-EACE-A30AB54D4A57}"/>
-                  </a:ext>
-                </a:extLst>
-              </p:cNvPr>
-              <p:cNvCxnSpPr/>
-              <p:nvPr/>
-            </p:nvCxnSpPr>
-            <p:spPr>
-              <a:xfrm flipH="1" flipV="1">
-                <a:off x="1597276" y="2527065"/>
-                <a:ext cx="0" cy="310896"/>
-              </a:xfrm>
-              <a:prstGeom prst="line">
-                <a:avLst/>
-              </a:prstGeom>
-              <a:ln w="19050"/>
-            </p:spPr>
-            <p:style>
-              <a:lnRef idx="1">
-                <a:schemeClr val="dk1"/>
-              </a:lnRef>
-              <a:fillRef idx="0">
-                <a:schemeClr val="dk1"/>
-              </a:fillRef>
-              <a:effectRef idx="0">
-                <a:schemeClr val="dk1"/>
-              </a:effectRef>
-              <a:fontRef idx="minor">
-                <a:schemeClr val="tx1"/>
-              </a:fontRef>
-            </p:style>
-          </p:cxnSp>
-          <p:cxnSp>
-            <p:nvCxnSpPr>
-              <p:cNvPr id="860" name="Straight Connector 859">
-                <a:extLst>
-                  <a:ext uri="{FF2B5EF4-FFF2-40B4-BE49-F238E27FC236}">
-                    <a16:creationId xmlns:a16="http://schemas.microsoft.com/office/drawing/2014/main" id="{C3F7D3DB-188B-9716-82C7-481FAA1B395F}"/>
-                  </a:ext>
-                </a:extLst>
-              </p:cNvPr>
-              <p:cNvCxnSpPr/>
-              <p:nvPr/>
-            </p:nvCxnSpPr>
-            <p:spPr>
-              <a:xfrm flipH="1" flipV="1">
-                <a:off x="1944939" y="2527064"/>
-                <a:ext cx="0" cy="310896"/>
-              </a:xfrm>
-              <a:prstGeom prst="line">
-                <a:avLst/>
-              </a:prstGeom>
-              <a:ln w="19050"/>
-            </p:spPr>
-            <p:style>
-              <a:lnRef idx="1">
-                <a:schemeClr val="dk1"/>
-              </a:lnRef>
-              <a:fillRef idx="0">
-                <a:schemeClr val="dk1"/>
-              </a:fillRef>
-              <a:effectRef idx="0">
-                <a:schemeClr val="dk1"/>
-              </a:effectRef>
-              <a:fontRef idx="minor">
-                <a:schemeClr val="tx1"/>
-              </a:fontRef>
-            </p:style>
-          </p:cxnSp>
-        </p:grpSp>
-        <p:grpSp>
-          <p:nvGrpSpPr>
-            <p:cNvPr id="45" name="Group 44">
-              <a:extLst>
-                <a:ext uri="{FF2B5EF4-FFF2-40B4-BE49-F238E27FC236}">
-                  <a16:creationId xmlns:a16="http://schemas.microsoft.com/office/drawing/2014/main" id="{EFAAFB99-9E93-03CE-37CD-9701A0C02F5E}"/>
-                </a:ext>
-              </a:extLst>
-            </p:cNvPr>
-            <p:cNvGrpSpPr/>
-            <p:nvPr/>
-          </p:nvGrpSpPr>
-          <p:grpSpPr>
-            <a:xfrm>
-              <a:off x="1808817" y="1655064"/>
-              <a:ext cx="99230" cy="67574"/>
-              <a:chOff x="1587752" y="2527064"/>
-              <a:chExt cx="365760" cy="310897"/>
-            </a:xfrm>
-          </p:grpSpPr>
-          <p:cxnSp>
-            <p:nvCxnSpPr>
-              <p:cNvPr id="855" name="Straight Connector 854">
-                <a:extLst>
-                  <a:ext uri="{FF2B5EF4-FFF2-40B4-BE49-F238E27FC236}">
-                    <a16:creationId xmlns:a16="http://schemas.microsoft.com/office/drawing/2014/main" id="{3EC9EB21-88DF-5832-6520-1438C1C5E503}"/>
+                    <a16:creationId xmlns:a16="http://schemas.microsoft.com/office/drawing/2014/main" id="{FBDA5427-83C7-564C-87EE-91F6DB2E5A74}"/>
                   </a:ext>
                 </a:extLst>
               </p:cNvPr>
@@ -5715,8 +8206,8 @@
             </p:nvCxnSpPr>
             <p:spPr>
               <a:xfrm flipH="1">
-                <a:off x="1587752" y="2828685"/>
-                <a:ext cx="365760" cy="0"/>
+                <a:off x="3097435" y="1655064"/>
+                <a:ext cx="283464" cy="0"/>
               </a:xfrm>
               <a:prstGeom prst="line">
                 <a:avLst/>
@@ -5744,105 +8235,10 @@
           </p:cxnSp>
           <p:cxnSp>
             <p:nvCxnSpPr>
-              <p:cNvPr id="856" name="Straight Connector 855">
+              <p:cNvPr id="1030" name="Straight Connector 1029">
                 <a:extLst>
                   <a:ext uri="{FF2B5EF4-FFF2-40B4-BE49-F238E27FC236}">
-                    <a16:creationId xmlns:a16="http://schemas.microsoft.com/office/drawing/2014/main" id="{995F9595-FE4C-2A04-7DDB-F92C121F1D37}"/>
-                  </a:ext>
-                </a:extLst>
-              </p:cNvPr>
-              <p:cNvCxnSpPr/>
-              <p:nvPr/>
-            </p:nvCxnSpPr>
-            <p:spPr>
-              <a:xfrm flipH="1" flipV="1">
-                <a:off x="1597276" y="2527065"/>
-                <a:ext cx="0" cy="310896"/>
-              </a:xfrm>
-              <a:prstGeom prst="line">
-                <a:avLst/>
-              </a:prstGeom>
-              <a:ln w="19050"/>
-            </p:spPr>
-            <p:style>
-              <a:lnRef idx="1">
-                <a:schemeClr val="dk1"/>
-              </a:lnRef>
-              <a:fillRef idx="0">
-                <a:schemeClr val="dk1"/>
-              </a:fillRef>
-              <a:effectRef idx="0">
-                <a:schemeClr val="dk1"/>
-              </a:effectRef>
-              <a:fontRef idx="minor">
-                <a:schemeClr val="tx1"/>
-              </a:fontRef>
-            </p:style>
-          </p:cxnSp>
-          <p:cxnSp>
-            <p:nvCxnSpPr>
-              <p:cNvPr id="857" name="Straight Connector 856">
-                <a:extLst>
-                  <a:ext uri="{FF2B5EF4-FFF2-40B4-BE49-F238E27FC236}">
-                    <a16:creationId xmlns:a16="http://schemas.microsoft.com/office/drawing/2014/main" id="{6B9CAF6F-4AB5-DBC2-4787-4F70556A01D3}"/>
-                  </a:ext>
-                </a:extLst>
-              </p:cNvPr>
-              <p:cNvCxnSpPr/>
-              <p:nvPr/>
-            </p:nvCxnSpPr>
-            <p:spPr>
-              <a:xfrm flipH="1" flipV="1">
-                <a:off x="1944939" y="2527064"/>
-                <a:ext cx="0" cy="310896"/>
-              </a:xfrm>
-              <a:prstGeom prst="line">
-                <a:avLst/>
-              </a:prstGeom>
-              <a:ln w="19050"/>
-            </p:spPr>
-            <p:style>
-              <a:lnRef idx="1">
-                <a:schemeClr val="dk1"/>
-              </a:lnRef>
-              <a:fillRef idx="0">
-                <a:schemeClr val="dk1"/>
-              </a:fillRef>
-              <a:effectRef idx="0">
-                <a:schemeClr val="dk1"/>
-              </a:effectRef>
-              <a:fontRef idx="minor">
-                <a:schemeClr val="tx1"/>
-              </a:fontRef>
-            </p:style>
-          </p:cxnSp>
-        </p:grpSp>
-        <p:grpSp>
-          <p:nvGrpSpPr>
-            <p:cNvPr id="46" name="Group 45">
-              <a:extLst>
-                <a:ext uri="{FF2B5EF4-FFF2-40B4-BE49-F238E27FC236}">
-                  <a16:creationId xmlns:a16="http://schemas.microsoft.com/office/drawing/2014/main" id="{1F510E59-E294-98CD-7461-796C3A8A355C}"/>
-                </a:ext>
-              </a:extLst>
-            </p:cNvPr>
-            <p:cNvGrpSpPr/>
-            <p:nvPr/>
-          </p:nvGrpSpPr>
-          <p:grpSpPr>
-            <a:xfrm>
-              <a:off x="3821786" y="1655064"/>
-              <a:ext cx="99230" cy="67574"/>
-              <a:chOff x="1587752" y="2527064"/>
-              <a:chExt cx="365760" cy="310897"/>
-            </a:xfrm>
-          </p:grpSpPr>
-          <p:cxnSp>
-            <p:nvCxnSpPr>
-              <p:cNvPr id="852" name="Straight Connector 851">
-                <a:extLst>
-                  <a:ext uri="{FF2B5EF4-FFF2-40B4-BE49-F238E27FC236}">
-                    <a16:creationId xmlns:a16="http://schemas.microsoft.com/office/drawing/2014/main" id="{EAEF6627-781A-2D76-78E2-7C345A04AB72}"/>
+                    <a16:creationId xmlns:a16="http://schemas.microsoft.com/office/drawing/2014/main" id="{261F38D8-0C11-CF2B-67AA-E309E6825DB4}"/>
                   </a:ext>
                 </a:extLst>
               </p:cNvPr>
@@ -5853,941 +8249,8 @@
             </p:nvCxnSpPr>
             <p:spPr>
               <a:xfrm flipH="1">
-                <a:off x="1587752" y="2828685"/>
-                <a:ext cx="365760" cy="0"/>
-              </a:xfrm>
-              <a:prstGeom prst="line">
-                <a:avLst/>
-              </a:prstGeom>
-              <a:ln w="19050">
-                <a:solidFill>
-                  <a:schemeClr val="tx1"/>
-                </a:solidFill>
-              </a:ln>
-            </p:spPr>
-            <p:style>
-              <a:lnRef idx="1">
-                <a:schemeClr val="accent1"/>
-              </a:lnRef>
-              <a:fillRef idx="0">
-                <a:schemeClr val="accent1"/>
-              </a:fillRef>
-              <a:effectRef idx="0">
-                <a:schemeClr val="accent1"/>
-              </a:effectRef>
-              <a:fontRef idx="minor">
-                <a:schemeClr val="tx1"/>
-              </a:fontRef>
-            </p:style>
-          </p:cxnSp>
-          <p:cxnSp>
-            <p:nvCxnSpPr>
-              <p:cNvPr id="853" name="Straight Connector 852">
-                <a:extLst>
-                  <a:ext uri="{FF2B5EF4-FFF2-40B4-BE49-F238E27FC236}">
-                    <a16:creationId xmlns:a16="http://schemas.microsoft.com/office/drawing/2014/main" id="{769297A8-B96B-C341-8D25-3FDDA358DF5A}"/>
-                  </a:ext>
-                </a:extLst>
-              </p:cNvPr>
-              <p:cNvCxnSpPr/>
-              <p:nvPr/>
-            </p:nvCxnSpPr>
-            <p:spPr>
-              <a:xfrm flipH="1" flipV="1">
-                <a:off x="1597276" y="2527065"/>
-                <a:ext cx="0" cy="310896"/>
-              </a:xfrm>
-              <a:prstGeom prst="line">
-                <a:avLst/>
-              </a:prstGeom>
-              <a:ln w="19050"/>
-            </p:spPr>
-            <p:style>
-              <a:lnRef idx="1">
-                <a:schemeClr val="dk1"/>
-              </a:lnRef>
-              <a:fillRef idx="0">
-                <a:schemeClr val="dk1"/>
-              </a:fillRef>
-              <a:effectRef idx="0">
-                <a:schemeClr val="dk1"/>
-              </a:effectRef>
-              <a:fontRef idx="minor">
-                <a:schemeClr val="tx1"/>
-              </a:fontRef>
-            </p:style>
-          </p:cxnSp>
-          <p:cxnSp>
-            <p:nvCxnSpPr>
-              <p:cNvPr id="854" name="Straight Connector 853">
-                <a:extLst>
-                  <a:ext uri="{FF2B5EF4-FFF2-40B4-BE49-F238E27FC236}">
-                    <a16:creationId xmlns:a16="http://schemas.microsoft.com/office/drawing/2014/main" id="{4223B856-DABA-3ECE-1FB2-9AD2491ED050}"/>
-                  </a:ext>
-                </a:extLst>
-              </p:cNvPr>
-              <p:cNvCxnSpPr/>
-              <p:nvPr/>
-            </p:nvCxnSpPr>
-            <p:spPr>
-              <a:xfrm flipH="1" flipV="1">
-                <a:off x="1944939" y="2527064"/>
-                <a:ext cx="0" cy="310896"/>
-              </a:xfrm>
-              <a:prstGeom prst="line">
-                <a:avLst/>
-              </a:prstGeom>
-              <a:ln w="19050"/>
-            </p:spPr>
-            <p:style>
-              <a:lnRef idx="1">
-                <a:schemeClr val="dk1"/>
-              </a:lnRef>
-              <a:fillRef idx="0">
-                <a:schemeClr val="dk1"/>
-              </a:fillRef>
-              <a:effectRef idx="0">
-                <a:schemeClr val="dk1"/>
-              </a:effectRef>
-              <a:fontRef idx="minor">
-                <a:schemeClr val="tx1"/>
-              </a:fontRef>
-            </p:style>
-          </p:cxnSp>
-        </p:grpSp>
-        <p:grpSp>
-          <p:nvGrpSpPr>
-            <p:cNvPr id="47" name="Group 46">
-              <a:extLst>
-                <a:ext uri="{FF2B5EF4-FFF2-40B4-BE49-F238E27FC236}">
-                  <a16:creationId xmlns:a16="http://schemas.microsoft.com/office/drawing/2014/main" id="{3BC220AA-A4D7-E0A6-C1A8-37FC533AF702}"/>
-                </a:ext>
-              </a:extLst>
-            </p:cNvPr>
-            <p:cNvGrpSpPr/>
-            <p:nvPr/>
-          </p:nvGrpSpPr>
-          <p:grpSpPr>
-            <a:xfrm>
-              <a:off x="3365499" y="1655064"/>
-              <a:ext cx="199622" cy="67574"/>
-              <a:chOff x="1587752" y="2527064"/>
-              <a:chExt cx="365760" cy="310897"/>
-            </a:xfrm>
-          </p:grpSpPr>
-          <p:cxnSp>
-            <p:nvCxnSpPr>
-              <p:cNvPr id="849" name="Straight Connector 848">
-                <a:extLst>
-                  <a:ext uri="{FF2B5EF4-FFF2-40B4-BE49-F238E27FC236}">
-                    <a16:creationId xmlns:a16="http://schemas.microsoft.com/office/drawing/2014/main" id="{9E423138-EA25-2827-67CC-3C49FE145E3E}"/>
-                  </a:ext>
-                </a:extLst>
-              </p:cNvPr>
-              <p:cNvCxnSpPr>
-                <a:cxnSpLocks/>
-              </p:cNvCxnSpPr>
-              <p:nvPr/>
-            </p:nvCxnSpPr>
-            <p:spPr>
-              <a:xfrm flipH="1">
-                <a:off x="1587752" y="2828685"/>
-                <a:ext cx="365760" cy="0"/>
-              </a:xfrm>
-              <a:prstGeom prst="line">
-                <a:avLst/>
-              </a:prstGeom>
-              <a:ln w="19050">
-                <a:solidFill>
-                  <a:schemeClr val="tx1"/>
-                </a:solidFill>
-              </a:ln>
-            </p:spPr>
-            <p:style>
-              <a:lnRef idx="1">
-                <a:schemeClr val="accent1"/>
-              </a:lnRef>
-              <a:fillRef idx="0">
-                <a:schemeClr val="accent1"/>
-              </a:fillRef>
-              <a:effectRef idx="0">
-                <a:schemeClr val="accent1"/>
-              </a:effectRef>
-              <a:fontRef idx="minor">
-                <a:schemeClr val="tx1"/>
-              </a:fontRef>
-            </p:style>
-          </p:cxnSp>
-          <p:cxnSp>
-            <p:nvCxnSpPr>
-              <p:cNvPr id="850" name="Straight Connector 849">
-                <a:extLst>
-                  <a:ext uri="{FF2B5EF4-FFF2-40B4-BE49-F238E27FC236}">
-                    <a16:creationId xmlns:a16="http://schemas.microsoft.com/office/drawing/2014/main" id="{7FC5FD71-FC91-6E83-9657-1F39E50D11D8}"/>
-                  </a:ext>
-                </a:extLst>
-              </p:cNvPr>
-              <p:cNvCxnSpPr/>
-              <p:nvPr/>
-            </p:nvCxnSpPr>
-            <p:spPr>
-              <a:xfrm flipH="1" flipV="1">
-                <a:off x="1597276" y="2527065"/>
-                <a:ext cx="0" cy="310896"/>
-              </a:xfrm>
-              <a:prstGeom prst="line">
-                <a:avLst/>
-              </a:prstGeom>
-              <a:ln w="19050"/>
-            </p:spPr>
-            <p:style>
-              <a:lnRef idx="1">
-                <a:schemeClr val="dk1"/>
-              </a:lnRef>
-              <a:fillRef idx="0">
-                <a:schemeClr val="dk1"/>
-              </a:fillRef>
-              <a:effectRef idx="0">
-                <a:schemeClr val="dk1"/>
-              </a:effectRef>
-              <a:fontRef idx="minor">
-                <a:schemeClr val="tx1"/>
-              </a:fontRef>
-            </p:style>
-          </p:cxnSp>
-          <p:cxnSp>
-            <p:nvCxnSpPr>
-              <p:cNvPr id="851" name="Straight Connector 850">
-                <a:extLst>
-                  <a:ext uri="{FF2B5EF4-FFF2-40B4-BE49-F238E27FC236}">
-                    <a16:creationId xmlns:a16="http://schemas.microsoft.com/office/drawing/2014/main" id="{012E8DC7-6CED-99E8-54CB-5BEDC271310D}"/>
-                  </a:ext>
-                </a:extLst>
-              </p:cNvPr>
-              <p:cNvCxnSpPr/>
-              <p:nvPr/>
-            </p:nvCxnSpPr>
-            <p:spPr>
-              <a:xfrm flipH="1" flipV="1">
-                <a:off x="1944939" y="2527064"/>
-                <a:ext cx="0" cy="310896"/>
-              </a:xfrm>
-              <a:prstGeom prst="line">
-                <a:avLst/>
-              </a:prstGeom>
-              <a:ln w="19050"/>
-            </p:spPr>
-            <p:style>
-              <a:lnRef idx="1">
-                <a:schemeClr val="dk1"/>
-              </a:lnRef>
-              <a:fillRef idx="0">
-                <a:schemeClr val="dk1"/>
-              </a:fillRef>
-              <a:effectRef idx="0">
-                <a:schemeClr val="dk1"/>
-              </a:effectRef>
-              <a:fontRef idx="minor">
-                <a:schemeClr val="tx1"/>
-              </a:fontRef>
-            </p:style>
-          </p:cxnSp>
-        </p:grpSp>
-        <p:cxnSp>
-          <p:nvCxnSpPr>
-            <p:cNvPr id="48" name="Straight Connector 47">
-              <a:extLst>
-                <a:ext uri="{FF2B5EF4-FFF2-40B4-BE49-F238E27FC236}">
-                  <a16:creationId xmlns:a16="http://schemas.microsoft.com/office/drawing/2014/main" id="{7BA73E3E-890A-4E32-CE47-49B6D5DDF6AB}"/>
-                </a:ext>
-              </a:extLst>
-            </p:cNvPr>
-            <p:cNvCxnSpPr>
-              <a:cxnSpLocks/>
-            </p:cNvCxnSpPr>
-            <p:nvPr/>
-          </p:nvCxnSpPr>
-          <p:spPr>
-            <a:xfrm flipH="1">
-              <a:off x="1896197" y="1655064"/>
-              <a:ext cx="283464" cy="0"/>
-            </a:xfrm>
-            <a:prstGeom prst="line">
-              <a:avLst/>
-            </a:prstGeom>
-            <a:ln w="19050">
-              <a:solidFill>
-                <a:schemeClr val="tx1"/>
-              </a:solidFill>
-            </a:ln>
-          </p:spPr>
-          <p:style>
-            <a:lnRef idx="1">
-              <a:schemeClr val="accent1"/>
-            </a:lnRef>
-            <a:fillRef idx="0">
-              <a:schemeClr val="accent1"/>
-            </a:fillRef>
-            <a:effectRef idx="0">
-              <a:schemeClr val="accent1"/>
-            </a:effectRef>
-            <a:fontRef idx="minor">
-              <a:schemeClr val="tx1"/>
-            </a:fontRef>
-          </p:style>
-        </p:cxnSp>
-        <p:cxnSp>
-          <p:nvCxnSpPr>
-            <p:cNvPr id="59" name="Straight Connector 58">
-              <a:extLst>
-                <a:ext uri="{FF2B5EF4-FFF2-40B4-BE49-F238E27FC236}">
-                  <a16:creationId xmlns:a16="http://schemas.microsoft.com/office/drawing/2014/main" id="{31C90F43-4332-B92E-E8AB-EFA99635C64B}"/>
-                </a:ext>
-              </a:extLst>
-            </p:cNvPr>
-            <p:cNvCxnSpPr>
-              <a:cxnSpLocks/>
-            </p:cNvCxnSpPr>
-            <p:nvPr/>
-          </p:nvCxnSpPr>
-          <p:spPr>
-            <a:xfrm flipH="1">
-              <a:off x="2359900" y="1655064"/>
-              <a:ext cx="283464" cy="0"/>
-            </a:xfrm>
-            <a:prstGeom prst="line">
-              <a:avLst/>
-            </a:prstGeom>
-            <a:ln w="19050">
-              <a:solidFill>
-                <a:schemeClr val="tx1"/>
-              </a:solidFill>
-            </a:ln>
-          </p:spPr>
-          <p:style>
-            <a:lnRef idx="1">
-              <a:schemeClr val="accent1"/>
-            </a:lnRef>
-            <a:fillRef idx="0">
-              <a:schemeClr val="accent1"/>
-            </a:fillRef>
-            <a:effectRef idx="0">
-              <a:schemeClr val="accent1"/>
-            </a:effectRef>
-            <a:fontRef idx="minor">
-              <a:schemeClr val="tx1"/>
-            </a:fontRef>
-          </p:style>
-        </p:cxnSp>
-        <p:cxnSp>
-          <p:nvCxnSpPr>
-            <p:cNvPr id="60" name="Straight Connector 59">
-              <a:extLst>
-                <a:ext uri="{FF2B5EF4-FFF2-40B4-BE49-F238E27FC236}">
-                  <a16:creationId xmlns:a16="http://schemas.microsoft.com/office/drawing/2014/main" id="{5BF6FF2B-A0CA-527E-70E5-023006D2E608}"/>
-                </a:ext>
-              </a:extLst>
-            </p:cNvPr>
-            <p:cNvCxnSpPr>
-              <a:cxnSpLocks/>
-            </p:cNvCxnSpPr>
-            <p:nvPr/>
-          </p:nvCxnSpPr>
-          <p:spPr>
-            <a:xfrm flipH="1">
-              <a:off x="2727128" y="1655064"/>
-              <a:ext cx="283464" cy="0"/>
-            </a:xfrm>
-            <a:prstGeom prst="line">
-              <a:avLst/>
-            </a:prstGeom>
-            <a:ln w="19050">
-              <a:solidFill>
-                <a:schemeClr val="tx1"/>
-              </a:solidFill>
-            </a:ln>
-          </p:spPr>
-          <p:style>
-            <a:lnRef idx="1">
-              <a:schemeClr val="accent1"/>
-            </a:lnRef>
-            <a:fillRef idx="0">
-              <a:schemeClr val="accent1"/>
-            </a:fillRef>
-            <a:effectRef idx="0">
-              <a:schemeClr val="accent1"/>
-            </a:effectRef>
-            <a:fontRef idx="minor">
-              <a:schemeClr val="tx1"/>
-            </a:fontRef>
-          </p:style>
-        </p:cxnSp>
-        <p:cxnSp>
-          <p:nvCxnSpPr>
-            <p:cNvPr id="61" name="Straight Connector 60">
-              <a:extLst>
-                <a:ext uri="{FF2B5EF4-FFF2-40B4-BE49-F238E27FC236}">
-                  <a16:creationId xmlns:a16="http://schemas.microsoft.com/office/drawing/2014/main" id="{C73B780D-5403-2460-DD9E-796E285B2F49}"/>
-                </a:ext>
-              </a:extLst>
-            </p:cNvPr>
-            <p:cNvCxnSpPr>
-              <a:cxnSpLocks/>
-            </p:cNvCxnSpPr>
-            <p:nvPr/>
-          </p:nvCxnSpPr>
-          <p:spPr>
-            <a:xfrm flipH="1">
-              <a:off x="3097435" y="1655064"/>
-              <a:ext cx="283464" cy="0"/>
-            </a:xfrm>
-            <a:prstGeom prst="line">
-              <a:avLst/>
-            </a:prstGeom>
-            <a:ln w="19050">
-              <a:solidFill>
-                <a:schemeClr val="tx1"/>
-              </a:solidFill>
-            </a:ln>
-          </p:spPr>
-          <p:style>
-            <a:lnRef idx="1">
-              <a:schemeClr val="accent1"/>
-            </a:lnRef>
-            <a:fillRef idx="0">
-              <a:schemeClr val="accent1"/>
-            </a:fillRef>
-            <a:effectRef idx="0">
-              <a:schemeClr val="accent1"/>
-            </a:effectRef>
-            <a:fontRef idx="minor">
-              <a:schemeClr val="tx1"/>
-            </a:fontRef>
-          </p:style>
-        </p:cxnSp>
-        <p:cxnSp>
-          <p:nvCxnSpPr>
-            <p:cNvPr id="63" name="Straight Connector 62">
-              <a:extLst>
-                <a:ext uri="{FF2B5EF4-FFF2-40B4-BE49-F238E27FC236}">
-                  <a16:creationId xmlns:a16="http://schemas.microsoft.com/office/drawing/2014/main" id="{FE21C955-3A7F-9084-AAE2-B9BCB23FA7B5}"/>
-                </a:ext>
-              </a:extLst>
-            </p:cNvPr>
-            <p:cNvCxnSpPr>
-              <a:cxnSpLocks/>
-            </p:cNvCxnSpPr>
-            <p:nvPr/>
-          </p:nvCxnSpPr>
-          <p:spPr>
-            <a:xfrm flipH="1">
-              <a:off x="3550844" y="1655064"/>
-              <a:ext cx="283464" cy="0"/>
-            </a:xfrm>
-            <a:prstGeom prst="line">
-              <a:avLst/>
-            </a:prstGeom>
-            <a:ln w="19050">
-              <a:solidFill>
-                <a:schemeClr val="tx1"/>
-              </a:solidFill>
-            </a:ln>
-          </p:spPr>
-          <p:style>
-            <a:lnRef idx="1">
-              <a:schemeClr val="accent1"/>
-            </a:lnRef>
-            <a:fillRef idx="0">
-              <a:schemeClr val="accent1"/>
-            </a:fillRef>
-            <a:effectRef idx="0">
-              <a:schemeClr val="accent1"/>
-            </a:effectRef>
-            <a:fontRef idx="minor">
-              <a:schemeClr val="tx1"/>
-            </a:fontRef>
-          </p:style>
-        </p:cxnSp>
-      </p:grpSp>
-      <p:grpSp>
-        <p:nvGrpSpPr>
-          <p:cNvPr id="885" name="building">
-            <a:extLst>
-              <a:ext uri="{FF2B5EF4-FFF2-40B4-BE49-F238E27FC236}">
-                <a16:creationId xmlns:a16="http://schemas.microsoft.com/office/drawing/2014/main" id="{7C46D532-3D92-0A98-DD58-53B354C7F0D5}"/>
-              </a:ext>
-            </a:extLst>
-          </p:cNvPr>
-          <p:cNvGrpSpPr/>
-          <p:nvPr/>
-        </p:nvGrpSpPr>
-        <p:grpSpPr>
-          <a:xfrm rot="1200000">
-            <a:off x="4341129" y="2634378"/>
-            <a:ext cx="3078952" cy="600809"/>
-            <a:chOff x="1461537" y="1655064"/>
-            <a:chExt cx="2807686" cy="465909"/>
-          </a:xfrm>
-        </p:grpSpPr>
-        <p:cxnSp>
-          <p:nvCxnSpPr>
-            <p:cNvPr id="886" name="Straight Connector 885">
-              <a:extLst>
-                <a:ext uri="{FF2B5EF4-FFF2-40B4-BE49-F238E27FC236}">
-                  <a16:creationId xmlns:a16="http://schemas.microsoft.com/office/drawing/2014/main" id="{D387123A-5975-F483-C64E-8EEF8FE60B8E}"/>
-                </a:ext>
-              </a:extLst>
-            </p:cNvPr>
-            <p:cNvCxnSpPr>
-              <a:cxnSpLocks/>
-            </p:cNvCxnSpPr>
-            <p:nvPr/>
-          </p:nvCxnSpPr>
-          <p:spPr>
-            <a:xfrm flipH="1">
-              <a:off x="2330695" y="2055019"/>
-              <a:ext cx="1938528" cy="0"/>
-            </a:xfrm>
-            <a:prstGeom prst="line">
-              <a:avLst/>
-            </a:prstGeom>
-            <a:ln w="19050">
-              <a:solidFill>
-                <a:schemeClr val="tx1"/>
-              </a:solidFill>
-            </a:ln>
-          </p:spPr>
-          <p:style>
-            <a:lnRef idx="1">
-              <a:schemeClr val="accent1"/>
-            </a:lnRef>
-            <a:fillRef idx="0">
-              <a:schemeClr val="accent1"/>
-            </a:fillRef>
-            <a:effectRef idx="0">
-              <a:schemeClr val="accent1"/>
-            </a:effectRef>
-            <a:fontRef idx="minor">
-              <a:schemeClr val="tx1"/>
-            </a:fontRef>
-          </p:style>
-        </p:cxnSp>
-        <p:cxnSp>
-          <p:nvCxnSpPr>
-            <p:cNvPr id="887" name="Straight Connector 886">
-              <a:extLst>
-                <a:ext uri="{FF2B5EF4-FFF2-40B4-BE49-F238E27FC236}">
-                  <a16:creationId xmlns:a16="http://schemas.microsoft.com/office/drawing/2014/main" id="{E5DA23CB-6DB3-413B-A2B7-9259F97C8642}"/>
-                </a:ext>
-              </a:extLst>
-            </p:cNvPr>
-            <p:cNvCxnSpPr>
-              <a:cxnSpLocks/>
-            </p:cNvCxnSpPr>
-            <p:nvPr/>
-          </p:nvCxnSpPr>
-          <p:spPr>
-            <a:xfrm flipH="1">
-              <a:off x="1461537" y="2057400"/>
-              <a:ext cx="667512" cy="0"/>
-            </a:xfrm>
-            <a:prstGeom prst="line">
-              <a:avLst/>
-            </a:prstGeom>
-            <a:ln w="19050">
-              <a:solidFill>
-                <a:schemeClr val="tx1"/>
-              </a:solidFill>
-            </a:ln>
-          </p:spPr>
-          <p:style>
-            <a:lnRef idx="1">
-              <a:schemeClr val="accent1"/>
-            </a:lnRef>
-            <a:fillRef idx="0">
-              <a:schemeClr val="accent1"/>
-            </a:fillRef>
-            <a:effectRef idx="0">
-              <a:schemeClr val="accent1"/>
-            </a:effectRef>
-            <a:fontRef idx="minor">
-              <a:schemeClr val="tx1"/>
-            </a:fontRef>
-          </p:style>
-        </p:cxnSp>
-        <p:grpSp>
-          <p:nvGrpSpPr>
-            <p:cNvPr id="888" name="Group 887">
-              <a:extLst>
-                <a:ext uri="{FF2B5EF4-FFF2-40B4-BE49-F238E27FC236}">
-                  <a16:creationId xmlns:a16="http://schemas.microsoft.com/office/drawing/2014/main" id="{770B0841-CA7F-49BF-E9A4-36B3EFCF0864}"/>
-                </a:ext>
-              </a:extLst>
-            </p:cNvPr>
-            <p:cNvGrpSpPr/>
-            <p:nvPr/>
-          </p:nvGrpSpPr>
-          <p:grpSpPr>
-            <a:xfrm>
-              <a:off x="2114952" y="2048637"/>
-              <a:ext cx="227348" cy="67574"/>
-              <a:chOff x="1587752" y="2527064"/>
-              <a:chExt cx="365760" cy="310897"/>
-            </a:xfrm>
-          </p:grpSpPr>
-          <p:cxnSp>
-            <p:nvCxnSpPr>
-              <p:cNvPr id="1064" name="Straight Connector 1063">
-                <a:extLst>
-                  <a:ext uri="{FF2B5EF4-FFF2-40B4-BE49-F238E27FC236}">
-                    <a16:creationId xmlns:a16="http://schemas.microsoft.com/office/drawing/2014/main" id="{D79ACAB3-8FFB-96B7-64FC-35BA09E38EAC}"/>
-                  </a:ext>
-                </a:extLst>
-              </p:cNvPr>
-              <p:cNvCxnSpPr>
-                <a:cxnSpLocks/>
-              </p:cNvCxnSpPr>
-              <p:nvPr/>
-            </p:nvCxnSpPr>
-            <p:spPr>
-              <a:xfrm flipH="1">
-                <a:off x="1587752" y="2828685"/>
-                <a:ext cx="365760" cy="0"/>
-              </a:xfrm>
-              <a:prstGeom prst="line">
-                <a:avLst/>
-              </a:prstGeom>
-              <a:ln w="19050">
-                <a:solidFill>
-                  <a:schemeClr val="tx1"/>
-                </a:solidFill>
-              </a:ln>
-            </p:spPr>
-            <p:style>
-              <a:lnRef idx="1">
-                <a:schemeClr val="accent1"/>
-              </a:lnRef>
-              <a:fillRef idx="0">
-                <a:schemeClr val="accent1"/>
-              </a:fillRef>
-              <a:effectRef idx="0">
-                <a:schemeClr val="accent1"/>
-              </a:effectRef>
-              <a:fontRef idx="minor">
-                <a:schemeClr val="tx1"/>
-              </a:fontRef>
-            </p:style>
-          </p:cxnSp>
-          <p:cxnSp>
-            <p:nvCxnSpPr>
-              <p:cNvPr id="1065" name="Straight Connector 1064">
-                <a:extLst>
-                  <a:ext uri="{FF2B5EF4-FFF2-40B4-BE49-F238E27FC236}">
-                    <a16:creationId xmlns:a16="http://schemas.microsoft.com/office/drawing/2014/main" id="{F08BC992-F8C3-C72C-6EC7-3878D8C7B7DE}"/>
-                  </a:ext>
-                </a:extLst>
-              </p:cNvPr>
-              <p:cNvCxnSpPr/>
-              <p:nvPr/>
-            </p:nvCxnSpPr>
-            <p:spPr>
-              <a:xfrm flipH="1" flipV="1">
-                <a:off x="1597276" y="2527065"/>
-                <a:ext cx="0" cy="310896"/>
-              </a:xfrm>
-              <a:prstGeom prst="line">
-                <a:avLst/>
-              </a:prstGeom>
-              <a:ln w="19050"/>
-            </p:spPr>
-            <p:style>
-              <a:lnRef idx="1">
-                <a:schemeClr val="dk1"/>
-              </a:lnRef>
-              <a:fillRef idx="0">
-                <a:schemeClr val="dk1"/>
-              </a:fillRef>
-              <a:effectRef idx="0">
-                <a:schemeClr val="dk1"/>
-              </a:effectRef>
-              <a:fontRef idx="minor">
-                <a:schemeClr val="tx1"/>
-              </a:fontRef>
-            </p:style>
-          </p:cxnSp>
-          <p:cxnSp>
-            <p:nvCxnSpPr>
-              <p:cNvPr id="1066" name="Straight Connector 1065">
-                <a:extLst>
-                  <a:ext uri="{FF2B5EF4-FFF2-40B4-BE49-F238E27FC236}">
-                    <a16:creationId xmlns:a16="http://schemas.microsoft.com/office/drawing/2014/main" id="{9B060BE7-B988-E208-5FD6-6A25FB3F7A52}"/>
-                  </a:ext>
-                </a:extLst>
-              </p:cNvPr>
-              <p:cNvCxnSpPr/>
-              <p:nvPr/>
-            </p:nvCxnSpPr>
-            <p:spPr>
-              <a:xfrm flipH="1" flipV="1">
-                <a:off x="1944939" y="2527064"/>
-                <a:ext cx="0" cy="310896"/>
-              </a:xfrm>
-              <a:prstGeom prst="line">
-                <a:avLst/>
-              </a:prstGeom>
-              <a:ln w="19050"/>
-            </p:spPr>
-            <p:style>
-              <a:lnRef idx="1">
-                <a:schemeClr val="dk1"/>
-              </a:lnRef>
-              <a:fillRef idx="0">
-                <a:schemeClr val="dk1"/>
-              </a:fillRef>
-              <a:effectRef idx="0">
-                <a:schemeClr val="dk1"/>
-              </a:effectRef>
-              <a:fontRef idx="minor">
-                <a:schemeClr val="tx1"/>
-              </a:fontRef>
-            </p:style>
-          </p:cxnSp>
-        </p:grpSp>
-        <p:grpSp>
-          <p:nvGrpSpPr>
-            <p:cNvPr id="889" name="Group 888">
-              <a:extLst>
-                <a:ext uri="{FF2B5EF4-FFF2-40B4-BE49-F238E27FC236}">
-                  <a16:creationId xmlns:a16="http://schemas.microsoft.com/office/drawing/2014/main" id="{EFAFEC4C-EA4E-9C1F-5AB9-FFD10A2D9310}"/>
-                </a:ext>
-              </a:extLst>
-            </p:cNvPr>
-            <p:cNvGrpSpPr/>
-            <p:nvPr/>
-          </p:nvGrpSpPr>
-          <p:grpSpPr>
-            <a:xfrm>
-              <a:off x="1461537" y="1655064"/>
-              <a:ext cx="359285" cy="408343"/>
-              <a:chOff x="1461537" y="1658107"/>
-              <a:chExt cx="359285" cy="408343"/>
-            </a:xfrm>
-          </p:grpSpPr>
-          <p:cxnSp>
-            <p:nvCxnSpPr>
-              <p:cNvPr id="1058" name="Straight Connector 1057">
-                <a:extLst>
-                  <a:ext uri="{FF2B5EF4-FFF2-40B4-BE49-F238E27FC236}">
-                    <a16:creationId xmlns:a16="http://schemas.microsoft.com/office/drawing/2014/main" id="{49480F17-DFF0-0137-E1FE-A408F4B91861}"/>
-                  </a:ext>
-                </a:extLst>
-              </p:cNvPr>
-              <p:cNvCxnSpPr/>
-              <p:nvPr/>
-            </p:nvCxnSpPr>
-            <p:spPr>
-              <a:xfrm flipH="1" flipV="1">
-                <a:off x="1470779" y="1865282"/>
-                <a:ext cx="0" cy="201168"/>
-              </a:xfrm>
-              <a:prstGeom prst="line">
-                <a:avLst/>
-              </a:prstGeom>
-              <a:ln w="19050"/>
-            </p:spPr>
-            <p:style>
-              <a:lnRef idx="1">
-                <a:schemeClr val="dk1"/>
-              </a:lnRef>
-              <a:fillRef idx="0">
-                <a:schemeClr val="dk1"/>
-              </a:fillRef>
-              <a:effectRef idx="0">
-                <a:schemeClr val="dk1"/>
-              </a:effectRef>
-              <a:fontRef idx="minor">
-                <a:schemeClr val="tx1"/>
-              </a:fontRef>
-            </p:style>
-          </p:cxnSp>
-          <p:cxnSp>
-            <p:nvCxnSpPr>
-              <p:cNvPr id="1059" name="Straight Connector 1058">
-                <a:extLst>
-                  <a:ext uri="{FF2B5EF4-FFF2-40B4-BE49-F238E27FC236}">
-                    <a16:creationId xmlns:a16="http://schemas.microsoft.com/office/drawing/2014/main" id="{C4E9C8C0-E280-500C-3DB5-99D2D4FF51D3}"/>
-                  </a:ext>
-                </a:extLst>
-              </p:cNvPr>
-              <p:cNvCxnSpPr>
-                <a:cxnSpLocks/>
-              </p:cNvCxnSpPr>
-              <p:nvPr/>
-            </p:nvCxnSpPr>
-            <p:spPr>
-              <a:xfrm flipH="1">
-                <a:off x="1461537" y="1865875"/>
-                <a:ext cx="45720" cy="0"/>
-              </a:xfrm>
-              <a:prstGeom prst="line">
-                <a:avLst/>
-              </a:prstGeom>
-              <a:ln w="19050">
-                <a:solidFill>
-                  <a:schemeClr val="tx1"/>
-                </a:solidFill>
-              </a:ln>
-            </p:spPr>
-            <p:style>
-              <a:lnRef idx="1">
-                <a:schemeClr val="accent1"/>
-              </a:lnRef>
-              <a:fillRef idx="0">
-                <a:schemeClr val="accent1"/>
-              </a:fillRef>
-              <a:effectRef idx="0">
-                <a:schemeClr val="accent1"/>
-              </a:effectRef>
-              <a:fontRef idx="minor">
-                <a:schemeClr val="tx1"/>
-              </a:fontRef>
-            </p:style>
-          </p:cxnSp>
-          <p:cxnSp>
-            <p:nvCxnSpPr>
-              <p:cNvPr id="1060" name="Straight Connector 1059">
-                <a:extLst>
-                  <a:ext uri="{FF2B5EF4-FFF2-40B4-BE49-F238E27FC236}">
-                    <a16:creationId xmlns:a16="http://schemas.microsoft.com/office/drawing/2014/main" id="{3F72F88D-E095-3671-2D97-76717162DCD9}"/>
-                  </a:ext>
-                </a:extLst>
-              </p:cNvPr>
-              <p:cNvCxnSpPr/>
-              <p:nvPr/>
-            </p:nvCxnSpPr>
-            <p:spPr>
-              <a:xfrm flipH="1" flipV="1">
-                <a:off x="1496975" y="1715259"/>
-                <a:ext cx="0" cy="155448"/>
-              </a:xfrm>
-              <a:prstGeom prst="line">
-                <a:avLst/>
-              </a:prstGeom>
-              <a:ln w="19050"/>
-            </p:spPr>
-            <p:style>
-              <a:lnRef idx="1">
-                <a:schemeClr val="dk1"/>
-              </a:lnRef>
-              <a:fillRef idx="0">
-                <a:schemeClr val="dk1"/>
-              </a:fillRef>
-              <a:effectRef idx="0">
-                <a:schemeClr val="dk1"/>
-              </a:effectRef>
-              <a:fontRef idx="minor">
-                <a:schemeClr val="tx1"/>
-              </a:fontRef>
-            </p:style>
-          </p:cxnSp>
-          <p:cxnSp>
-            <p:nvCxnSpPr>
-              <p:cNvPr id="1061" name="Straight Connector 1060">
-                <a:extLst>
-                  <a:ext uri="{FF2B5EF4-FFF2-40B4-BE49-F238E27FC236}">
-                    <a16:creationId xmlns:a16="http://schemas.microsoft.com/office/drawing/2014/main" id="{2B3ABC90-ED6C-762B-0D50-1F2BCE0A35ED}"/>
-                  </a:ext>
-                </a:extLst>
-              </p:cNvPr>
-              <p:cNvCxnSpPr>
-                <a:cxnSpLocks/>
-              </p:cNvCxnSpPr>
-              <p:nvPr/>
-            </p:nvCxnSpPr>
-            <p:spPr>
-              <a:xfrm flipH="1">
-                <a:off x="1490114" y="1722997"/>
-                <a:ext cx="45720" cy="0"/>
-              </a:xfrm>
-              <a:prstGeom prst="line">
-                <a:avLst/>
-              </a:prstGeom>
-              <a:ln w="19050">
-                <a:solidFill>
-                  <a:schemeClr val="tx1"/>
-                </a:solidFill>
-              </a:ln>
-            </p:spPr>
-            <p:style>
-              <a:lnRef idx="1">
-                <a:schemeClr val="accent1"/>
-              </a:lnRef>
-              <a:fillRef idx="0">
-                <a:schemeClr val="accent1"/>
-              </a:fillRef>
-              <a:effectRef idx="0">
-                <a:schemeClr val="accent1"/>
-              </a:effectRef>
-              <a:fontRef idx="minor">
-                <a:schemeClr val="tx1"/>
-              </a:fontRef>
-            </p:style>
-          </p:cxnSp>
-          <p:cxnSp>
-            <p:nvCxnSpPr>
-              <p:cNvPr id="1062" name="Straight Connector 1061">
-                <a:extLst>
-                  <a:ext uri="{FF2B5EF4-FFF2-40B4-BE49-F238E27FC236}">
-                    <a16:creationId xmlns:a16="http://schemas.microsoft.com/office/drawing/2014/main" id="{3FA181A3-EC77-D4A5-3C98-9C8A178E9895}"/>
-                  </a:ext>
-                </a:extLst>
-              </p:cNvPr>
-              <p:cNvCxnSpPr/>
-              <p:nvPr/>
-            </p:nvCxnSpPr>
-            <p:spPr>
-              <a:xfrm flipH="1" flipV="1">
-                <a:off x="1535077" y="1658107"/>
-                <a:ext cx="0" cy="73152"/>
-              </a:xfrm>
-              <a:prstGeom prst="line">
-                <a:avLst/>
-              </a:prstGeom>
-              <a:ln w="19050"/>
-            </p:spPr>
-            <p:style>
-              <a:lnRef idx="1">
-                <a:schemeClr val="dk1"/>
-              </a:lnRef>
-              <a:fillRef idx="0">
-                <a:schemeClr val="dk1"/>
-              </a:fillRef>
-              <a:effectRef idx="0">
-                <a:schemeClr val="dk1"/>
-              </a:effectRef>
-              <a:fontRef idx="minor">
-                <a:schemeClr val="tx1"/>
-              </a:fontRef>
-            </p:style>
-          </p:cxnSp>
-          <p:cxnSp>
-            <p:nvCxnSpPr>
-              <p:cNvPr id="1063" name="Straight Connector 1062">
-                <a:extLst>
-                  <a:ext uri="{FF2B5EF4-FFF2-40B4-BE49-F238E27FC236}">
-                    <a16:creationId xmlns:a16="http://schemas.microsoft.com/office/drawing/2014/main" id="{D82B4BCB-B06C-541B-DC5D-694A5D773F08}"/>
-                  </a:ext>
-                </a:extLst>
-              </p:cNvPr>
-              <p:cNvCxnSpPr>
-                <a:cxnSpLocks/>
-              </p:cNvCxnSpPr>
-              <p:nvPr/>
-            </p:nvCxnSpPr>
-            <p:spPr>
-              <a:xfrm flipH="1">
-                <a:off x="1528214" y="1663462"/>
-                <a:ext cx="292608" cy="0"/>
+                <a:off x="3550844" y="1655064"/>
+                <a:ext cx="283464" cy="0"/>
               </a:xfrm>
               <a:prstGeom prst="line">
                 <a:avLst/>
@@ -6816,10 +8279,10 @@
         </p:grpSp>
         <p:grpSp>
           <p:nvGrpSpPr>
-            <p:cNvPr id="890" name="Group 889">
+            <p:cNvPr id="1132" name="Building">
               <a:extLst>
                 <a:ext uri="{FF2B5EF4-FFF2-40B4-BE49-F238E27FC236}">
-                  <a16:creationId xmlns:a16="http://schemas.microsoft.com/office/drawing/2014/main" id="{7BD4C818-0D03-CE82-4CC2-B71F1B113454}"/>
+                  <a16:creationId xmlns:a16="http://schemas.microsoft.com/office/drawing/2014/main" id="{F934059C-59E8-6BD6-4F6E-78BB872B0C27}"/>
                 </a:ext>
               </a:extLst>
             </p:cNvPr>
@@ -6827,56 +8290,19 @@
             <p:nvPr/>
           </p:nvGrpSpPr>
           <p:grpSpPr>
-            <a:xfrm flipH="1">
-              <a:off x="3909586" y="1655470"/>
-              <a:ext cx="359285" cy="408343"/>
-              <a:chOff x="1461537" y="1658107"/>
-              <a:chExt cx="359285" cy="408343"/>
+            <a:xfrm rot="21591747">
+              <a:off x="8170227" y="3337603"/>
+              <a:ext cx="969829" cy="870612"/>
+              <a:chOff x="9701366" y="1918547"/>
+              <a:chExt cx="969829" cy="870612"/>
             </a:xfrm>
           </p:grpSpPr>
           <p:cxnSp>
             <p:nvCxnSpPr>
-              <p:cNvPr id="1052" name="Straight Connector 1051">
+              <p:cNvPr id="1067" name="Straight Connector 1066">
                 <a:extLst>
                   <a:ext uri="{FF2B5EF4-FFF2-40B4-BE49-F238E27FC236}">
-                    <a16:creationId xmlns:a16="http://schemas.microsoft.com/office/drawing/2014/main" id="{1297E4A2-7D96-216B-5A49-86193410BFDE}"/>
-                  </a:ext>
-                </a:extLst>
-              </p:cNvPr>
-              <p:cNvCxnSpPr/>
-              <p:nvPr/>
-            </p:nvCxnSpPr>
-            <p:spPr>
-              <a:xfrm flipH="1" flipV="1">
-                <a:off x="1470779" y="1865282"/>
-                <a:ext cx="0" cy="201168"/>
-              </a:xfrm>
-              <a:prstGeom prst="line">
-                <a:avLst/>
-              </a:prstGeom>
-              <a:ln w="19050"/>
-            </p:spPr>
-            <p:style>
-              <a:lnRef idx="1">
-                <a:schemeClr val="dk1"/>
-              </a:lnRef>
-              <a:fillRef idx="0">
-                <a:schemeClr val="dk1"/>
-              </a:fillRef>
-              <a:effectRef idx="0">
-                <a:schemeClr val="dk1"/>
-              </a:effectRef>
-              <a:fontRef idx="minor">
-                <a:schemeClr val="tx1"/>
-              </a:fontRef>
-            </p:style>
-          </p:cxnSp>
-          <p:cxnSp>
-            <p:nvCxnSpPr>
-              <p:cNvPr id="1053" name="Straight Connector 1052">
-                <a:extLst>
-                  <a:ext uri="{FF2B5EF4-FFF2-40B4-BE49-F238E27FC236}">
-                    <a16:creationId xmlns:a16="http://schemas.microsoft.com/office/drawing/2014/main" id="{44D69203-B6C8-1743-424C-F007EB29B3A9}"/>
+                    <a16:creationId xmlns:a16="http://schemas.microsoft.com/office/drawing/2014/main" id="{0313915E-C0CC-B957-B3A1-E42A072B8061}"/>
                   </a:ext>
                 </a:extLst>
               </p:cNvPr>
@@ -6887,8 +8313,8 @@
             </p:nvCxnSpPr>
             <p:spPr>
               <a:xfrm flipH="1">
-                <a:off x="1461537" y="1865875"/>
-                <a:ext cx="45720" cy="0"/>
+                <a:off x="9775449" y="1928072"/>
+                <a:ext cx="822960" cy="0"/>
               </a:xfrm>
               <a:prstGeom prst="line">
                 <a:avLst/>
@@ -6916,10 +8342,10 @@
           </p:cxnSp>
           <p:cxnSp>
             <p:nvCxnSpPr>
-              <p:cNvPr id="1054" name="Straight Connector 1053">
+              <p:cNvPr id="1068" name="Straight Connector 1067">
                 <a:extLst>
                   <a:ext uri="{FF2B5EF4-FFF2-40B4-BE49-F238E27FC236}">
-                    <a16:creationId xmlns:a16="http://schemas.microsoft.com/office/drawing/2014/main" id="{0E4EBD9B-1DB2-5EF7-7DFA-CBE12FAA8218}"/>
+                    <a16:creationId xmlns:a16="http://schemas.microsoft.com/office/drawing/2014/main" id="{93D965D4-AE91-F780-CC9D-FA0DFC49C61C}"/>
                   </a:ext>
                 </a:extLst>
               </p:cNvPr>
@@ -6927,9 +8353,9 @@
               <p:nvPr/>
             </p:nvCxnSpPr>
             <p:spPr>
-              <a:xfrm flipH="1" flipV="1">
-                <a:off x="1496975" y="1715259"/>
-                <a:ext cx="0" cy="155448"/>
+              <a:xfrm flipV="1">
+                <a:off x="9783988" y="1918548"/>
+                <a:ext cx="0" cy="219456"/>
               </a:xfrm>
               <a:prstGeom prst="line">
                 <a:avLst/>
@@ -6953,10 +8379,10 @@
           </p:cxnSp>
           <p:cxnSp>
             <p:nvCxnSpPr>
-              <p:cNvPr id="1055" name="Straight Connector 1054">
+              <p:cNvPr id="1069" name="Straight Connector 1068">
                 <a:extLst>
                   <a:ext uri="{FF2B5EF4-FFF2-40B4-BE49-F238E27FC236}">
-                    <a16:creationId xmlns:a16="http://schemas.microsoft.com/office/drawing/2014/main" id="{892CB1D5-DAA3-1A4B-B29C-4AC8589C4293}"/>
+                    <a16:creationId xmlns:a16="http://schemas.microsoft.com/office/drawing/2014/main" id="{98E486C4-CC24-3690-9EB3-C2C019408270}"/>
                   </a:ext>
                 </a:extLst>
               </p:cNvPr>
@@ -6967,8 +8393,8 @@
             </p:nvCxnSpPr>
             <p:spPr>
               <a:xfrm flipH="1">
-                <a:off x="1490114" y="1722997"/>
-                <a:ext cx="45720" cy="0"/>
+                <a:off x="9701366" y="2133345"/>
+                <a:ext cx="91440" cy="0"/>
               </a:xfrm>
               <a:prstGeom prst="line">
                 <a:avLst/>
@@ -6996,10 +8422,10 @@
           </p:cxnSp>
           <p:cxnSp>
             <p:nvCxnSpPr>
-              <p:cNvPr id="1056" name="Straight Connector 1055">
+              <p:cNvPr id="1070" name="Straight Connector 1069">
                 <a:extLst>
                   <a:ext uri="{FF2B5EF4-FFF2-40B4-BE49-F238E27FC236}">
-                    <a16:creationId xmlns:a16="http://schemas.microsoft.com/office/drawing/2014/main" id="{3CED28DF-61CF-3E2F-09B0-A1295CF38DDC}"/>
+                    <a16:creationId xmlns:a16="http://schemas.microsoft.com/office/drawing/2014/main" id="{C2874439-CC06-CAA4-972E-D8C9045E7574}"/>
                   </a:ext>
                 </a:extLst>
               </p:cNvPr>
@@ -7007,9 +8433,9 @@
               <p:nvPr/>
             </p:nvCxnSpPr>
             <p:spPr>
-              <a:xfrm flipH="1" flipV="1">
-                <a:off x="1535077" y="1658107"/>
-                <a:ext cx="0" cy="73152"/>
+              <a:xfrm flipV="1">
+                <a:off x="9711370" y="2123336"/>
+                <a:ext cx="0" cy="164592"/>
               </a:xfrm>
               <a:prstGeom prst="line">
                 <a:avLst/>
@@ -7033,10 +8459,10 @@
           </p:cxnSp>
           <p:cxnSp>
             <p:nvCxnSpPr>
-              <p:cNvPr id="1057" name="Straight Connector 1056">
+              <p:cNvPr id="1071" name="Straight Connector 1070">
                 <a:extLst>
                   <a:ext uri="{FF2B5EF4-FFF2-40B4-BE49-F238E27FC236}">
-                    <a16:creationId xmlns:a16="http://schemas.microsoft.com/office/drawing/2014/main" id="{02453C11-286A-7934-035D-C531997B0A1F}"/>
+                    <a16:creationId xmlns:a16="http://schemas.microsoft.com/office/drawing/2014/main" id="{292D35A4-B73C-1D3B-DF85-74807F86B7A6}"/>
                   </a:ext>
                 </a:extLst>
               </p:cNvPr>
@@ -7047,72 +8473,8 @@
             </p:nvCxnSpPr>
             <p:spPr>
               <a:xfrm flipH="1">
-                <a:off x="1528214" y="1663462"/>
-                <a:ext cx="292608" cy="0"/>
-              </a:xfrm>
-              <a:prstGeom prst="line">
-                <a:avLst/>
-              </a:prstGeom>
-              <a:ln w="19050">
-                <a:solidFill>
-                  <a:schemeClr val="tx1"/>
-                </a:solidFill>
-              </a:ln>
-            </p:spPr>
-            <p:style>
-              <a:lnRef idx="1">
-                <a:schemeClr val="accent1"/>
-              </a:lnRef>
-              <a:fillRef idx="0">
-                <a:schemeClr val="accent1"/>
-              </a:fillRef>
-              <a:effectRef idx="0">
-                <a:schemeClr val="accent1"/>
-              </a:effectRef>
-              <a:fontRef idx="minor">
-                <a:schemeClr val="tx1"/>
-              </a:fontRef>
-            </p:style>
-          </p:cxnSp>
-        </p:grpSp>
-        <p:grpSp>
-          <p:nvGrpSpPr>
-            <p:cNvPr id="891" name="Group 890">
-              <a:extLst>
-                <a:ext uri="{FF2B5EF4-FFF2-40B4-BE49-F238E27FC236}">
-                  <a16:creationId xmlns:a16="http://schemas.microsoft.com/office/drawing/2014/main" id="{7A54FA0A-D8E5-746A-180E-8C16E5C63FB9}"/>
-                </a:ext>
-              </a:extLst>
-            </p:cNvPr>
-            <p:cNvGrpSpPr/>
-            <p:nvPr/>
-          </p:nvGrpSpPr>
-          <p:grpSpPr>
-            <a:xfrm>
-              <a:off x="3372139" y="2053399"/>
-              <a:ext cx="98885" cy="67574"/>
-              <a:chOff x="1587752" y="2527064"/>
-              <a:chExt cx="365760" cy="310897"/>
-            </a:xfrm>
-          </p:grpSpPr>
-          <p:cxnSp>
-            <p:nvCxnSpPr>
-              <p:cNvPr id="1049" name="Straight Connector 1048">
-                <a:extLst>
-                  <a:ext uri="{FF2B5EF4-FFF2-40B4-BE49-F238E27FC236}">
-                    <a16:creationId xmlns:a16="http://schemas.microsoft.com/office/drawing/2014/main" id="{7F669191-CADC-55E5-2046-A0B76E1CBCBE}"/>
-                  </a:ext>
-                </a:extLst>
-              </p:cNvPr>
-              <p:cNvCxnSpPr>
-                <a:cxnSpLocks/>
-              </p:cNvCxnSpPr>
-              <p:nvPr/>
-            </p:nvCxnSpPr>
-            <p:spPr>
-              <a:xfrm flipH="1">
-                <a:off x="1587752" y="2828685"/>
-                <a:ext cx="365760" cy="0"/>
+                <a:off x="9703747" y="2278602"/>
+                <a:ext cx="274320" cy="0"/>
               </a:xfrm>
               <a:prstGeom prst="line">
                 <a:avLst/>
@@ -7140,10 +8502,10 @@
           </p:cxnSp>
           <p:cxnSp>
             <p:nvCxnSpPr>
-              <p:cNvPr id="1050" name="Straight Connector 1049">
+              <p:cNvPr id="1072" name="Straight Connector 1071">
                 <a:extLst>
                   <a:ext uri="{FF2B5EF4-FFF2-40B4-BE49-F238E27FC236}">
-                    <a16:creationId xmlns:a16="http://schemas.microsoft.com/office/drawing/2014/main" id="{B0DBE00B-7CDC-9183-912B-E63AFED4F050}"/>
+                    <a16:creationId xmlns:a16="http://schemas.microsoft.com/office/drawing/2014/main" id="{3F8FD437-B610-F6FA-D9A4-C34973ACF0C1}"/>
                   </a:ext>
                 </a:extLst>
               </p:cNvPr>
@@ -7151,9 +8513,9 @@
               <p:nvPr/>
             </p:nvCxnSpPr>
             <p:spPr>
-              <a:xfrm flipH="1" flipV="1">
-                <a:off x="1597276" y="2527065"/>
-                <a:ext cx="0" cy="310896"/>
+              <a:xfrm flipV="1">
+                <a:off x="9970715" y="2273840"/>
+                <a:ext cx="0" cy="164592"/>
               </a:xfrm>
               <a:prstGeom prst="line">
                 <a:avLst/>
@@ -7177,10 +8539,10 @@
           </p:cxnSp>
           <p:cxnSp>
             <p:nvCxnSpPr>
-              <p:cNvPr id="1051" name="Straight Connector 1050">
+              <p:cNvPr id="1111" name="Straight Connector 1110">
                 <a:extLst>
                   <a:ext uri="{FF2B5EF4-FFF2-40B4-BE49-F238E27FC236}">
-                    <a16:creationId xmlns:a16="http://schemas.microsoft.com/office/drawing/2014/main" id="{FEDD3D60-7D9F-15CE-AA26-BC1EA8AA1757}"/>
+                    <a16:creationId xmlns:a16="http://schemas.microsoft.com/office/drawing/2014/main" id="{3D50BF5B-A7FF-850B-1A57-DBD550861EF8}"/>
                   </a:ext>
                 </a:extLst>
               </p:cNvPr>
@@ -7189,8 +8551,8 @@
             </p:nvCxnSpPr>
             <p:spPr>
               <a:xfrm flipH="1" flipV="1">
-                <a:off x="1944939" y="2527064"/>
-                <a:ext cx="0" cy="310896"/>
+                <a:off x="10588399" y="1918547"/>
+                <a:ext cx="0" cy="219456"/>
               </a:xfrm>
               <a:prstGeom prst="line">
                 <a:avLst/>
@@ -7212,33 +8574,12 @@
               </a:fontRef>
             </p:style>
           </p:cxnSp>
-        </p:grpSp>
-        <p:grpSp>
-          <p:nvGrpSpPr>
-            <p:cNvPr id="892" name="Group 891">
-              <a:extLst>
-                <a:ext uri="{FF2B5EF4-FFF2-40B4-BE49-F238E27FC236}">
-                  <a16:creationId xmlns:a16="http://schemas.microsoft.com/office/drawing/2014/main" id="{A0E59F74-B025-82D6-55D0-9DA62B67F4B0}"/>
-                </a:ext>
-              </a:extLst>
-            </p:cNvPr>
-            <p:cNvGrpSpPr/>
-            <p:nvPr/>
-          </p:nvGrpSpPr>
-          <p:grpSpPr>
-            <a:xfrm>
-              <a:off x="2172100" y="1655064"/>
-              <a:ext cx="199622" cy="67574"/>
-              <a:chOff x="1587752" y="2527064"/>
-              <a:chExt cx="365760" cy="310897"/>
-            </a:xfrm>
-          </p:grpSpPr>
           <p:cxnSp>
             <p:nvCxnSpPr>
-              <p:cNvPr id="1046" name="Straight Connector 1045">
+              <p:cNvPr id="1113" name="Straight Connector 1112">
                 <a:extLst>
                   <a:ext uri="{FF2B5EF4-FFF2-40B4-BE49-F238E27FC236}">
-                    <a16:creationId xmlns:a16="http://schemas.microsoft.com/office/drawing/2014/main" id="{4935571B-5A43-58B2-4254-E89703AD76BD}"/>
+                    <a16:creationId xmlns:a16="http://schemas.microsoft.com/office/drawing/2014/main" id="{396F0DFE-41C2-5A73-E80B-68F3FDE79397}"/>
                   </a:ext>
                 </a:extLst>
               </p:cNvPr>
@@ -7248,9 +8589,9 @@
               <p:nvPr/>
             </p:nvCxnSpPr>
             <p:spPr>
-              <a:xfrm flipH="1">
-                <a:off x="1587752" y="2828685"/>
-                <a:ext cx="365760" cy="0"/>
+              <a:xfrm>
+                <a:off x="10579581" y="2133344"/>
+                <a:ext cx="91440" cy="0"/>
               </a:xfrm>
               <a:prstGeom prst="line">
                 <a:avLst/>
@@ -7278,10 +8619,10 @@
           </p:cxnSp>
           <p:cxnSp>
             <p:nvCxnSpPr>
-              <p:cNvPr id="1047" name="Straight Connector 1046">
+              <p:cNvPr id="1114" name="Straight Connector 1113">
                 <a:extLst>
                   <a:ext uri="{FF2B5EF4-FFF2-40B4-BE49-F238E27FC236}">
-                    <a16:creationId xmlns:a16="http://schemas.microsoft.com/office/drawing/2014/main" id="{8A1D56BE-190E-3489-160E-DE2B5DFA95CC}"/>
+                    <a16:creationId xmlns:a16="http://schemas.microsoft.com/office/drawing/2014/main" id="{1BB45C0F-AB20-5D8B-9F36-3252F590BCFA}"/>
                   </a:ext>
                 </a:extLst>
               </p:cNvPr>
@@ -7290,8 +8631,8 @@
             </p:nvCxnSpPr>
             <p:spPr>
               <a:xfrm flipH="1" flipV="1">
-                <a:off x="1597276" y="2527065"/>
-                <a:ext cx="0" cy="310896"/>
+                <a:off x="10661017" y="2123335"/>
+                <a:ext cx="0" cy="164592"/>
               </a:xfrm>
               <a:prstGeom prst="line">
                 <a:avLst/>
@@ -7315,68 +8656,10 @@
           </p:cxnSp>
           <p:cxnSp>
             <p:nvCxnSpPr>
-              <p:cNvPr id="1048" name="Straight Connector 1047">
+              <p:cNvPr id="1115" name="Straight Connector 1114">
                 <a:extLst>
                   <a:ext uri="{FF2B5EF4-FFF2-40B4-BE49-F238E27FC236}">
-                    <a16:creationId xmlns:a16="http://schemas.microsoft.com/office/drawing/2014/main" id="{EDF51C4E-87EE-477B-410A-AF4BA261A41B}"/>
-                  </a:ext>
-                </a:extLst>
-              </p:cNvPr>
-              <p:cNvCxnSpPr/>
-              <p:nvPr/>
-            </p:nvCxnSpPr>
-            <p:spPr>
-              <a:xfrm flipH="1" flipV="1">
-                <a:off x="1944939" y="2527064"/>
-                <a:ext cx="0" cy="310896"/>
-              </a:xfrm>
-              <a:prstGeom prst="line">
-                <a:avLst/>
-              </a:prstGeom>
-              <a:ln w="19050"/>
-            </p:spPr>
-            <p:style>
-              <a:lnRef idx="1">
-                <a:schemeClr val="dk1"/>
-              </a:lnRef>
-              <a:fillRef idx="0">
-                <a:schemeClr val="dk1"/>
-              </a:fillRef>
-              <a:effectRef idx="0">
-                <a:schemeClr val="dk1"/>
-              </a:effectRef>
-              <a:fontRef idx="minor">
-                <a:schemeClr val="tx1"/>
-              </a:fontRef>
-            </p:style>
-          </p:cxnSp>
-        </p:grpSp>
-        <p:grpSp>
-          <p:nvGrpSpPr>
-            <p:cNvPr id="893" name="Group 892">
-              <a:extLst>
-                <a:ext uri="{FF2B5EF4-FFF2-40B4-BE49-F238E27FC236}">
-                  <a16:creationId xmlns:a16="http://schemas.microsoft.com/office/drawing/2014/main" id="{4FC3639A-1E2F-F2A8-FE49-B95A412CE367}"/>
-                </a:ext>
-              </a:extLst>
-            </p:cNvPr>
-            <p:cNvGrpSpPr/>
-            <p:nvPr/>
-          </p:nvGrpSpPr>
-          <p:grpSpPr>
-            <a:xfrm>
-              <a:off x="2633731" y="1655064"/>
-              <a:ext cx="99230" cy="67574"/>
-              <a:chOff x="1587752" y="2527064"/>
-              <a:chExt cx="365760" cy="310897"/>
-            </a:xfrm>
-          </p:grpSpPr>
-          <p:cxnSp>
-            <p:nvCxnSpPr>
-              <p:cNvPr id="1043" name="Straight Connector 1042">
-                <a:extLst>
-                  <a:ext uri="{FF2B5EF4-FFF2-40B4-BE49-F238E27FC236}">
-                    <a16:creationId xmlns:a16="http://schemas.microsoft.com/office/drawing/2014/main" id="{A9FA9C01-FC50-09EA-9EE3-232B13FD6BFE}"/>
+                    <a16:creationId xmlns:a16="http://schemas.microsoft.com/office/drawing/2014/main" id="{7F737281-4104-1C36-C07D-5693F62D9FA8}"/>
                   </a:ext>
                 </a:extLst>
               </p:cNvPr>
@@ -7386,9 +8669,9 @@
               <p:nvPr/>
             </p:nvCxnSpPr>
             <p:spPr>
-              <a:xfrm flipH="1">
-                <a:off x="1587752" y="2828685"/>
-                <a:ext cx="365760" cy="0"/>
+              <a:xfrm>
+                <a:off x="10394320" y="2278601"/>
+                <a:ext cx="274320" cy="0"/>
               </a:xfrm>
               <a:prstGeom prst="line">
                 <a:avLst/>
@@ -7416,10 +8699,10 @@
           </p:cxnSp>
           <p:cxnSp>
             <p:nvCxnSpPr>
-              <p:cNvPr id="1044" name="Straight Connector 1043">
+              <p:cNvPr id="1116" name="Straight Connector 1115">
                 <a:extLst>
                   <a:ext uri="{FF2B5EF4-FFF2-40B4-BE49-F238E27FC236}">
-                    <a16:creationId xmlns:a16="http://schemas.microsoft.com/office/drawing/2014/main" id="{47597003-D672-09EF-C515-E675552858B6}"/>
+                    <a16:creationId xmlns:a16="http://schemas.microsoft.com/office/drawing/2014/main" id="{B2E1D99F-CAC5-85A7-8ECC-1EB011CABA02}"/>
                   </a:ext>
                 </a:extLst>
               </p:cNvPr>
@@ -7428,8 +8711,8 @@
             </p:nvCxnSpPr>
             <p:spPr>
               <a:xfrm flipH="1" flipV="1">
-                <a:off x="1597276" y="2527065"/>
-                <a:ext cx="0" cy="310896"/>
+                <a:off x="10401672" y="2273839"/>
+                <a:ext cx="0" cy="164592"/>
               </a:xfrm>
               <a:prstGeom prst="line">
                 <a:avLst/>
@@ -7453,68 +8736,10 @@
           </p:cxnSp>
           <p:cxnSp>
             <p:nvCxnSpPr>
-              <p:cNvPr id="1045" name="Straight Connector 1044">
+              <p:cNvPr id="1119" name="Straight Connector 1118">
                 <a:extLst>
                   <a:ext uri="{FF2B5EF4-FFF2-40B4-BE49-F238E27FC236}">
-                    <a16:creationId xmlns:a16="http://schemas.microsoft.com/office/drawing/2014/main" id="{042617B6-84CD-6199-355A-1F6B58DFD1F0}"/>
-                  </a:ext>
-                </a:extLst>
-              </p:cNvPr>
-              <p:cNvCxnSpPr/>
-              <p:nvPr/>
-            </p:nvCxnSpPr>
-            <p:spPr>
-              <a:xfrm flipH="1" flipV="1">
-                <a:off x="1944939" y="2527064"/>
-                <a:ext cx="0" cy="310896"/>
-              </a:xfrm>
-              <a:prstGeom prst="line">
-                <a:avLst/>
-              </a:prstGeom>
-              <a:ln w="19050"/>
-            </p:spPr>
-            <p:style>
-              <a:lnRef idx="1">
-                <a:schemeClr val="dk1"/>
-              </a:lnRef>
-              <a:fillRef idx="0">
-                <a:schemeClr val="dk1"/>
-              </a:fillRef>
-              <a:effectRef idx="0">
-                <a:schemeClr val="dk1"/>
-              </a:effectRef>
-              <a:fontRef idx="minor">
-                <a:schemeClr val="tx1"/>
-              </a:fontRef>
-            </p:style>
-          </p:cxnSp>
-        </p:grpSp>
-        <p:grpSp>
-          <p:nvGrpSpPr>
-            <p:cNvPr id="894" name="Group 893">
-              <a:extLst>
-                <a:ext uri="{FF2B5EF4-FFF2-40B4-BE49-F238E27FC236}">
-                  <a16:creationId xmlns:a16="http://schemas.microsoft.com/office/drawing/2014/main" id="{05D63FC3-4F9D-0178-E0BF-30B25DE41329}"/>
-                </a:ext>
-              </a:extLst>
-            </p:cNvPr>
-            <p:cNvGrpSpPr/>
-            <p:nvPr/>
-          </p:nvGrpSpPr>
-          <p:grpSpPr>
-            <a:xfrm>
-              <a:off x="3007592" y="1655064"/>
-              <a:ext cx="99230" cy="67574"/>
-              <a:chOff x="1587752" y="2527064"/>
-              <a:chExt cx="365760" cy="310897"/>
-            </a:xfrm>
-          </p:grpSpPr>
-          <p:cxnSp>
-            <p:nvCxnSpPr>
-              <p:cNvPr id="1040" name="Straight Connector 1039">
-                <a:extLst>
-                  <a:ext uri="{FF2B5EF4-FFF2-40B4-BE49-F238E27FC236}">
-                    <a16:creationId xmlns:a16="http://schemas.microsoft.com/office/drawing/2014/main" id="{4833C2AA-47BA-A960-1087-71467C30C0F6}"/>
+                    <a16:creationId xmlns:a16="http://schemas.microsoft.com/office/drawing/2014/main" id="{7CF60EB2-DDC1-ABC5-509D-09B335AA649B}"/>
                   </a:ext>
                 </a:extLst>
               </p:cNvPr>
@@ -7524,9 +8749,9 @@
               <p:nvPr/>
             </p:nvCxnSpPr>
             <p:spPr>
-              <a:xfrm flipH="1">
-                <a:off x="1587752" y="2828685"/>
-                <a:ext cx="365760" cy="0"/>
+              <a:xfrm flipH="1" flipV="1">
+                <a:off x="9775623" y="2779634"/>
+                <a:ext cx="822960" cy="0"/>
               </a:xfrm>
               <a:prstGeom prst="line">
                 <a:avLst/>
@@ -7554,10 +8779,10 @@
           </p:cxnSp>
           <p:cxnSp>
             <p:nvCxnSpPr>
-              <p:cNvPr id="1041" name="Straight Connector 1040">
+              <p:cNvPr id="1127" name="Straight Connector 1126">
                 <a:extLst>
                   <a:ext uri="{FF2B5EF4-FFF2-40B4-BE49-F238E27FC236}">
-                    <a16:creationId xmlns:a16="http://schemas.microsoft.com/office/drawing/2014/main" id="{28A5340A-CABD-E3F0-80F0-08B2760D8DDB}"/>
+                    <a16:creationId xmlns:a16="http://schemas.microsoft.com/office/drawing/2014/main" id="{69FF708E-368D-0EFC-205D-9D8FFEE6318A}"/>
                   </a:ext>
                 </a:extLst>
               </p:cNvPr>
@@ -7565,9 +8790,9 @@
               <p:nvPr/>
             </p:nvCxnSpPr>
             <p:spPr>
-              <a:xfrm flipH="1" flipV="1">
-                <a:off x="1597276" y="2527065"/>
-                <a:ext cx="0" cy="310896"/>
+              <a:xfrm>
+                <a:off x="9784162" y="2569702"/>
+                <a:ext cx="0" cy="219456"/>
               </a:xfrm>
               <a:prstGeom prst="line">
                 <a:avLst/>
@@ -7591,68 +8816,10 @@
           </p:cxnSp>
           <p:cxnSp>
             <p:nvCxnSpPr>
-              <p:cNvPr id="1042" name="Straight Connector 1041">
+              <p:cNvPr id="1128" name="Straight Connector 1127">
                 <a:extLst>
                   <a:ext uri="{FF2B5EF4-FFF2-40B4-BE49-F238E27FC236}">
-                    <a16:creationId xmlns:a16="http://schemas.microsoft.com/office/drawing/2014/main" id="{8CF6273E-03DF-5F62-5750-4E35F61F7D53}"/>
-                  </a:ext>
-                </a:extLst>
-              </p:cNvPr>
-              <p:cNvCxnSpPr/>
-              <p:nvPr/>
-            </p:nvCxnSpPr>
-            <p:spPr>
-              <a:xfrm flipH="1" flipV="1">
-                <a:off x="1944939" y="2527064"/>
-                <a:ext cx="0" cy="310896"/>
-              </a:xfrm>
-              <a:prstGeom prst="line">
-                <a:avLst/>
-              </a:prstGeom>
-              <a:ln w="19050"/>
-            </p:spPr>
-            <p:style>
-              <a:lnRef idx="1">
-                <a:schemeClr val="dk1"/>
-              </a:lnRef>
-              <a:fillRef idx="0">
-                <a:schemeClr val="dk1"/>
-              </a:fillRef>
-              <a:effectRef idx="0">
-                <a:schemeClr val="dk1"/>
-              </a:effectRef>
-              <a:fontRef idx="minor">
-                <a:schemeClr val="tx1"/>
-              </a:fontRef>
-            </p:style>
-          </p:cxnSp>
-        </p:grpSp>
-        <p:grpSp>
-          <p:nvGrpSpPr>
-            <p:cNvPr id="895" name="Group 894">
-              <a:extLst>
-                <a:ext uri="{FF2B5EF4-FFF2-40B4-BE49-F238E27FC236}">
-                  <a16:creationId xmlns:a16="http://schemas.microsoft.com/office/drawing/2014/main" id="{E5B6E5E4-D6B3-F6D6-61AB-81DD4FB801BA}"/>
-                </a:ext>
-              </a:extLst>
-            </p:cNvPr>
-            <p:cNvGrpSpPr/>
-            <p:nvPr/>
-          </p:nvGrpSpPr>
-          <p:grpSpPr>
-            <a:xfrm>
-              <a:off x="1808817" y="1655064"/>
-              <a:ext cx="99230" cy="67574"/>
-              <a:chOff x="1587752" y="2527064"/>
-              <a:chExt cx="365760" cy="310897"/>
-            </a:xfrm>
-          </p:grpSpPr>
-          <p:cxnSp>
-            <p:nvCxnSpPr>
-              <p:cNvPr id="1037" name="Straight Connector 1036">
-                <a:extLst>
-                  <a:ext uri="{FF2B5EF4-FFF2-40B4-BE49-F238E27FC236}">
-                    <a16:creationId xmlns:a16="http://schemas.microsoft.com/office/drawing/2014/main" id="{E3E2761E-A4AE-080B-9B26-6ACB1900DC61}"/>
+                    <a16:creationId xmlns:a16="http://schemas.microsoft.com/office/drawing/2014/main" id="{6D5AEE18-EB47-C392-C212-DEB3018C8C80}"/>
                   </a:ext>
                 </a:extLst>
               </p:cNvPr>
@@ -7662,9 +8829,9 @@
               <p:nvPr/>
             </p:nvCxnSpPr>
             <p:spPr>
-              <a:xfrm flipH="1">
-                <a:off x="1587752" y="2828685"/>
-                <a:ext cx="365760" cy="0"/>
+              <a:xfrm flipH="1" flipV="1">
+                <a:off x="9701540" y="2574361"/>
+                <a:ext cx="91440" cy="0"/>
               </a:xfrm>
               <a:prstGeom prst="line">
                 <a:avLst/>
@@ -7692,10 +8859,10 @@
           </p:cxnSp>
           <p:cxnSp>
             <p:nvCxnSpPr>
-              <p:cNvPr id="1038" name="Straight Connector 1037">
+              <p:cNvPr id="1129" name="Straight Connector 1128">
                 <a:extLst>
                   <a:ext uri="{FF2B5EF4-FFF2-40B4-BE49-F238E27FC236}">
-                    <a16:creationId xmlns:a16="http://schemas.microsoft.com/office/drawing/2014/main" id="{684ADC32-4C62-637D-4433-F11ADA69F2B7}"/>
+                    <a16:creationId xmlns:a16="http://schemas.microsoft.com/office/drawing/2014/main" id="{52EE222E-85E7-A5B4-EF1F-72975BC07B3F}"/>
                   </a:ext>
                 </a:extLst>
               </p:cNvPr>
@@ -7703,9 +8870,9 @@
               <p:nvPr/>
             </p:nvCxnSpPr>
             <p:spPr>
-              <a:xfrm flipH="1" flipV="1">
-                <a:off x="1597276" y="2527065"/>
-                <a:ext cx="0" cy="310896"/>
+              <a:xfrm>
+                <a:off x="9711544" y="2419778"/>
+                <a:ext cx="0" cy="164592"/>
               </a:xfrm>
               <a:prstGeom prst="line">
                 <a:avLst/>
@@ -7729,68 +8896,10 @@
           </p:cxnSp>
           <p:cxnSp>
             <p:nvCxnSpPr>
-              <p:cNvPr id="1039" name="Straight Connector 1038">
+              <p:cNvPr id="1130" name="Straight Connector 1129">
                 <a:extLst>
                   <a:ext uri="{FF2B5EF4-FFF2-40B4-BE49-F238E27FC236}">
-                    <a16:creationId xmlns:a16="http://schemas.microsoft.com/office/drawing/2014/main" id="{14228983-ABB4-B18F-C090-EE885EBE5D9E}"/>
-                  </a:ext>
-                </a:extLst>
-              </p:cNvPr>
-              <p:cNvCxnSpPr/>
-              <p:nvPr/>
-            </p:nvCxnSpPr>
-            <p:spPr>
-              <a:xfrm flipH="1" flipV="1">
-                <a:off x="1944939" y="2527064"/>
-                <a:ext cx="0" cy="310896"/>
-              </a:xfrm>
-              <a:prstGeom prst="line">
-                <a:avLst/>
-              </a:prstGeom>
-              <a:ln w="19050"/>
-            </p:spPr>
-            <p:style>
-              <a:lnRef idx="1">
-                <a:schemeClr val="dk1"/>
-              </a:lnRef>
-              <a:fillRef idx="0">
-                <a:schemeClr val="dk1"/>
-              </a:fillRef>
-              <a:effectRef idx="0">
-                <a:schemeClr val="dk1"/>
-              </a:effectRef>
-              <a:fontRef idx="minor">
-                <a:schemeClr val="tx1"/>
-              </a:fontRef>
-            </p:style>
-          </p:cxnSp>
-        </p:grpSp>
-        <p:grpSp>
-          <p:nvGrpSpPr>
-            <p:cNvPr id="1024" name="Group 1023">
-              <a:extLst>
-                <a:ext uri="{FF2B5EF4-FFF2-40B4-BE49-F238E27FC236}">
-                  <a16:creationId xmlns:a16="http://schemas.microsoft.com/office/drawing/2014/main" id="{D1BF6FB3-55FD-655E-DEDF-68B0F0C4F034}"/>
-                </a:ext>
-              </a:extLst>
-            </p:cNvPr>
-            <p:cNvGrpSpPr/>
-            <p:nvPr/>
-          </p:nvGrpSpPr>
-          <p:grpSpPr>
-            <a:xfrm>
-              <a:off x="3821786" y="1655064"/>
-              <a:ext cx="99230" cy="67574"/>
-              <a:chOff x="1587752" y="2527064"/>
-              <a:chExt cx="365760" cy="310897"/>
-            </a:xfrm>
-          </p:grpSpPr>
-          <p:cxnSp>
-            <p:nvCxnSpPr>
-              <p:cNvPr id="1034" name="Straight Connector 1033">
-                <a:extLst>
-                  <a:ext uri="{FF2B5EF4-FFF2-40B4-BE49-F238E27FC236}">
-                    <a16:creationId xmlns:a16="http://schemas.microsoft.com/office/drawing/2014/main" id="{AC7981CF-31C4-C7A7-ECB4-1B7415D031CE}"/>
+                    <a16:creationId xmlns:a16="http://schemas.microsoft.com/office/drawing/2014/main" id="{CA360256-F132-09FE-3965-DD6E061BAA03}"/>
                   </a:ext>
                 </a:extLst>
               </p:cNvPr>
@@ -7800,9 +8909,9 @@
               <p:nvPr/>
             </p:nvCxnSpPr>
             <p:spPr>
-              <a:xfrm flipH="1">
-                <a:off x="1587752" y="2828685"/>
-                <a:ext cx="365760" cy="0"/>
+              <a:xfrm flipH="1" flipV="1">
+                <a:off x="9703921" y="2429104"/>
+                <a:ext cx="274320" cy="0"/>
               </a:xfrm>
               <a:prstGeom prst="line">
                 <a:avLst/>
@@ -7830,10 +8939,10 @@
           </p:cxnSp>
           <p:cxnSp>
             <p:nvCxnSpPr>
-              <p:cNvPr id="1035" name="Straight Connector 1034">
+              <p:cNvPr id="1122" name="Straight Connector 1121">
                 <a:extLst>
                   <a:ext uri="{FF2B5EF4-FFF2-40B4-BE49-F238E27FC236}">
-                    <a16:creationId xmlns:a16="http://schemas.microsoft.com/office/drawing/2014/main" id="{D0E2D9AC-221E-9586-37C3-CAC091F79432}"/>
+                    <a16:creationId xmlns:a16="http://schemas.microsoft.com/office/drawing/2014/main" id="{3EB16ECD-C53D-010C-0F86-3D5429852CDE}"/>
                   </a:ext>
                 </a:extLst>
               </p:cNvPr>
@@ -7841,9 +8950,9 @@
               <p:nvPr/>
             </p:nvCxnSpPr>
             <p:spPr>
-              <a:xfrm flipH="1" flipV="1">
-                <a:off x="1597276" y="2527065"/>
-                <a:ext cx="0" cy="310896"/>
+              <a:xfrm flipH="1">
+                <a:off x="10588573" y="2569703"/>
+                <a:ext cx="0" cy="219456"/>
               </a:xfrm>
               <a:prstGeom prst="line">
                 <a:avLst/>
@@ -7867,68 +8976,10 @@
           </p:cxnSp>
           <p:cxnSp>
             <p:nvCxnSpPr>
-              <p:cNvPr id="1036" name="Straight Connector 1035">
+              <p:cNvPr id="1123" name="Straight Connector 1122">
                 <a:extLst>
                   <a:ext uri="{FF2B5EF4-FFF2-40B4-BE49-F238E27FC236}">
-                    <a16:creationId xmlns:a16="http://schemas.microsoft.com/office/drawing/2014/main" id="{5DC1014C-1A02-E48B-0CD5-16DDAD4F896D}"/>
-                  </a:ext>
-                </a:extLst>
-              </p:cNvPr>
-              <p:cNvCxnSpPr/>
-              <p:nvPr/>
-            </p:nvCxnSpPr>
-            <p:spPr>
-              <a:xfrm flipH="1" flipV="1">
-                <a:off x="1944939" y="2527064"/>
-                <a:ext cx="0" cy="310896"/>
-              </a:xfrm>
-              <a:prstGeom prst="line">
-                <a:avLst/>
-              </a:prstGeom>
-              <a:ln w="19050"/>
-            </p:spPr>
-            <p:style>
-              <a:lnRef idx="1">
-                <a:schemeClr val="dk1"/>
-              </a:lnRef>
-              <a:fillRef idx="0">
-                <a:schemeClr val="dk1"/>
-              </a:fillRef>
-              <a:effectRef idx="0">
-                <a:schemeClr val="dk1"/>
-              </a:effectRef>
-              <a:fontRef idx="minor">
-                <a:schemeClr val="tx1"/>
-              </a:fontRef>
-            </p:style>
-          </p:cxnSp>
-        </p:grpSp>
-        <p:grpSp>
-          <p:nvGrpSpPr>
-            <p:cNvPr id="1025" name="Group 1024">
-              <a:extLst>
-                <a:ext uri="{FF2B5EF4-FFF2-40B4-BE49-F238E27FC236}">
-                  <a16:creationId xmlns:a16="http://schemas.microsoft.com/office/drawing/2014/main" id="{6ECEA1BD-056E-A5B7-3889-474DBD1674F7}"/>
-                </a:ext>
-              </a:extLst>
-            </p:cNvPr>
-            <p:cNvGrpSpPr/>
-            <p:nvPr/>
-          </p:nvGrpSpPr>
-          <p:grpSpPr>
-            <a:xfrm>
-              <a:off x="3365499" y="1655064"/>
-              <a:ext cx="199622" cy="67574"/>
-              <a:chOff x="1587752" y="2527064"/>
-              <a:chExt cx="365760" cy="310897"/>
-            </a:xfrm>
-          </p:grpSpPr>
-          <p:cxnSp>
-            <p:nvCxnSpPr>
-              <p:cNvPr id="1031" name="Straight Connector 1030">
-                <a:extLst>
-                  <a:ext uri="{FF2B5EF4-FFF2-40B4-BE49-F238E27FC236}">
-                    <a16:creationId xmlns:a16="http://schemas.microsoft.com/office/drawing/2014/main" id="{73A4366E-E666-A806-06FC-A717F45E3AA8}"/>
+                    <a16:creationId xmlns:a16="http://schemas.microsoft.com/office/drawing/2014/main" id="{EAC31999-328F-E8A5-F286-727FD30357A7}"/>
                   </a:ext>
                 </a:extLst>
               </p:cNvPr>
@@ -7938,9 +8989,9 @@
               <p:nvPr/>
             </p:nvCxnSpPr>
             <p:spPr>
-              <a:xfrm flipH="1">
-                <a:off x="1587752" y="2828685"/>
-                <a:ext cx="365760" cy="0"/>
+              <a:xfrm flipV="1">
+                <a:off x="10579755" y="2574362"/>
+                <a:ext cx="91440" cy="0"/>
               </a:xfrm>
               <a:prstGeom prst="line">
                 <a:avLst/>
@@ -7968,10 +9019,10 @@
           </p:cxnSp>
           <p:cxnSp>
             <p:nvCxnSpPr>
-              <p:cNvPr id="1032" name="Straight Connector 1031">
+              <p:cNvPr id="1124" name="Straight Connector 1123">
                 <a:extLst>
                   <a:ext uri="{FF2B5EF4-FFF2-40B4-BE49-F238E27FC236}">
-                    <a16:creationId xmlns:a16="http://schemas.microsoft.com/office/drawing/2014/main" id="{DDE3F9C1-58F5-4BF3-3414-4B9FE0616F53}"/>
+                    <a16:creationId xmlns:a16="http://schemas.microsoft.com/office/drawing/2014/main" id="{B4FD5E86-9324-D2CC-2429-88A043E688F9}"/>
                   </a:ext>
                 </a:extLst>
               </p:cNvPr>
@@ -7979,9 +9030,9 @@
               <p:nvPr/>
             </p:nvCxnSpPr>
             <p:spPr>
-              <a:xfrm flipH="1" flipV="1">
-                <a:off x="1597276" y="2527065"/>
-                <a:ext cx="0" cy="310896"/>
+              <a:xfrm flipH="1">
+                <a:off x="10661191" y="2419779"/>
+                <a:ext cx="0" cy="164592"/>
               </a:xfrm>
               <a:prstGeom prst="line">
                 <a:avLst/>
@@ -8005,35 +9056,41 @@
           </p:cxnSp>
           <p:cxnSp>
             <p:nvCxnSpPr>
-              <p:cNvPr id="1033" name="Straight Connector 1032">
+              <p:cNvPr id="1125" name="Straight Connector 1124">
                 <a:extLst>
                   <a:ext uri="{FF2B5EF4-FFF2-40B4-BE49-F238E27FC236}">
-                    <a16:creationId xmlns:a16="http://schemas.microsoft.com/office/drawing/2014/main" id="{F5B9AB5D-F507-86FD-358C-8EA7EF50B8D3}"/>
+                    <a16:creationId xmlns:a16="http://schemas.microsoft.com/office/drawing/2014/main" id="{4D6E77C5-DE63-B2FE-3840-79FDC2D2EACE}"/>
                   </a:ext>
                 </a:extLst>
               </p:cNvPr>
-              <p:cNvCxnSpPr/>
+              <p:cNvCxnSpPr>
+                <a:cxnSpLocks/>
+              </p:cNvCxnSpPr>
               <p:nvPr/>
             </p:nvCxnSpPr>
             <p:spPr>
-              <a:xfrm flipH="1" flipV="1">
-                <a:off x="1944939" y="2527064"/>
-                <a:ext cx="0" cy="310896"/>
+              <a:xfrm flipV="1">
+                <a:off x="10394494" y="2429105"/>
+                <a:ext cx="274320" cy="0"/>
               </a:xfrm>
               <a:prstGeom prst="line">
                 <a:avLst/>
               </a:prstGeom>
-              <a:ln w="19050"/>
+              <a:ln w="19050">
+                <a:solidFill>
+                  <a:schemeClr val="tx1"/>
+                </a:solidFill>
+              </a:ln>
             </p:spPr>
             <p:style>
               <a:lnRef idx="1">
-                <a:schemeClr val="dk1"/>
+                <a:schemeClr val="accent1"/>
               </a:lnRef>
               <a:fillRef idx="0">
-                <a:schemeClr val="dk1"/>
+                <a:schemeClr val="accent1"/>
               </a:fillRef>
               <a:effectRef idx="0">
-                <a:schemeClr val="dk1"/>
+                <a:schemeClr val="accent1"/>
               </a:effectRef>
               <a:fontRef idx="minor">
                 <a:schemeClr val="tx1"/>
@@ -8043,10 +9100,10 @@
         </p:grpSp>
         <p:cxnSp>
           <p:nvCxnSpPr>
-            <p:cNvPr id="1026" name="Straight Connector 1025">
+            <p:cNvPr id="1373" name="Straight Connector 1372">
               <a:extLst>
                 <a:ext uri="{FF2B5EF4-FFF2-40B4-BE49-F238E27FC236}">
-                  <a16:creationId xmlns:a16="http://schemas.microsoft.com/office/drawing/2014/main" id="{5B750659-CE96-5BD5-6EA2-E93F16A36A94}"/>
+                  <a16:creationId xmlns:a16="http://schemas.microsoft.com/office/drawing/2014/main" id="{821D2A9B-B62B-B3D0-31F5-F9F8464082C9}"/>
                 </a:ext>
               </a:extLst>
             </p:cNvPr>
@@ -8056,9 +9113,9 @@
             <p:nvPr/>
           </p:nvCxnSpPr>
           <p:spPr>
-            <a:xfrm flipH="1">
-              <a:off x="1896197" y="1655064"/>
-              <a:ext cx="283464" cy="0"/>
+            <a:xfrm flipH="1" flipV="1">
+              <a:off x="10252355" y="2476223"/>
+              <a:ext cx="871331" cy="2114770"/>
             </a:xfrm>
             <a:prstGeom prst="line">
               <a:avLst/>
@@ -8086,10 +9143,10 @@
         </p:cxnSp>
         <p:cxnSp>
           <p:nvCxnSpPr>
-            <p:cNvPr id="1027" name="Straight Connector 1026">
+            <p:cNvPr id="1376" name="Straight Connector 1375">
               <a:extLst>
                 <a:ext uri="{FF2B5EF4-FFF2-40B4-BE49-F238E27FC236}">
-                  <a16:creationId xmlns:a16="http://schemas.microsoft.com/office/drawing/2014/main" id="{BFDA28DA-5586-96AC-C773-DC6CE63F7F7D}"/>
+                  <a16:creationId xmlns:a16="http://schemas.microsoft.com/office/drawing/2014/main" id="{98F4A4F6-A58F-758F-1347-A743C54CE8AF}"/>
                 </a:ext>
               </a:extLst>
             </p:cNvPr>
@@ -8099,9 +9156,245 @@
             <p:nvPr/>
           </p:nvCxnSpPr>
           <p:spPr>
-            <a:xfrm flipH="1">
-              <a:off x="2359900" y="1655064"/>
-              <a:ext cx="283464" cy="0"/>
+            <a:xfrm flipH="1" flipV="1">
+              <a:off x="9341221" y="2526384"/>
+              <a:ext cx="892453" cy="2264006"/>
+            </a:xfrm>
+            <a:prstGeom prst="line">
+              <a:avLst/>
+            </a:prstGeom>
+            <a:ln w="19050">
+              <a:solidFill>
+                <a:schemeClr val="tx1"/>
+              </a:solidFill>
+            </a:ln>
+          </p:spPr>
+          <p:style>
+            <a:lnRef idx="1">
+              <a:schemeClr val="accent1"/>
+            </a:lnRef>
+            <a:fillRef idx="0">
+              <a:schemeClr val="accent1"/>
+            </a:fillRef>
+            <a:effectRef idx="0">
+              <a:schemeClr val="accent1"/>
+            </a:effectRef>
+            <a:fontRef idx="minor">
+              <a:schemeClr val="tx1"/>
+            </a:fontRef>
+          </p:style>
+        </p:cxnSp>
+        <p:sp>
+          <p:nvSpPr>
+            <p:cNvPr id="1380" name="TextBox 1379">
+              <a:extLst>
+                <a:ext uri="{FF2B5EF4-FFF2-40B4-BE49-F238E27FC236}">
+                  <a16:creationId xmlns:a16="http://schemas.microsoft.com/office/drawing/2014/main" id="{4A1195DC-7BE4-6DE1-D1F8-007E575B082B}"/>
+                </a:ext>
+              </a:extLst>
+            </p:cNvPr>
+            <p:cNvSpPr txBox="1"/>
+            <p:nvPr/>
+          </p:nvSpPr>
+          <p:spPr>
+            <a:xfrm rot="21591747">
+              <a:off x="3457245" y="4706503"/>
+              <a:ext cx="1024801" cy="523220"/>
+            </a:xfrm>
+            <a:prstGeom prst="rect">
+              <a:avLst/>
+            </a:prstGeom>
+            <a:noFill/>
+            <a:ln w="19050">
+              <a:noFill/>
+            </a:ln>
+          </p:spPr>
+          <p:txBody>
+            <a:bodyPr wrap="square" rtlCol="0">
+              <a:spAutoFit/>
+            </a:bodyPr>
+            <a:lstStyle/>
+            <a:p>
+              <a:pPr algn="ctr"/>
+              <a:r>
+                <a:rPr lang="en-US" sz="2800" b="1" dirty="0"/>
+                <a:t>A39</a:t>
+              </a:r>
+            </a:p>
+          </p:txBody>
+        </p:sp>
+        <p:sp>
+          <p:nvSpPr>
+            <p:cNvPr id="1381" name="TextBox 1380">
+              <a:extLst>
+                <a:ext uri="{FF2B5EF4-FFF2-40B4-BE49-F238E27FC236}">
+                  <a16:creationId xmlns:a16="http://schemas.microsoft.com/office/drawing/2014/main" id="{477ABEE1-482A-6BDA-0519-3DD609D7DB1F}"/>
+                </a:ext>
+              </a:extLst>
+            </p:cNvPr>
+            <p:cNvSpPr txBox="1"/>
+            <p:nvPr/>
+          </p:nvSpPr>
+          <p:spPr>
+            <a:xfrm rot="21591747">
+              <a:off x="5419274" y="3599653"/>
+              <a:ext cx="1024801" cy="523220"/>
+            </a:xfrm>
+            <a:prstGeom prst="rect">
+              <a:avLst/>
+            </a:prstGeom>
+            <a:noFill/>
+            <a:ln w="19050">
+              <a:noFill/>
+            </a:ln>
+          </p:spPr>
+          <p:txBody>
+            <a:bodyPr wrap="square" rtlCol="0">
+              <a:spAutoFit/>
+            </a:bodyPr>
+            <a:lstStyle/>
+            <a:p>
+              <a:pPr algn="ctr"/>
+              <a:r>
+                <a:rPr lang="en-US" sz="2800" b="1" dirty="0"/>
+                <a:t>403</a:t>
+              </a:r>
+            </a:p>
+          </p:txBody>
+        </p:sp>
+        <p:sp>
+          <p:nvSpPr>
+            <p:cNvPr id="1382" name="TextBox 1381">
+              <a:extLst>
+                <a:ext uri="{FF2B5EF4-FFF2-40B4-BE49-F238E27FC236}">
+                  <a16:creationId xmlns:a16="http://schemas.microsoft.com/office/drawing/2014/main" id="{8C6CDDF0-D798-27DA-5E7F-15152994F66F}"/>
+                </a:ext>
+              </a:extLst>
+            </p:cNvPr>
+            <p:cNvSpPr txBox="1"/>
+            <p:nvPr/>
+          </p:nvSpPr>
+          <p:spPr>
+            <a:xfrm rot="21591747">
+              <a:off x="1785310" y="3574569"/>
+              <a:ext cx="1024801" cy="523220"/>
+            </a:xfrm>
+            <a:prstGeom prst="rect">
+              <a:avLst/>
+            </a:prstGeom>
+            <a:noFill/>
+            <a:ln w="19050">
+              <a:noFill/>
+            </a:ln>
+          </p:spPr>
+          <p:txBody>
+            <a:bodyPr wrap="square" rtlCol="0">
+              <a:spAutoFit/>
+            </a:bodyPr>
+            <a:lstStyle/>
+            <a:p>
+              <a:pPr algn="ctr"/>
+              <a:r>
+                <a:rPr lang="en-US" sz="2800" b="1" dirty="0"/>
+                <a:t>405</a:t>
+              </a:r>
+            </a:p>
+          </p:txBody>
+        </p:sp>
+        <p:sp>
+          <p:nvSpPr>
+            <p:cNvPr id="1388" name="TextBox 1387">
+              <a:extLst>
+                <a:ext uri="{FF2B5EF4-FFF2-40B4-BE49-F238E27FC236}">
+                  <a16:creationId xmlns:a16="http://schemas.microsoft.com/office/drawing/2014/main" id="{1FA164E9-3BAF-5F85-F3B1-FE8BECBCD11D}"/>
+                </a:ext>
+              </a:extLst>
+            </p:cNvPr>
+            <p:cNvSpPr txBox="1"/>
+            <p:nvPr/>
+          </p:nvSpPr>
+          <p:spPr>
+            <a:xfrm rot="21591747">
+              <a:off x="8167000" y="3752044"/>
+              <a:ext cx="1024801" cy="523220"/>
+            </a:xfrm>
+            <a:prstGeom prst="rect">
+              <a:avLst/>
+            </a:prstGeom>
+            <a:noFill/>
+            <a:ln w="19050">
+              <a:noFill/>
+            </a:ln>
+          </p:spPr>
+          <p:txBody>
+            <a:bodyPr wrap="square" rtlCol="0">
+              <a:spAutoFit/>
+            </a:bodyPr>
+            <a:lstStyle/>
+            <a:p>
+              <a:pPr algn="ctr"/>
+              <a:r>
+                <a:rPr lang="en-US" sz="2800" b="1" dirty="0"/>
+                <a:t>401</a:t>
+              </a:r>
+            </a:p>
+          </p:txBody>
+        </p:sp>
+        <p:sp>
+          <p:nvSpPr>
+            <p:cNvPr id="1429" name="TextBox 1428">
+              <a:extLst>
+                <a:ext uri="{FF2B5EF4-FFF2-40B4-BE49-F238E27FC236}">
+                  <a16:creationId xmlns:a16="http://schemas.microsoft.com/office/drawing/2014/main" id="{9FC47FB7-8104-5C69-780E-B2B7BDC27904}"/>
+                </a:ext>
+              </a:extLst>
+            </p:cNvPr>
+            <p:cNvSpPr txBox="1"/>
+            <p:nvPr/>
+          </p:nvSpPr>
+          <p:spPr>
+            <a:xfrm rot="4180407">
+              <a:off x="8888997" y="3590007"/>
+              <a:ext cx="2889507" cy="369332"/>
+            </a:xfrm>
+            <a:prstGeom prst="rect">
+              <a:avLst/>
+            </a:prstGeom>
+            <a:noFill/>
+            <a:ln w="19050">
+              <a:noFill/>
+            </a:ln>
+          </p:spPr>
+          <p:txBody>
+            <a:bodyPr wrap="square" rtlCol="0">
+              <a:spAutoFit/>
+            </a:bodyPr>
+            <a:lstStyle/>
+            <a:p>
+              <a:pPr algn="ctr"/>
+              <a:r>
+                <a:rPr lang="en-US" b="1" dirty="0"/>
+                <a:t>Ang Mo Kio Ave 10</a:t>
+              </a:r>
+            </a:p>
+          </p:txBody>
+        </p:sp>
+        <p:cxnSp>
+          <p:nvCxnSpPr>
+            <p:cNvPr id="1434" name="Straight Connector 1433">
+              <a:extLst>
+                <a:ext uri="{FF2B5EF4-FFF2-40B4-BE49-F238E27FC236}">
+                  <a16:creationId xmlns:a16="http://schemas.microsoft.com/office/drawing/2014/main" id="{750AECE7-26F1-5A30-C337-363C9C186E2C}"/>
+                </a:ext>
+              </a:extLst>
+            </p:cNvPr>
+            <p:cNvCxnSpPr/>
+            <p:nvPr/>
+          </p:nvCxnSpPr>
+          <p:spPr>
+            <a:xfrm rot="21591747" flipH="1">
+              <a:off x="6961693" y="5076180"/>
+              <a:ext cx="1280160" cy="0"/>
             </a:xfrm>
             <a:prstGeom prst="line">
               <a:avLst/>
@@ -8129,203 +9422,10 @@
         </p:cxnSp>
         <p:cxnSp>
           <p:nvCxnSpPr>
-            <p:cNvPr id="1028" name="Straight Connector 1027">
+            <p:cNvPr id="1453" name="Straight Connector 1452">
               <a:extLst>
                 <a:ext uri="{FF2B5EF4-FFF2-40B4-BE49-F238E27FC236}">
-                  <a16:creationId xmlns:a16="http://schemas.microsoft.com/office/drawing/2014/main" id="{6E00723B-9CFB-6A7B-AC62-B191734E279F}"/>
-                </a:ext>
-              </a:extLst>
-            </p:cNvPr>
-            <p:cNvCxnSpPr>
-              <a:cxnSpLocks/>
-            </p:cNvCxnSpPr>
-            <p:nvPr/>
-          </p:nvCxnSpPr>
-          <p:spPr>
-            <a:xfrm flipH="1">
-              <a:off x="2727128" y="1655064"/>
-              <a:ext cx="283464" cy="0"/>
-            </a:xfrm>
-            <a:prstGeom prst="line">
-              <a:avLst/>
-            </a:prstGeom>
-            <a:ln w="19050">
-              <a:solidFill>
-                <a:schemeClr val="tx1"/>
-              </a:solidFill>
-            </a:ln>
-          </p:spPr>
-          <p:style>
-            <a:lnRef idx="1">
-              <a:schemeClr val="accent1"/>
-            </a:lnRef>
-            <a:fillRef idx="0">
-              <a:schemeClr val="accent1"/>
-            </a:fillRef>
-            <a:effectRef idx="0">
-              <a:schemeClr val="accent1"/>
-            </a:effectRef>
-            <a:fontRef idx="minor">
-              <a:schemeClr val="tx1"/>
-            </a:fontRef>
-          </p:style>
-        </p:cxnSp>
-        <p:cxnSp>
-          <p:nvCxnSpPr>
-            <p:cNvPr id="1029" name="Straight Connector 1028">
-              <a:extLst>
-                <a:ext uri="{FF2B5EF4-FFF2-40B4-BE49-F238E27FC236}">
-                  <a16:creationId xmlns:a16="http://schemas.microsoft.com/office/drawing/2014/main" id="{FBDA5427-83C7-564C-87EE-91F6DB2E5A74}"/>
-                </a:ext>
-              </a:extLst>
-            </p:cNvPr>
-            <p:cNvCxnSpPr>
-              <a:cxnSpLocks/>
-            </p:cNvCxnSpPr>
-            <p:nvPr/>
-          </p:nvCxnSpPr>
-          <p:spPr>
-            <a:xfrm flipH="1">
-              <a:off x="3097435" y="1655064"/>
-              <a:ext cx="283464" cy="0"/>
-            </a:xfrm>
-            <a:prstGeom prst="line">
-              <a:avLst/>
-            </a:prstGeom>
-            <a:ln w="19050">
-              <a:solidFill>
-                <a:schemeClr val="tx1"/>
-              </a:solidFill>
-            </a:ln>
-          </p:spPr>
-          <p:style>
-            <a:lnRef idx="1">
-              <a:schemeClr val="accent1"/>
-            </a:lnRef>
-            <a:fillRef idx="0">
-              <a:schemeClr val="accent1"/>
-            </a:fillRef>
-            <a:effectRef idx="0">
-              <a:schemeClr val="accent1"/>
-            </a:effectRef>
-            <a:fontRef idx="minor">
-              <a:schemeClr val="tx1"/>
-            </a:fontRef>
-          </p:style>
-        </p:cxnSp>
-        <p:cxnSp>
-          <p:nvCxnSpPr>
-            <p:cNvPr id="1030" name="Straight Connector 1029">
-              <a:extLst>
-                <a:ext uri="{FF2B5EF4-FFF2-40B4-BE49-F238E27FC236}">
-                  <a16:creationId xmlns:a16="http://schemas.microsoft.com/office/drawing/2014/main" id="{261F38D8-0C11-CF2B-67AA-E309E6825DB4}"/>
-                </a:ext>
-              </a:extLst>
-            </p:cNvPr>
-            <p:cNvCxnSpPr>
-              <a:cxnSpLocks/>
-            </p:cNvCxnSpPr>
-            <p:nvPr/>
-          </p:nvCxnSpPr>
-          <p:spPr>
-            <a:xfrm flipH="1">
-              <a:off x="3550844" y="1655064"/>
-              <a:ext cx="283464" cy="0"/>
-            </a:xfrm>
-            <a:prstGeom prst="line">
-              <a:avLst/>
-            </a:prstGeom>
-            <a:ln w="19050">
-              <a:solidFill>
-                <a:schemeClr val="tx1"/>
-              </a:solidFill>
-            </a:ln>
-          </p:spPr>
-          <p:style>
-            <a:lnRef idx="1">
-              <a:schemeClr val="accent1"/>
-            </a:lnRef>
-            <a:fillRef idx="0">
-              <a:schemeClr val="accent1"/>
-            </a:fillRef>
-            <a:effectRef idx="0">
-              <a:schemeClr val="accent1"/>
-            </a:effectRef>
-            <a:fontRef idx="minor">
-              <a:schemeClr val="tx1"/>
-            </a:fontRef>
-          </p:style>
-        </p:cxnSp>
-      </p:grpSp>
-      <p:grpSp>
-        <p:nvGrpSpPr>
-          <p:cNvPr id="1132" name="Building">
-            <a:extLst>
-              <a:ext uri="{FF2B5EF4-FFF2-40B4-BE49-F238E27FC236}">
-                <a16:creationId xmlns:a16="http://schemas.microsoft.com/office/drawing/2014/main" id="{F934059C-59E8-6BD6-4F6E-78BB872B0C27}"/>
-              </a:ext>
-            </a:extLst>
-          </p:cNvPr>
-          <p:cNvGrpSpPr/>
-          <p:nvPr/>
-        </p:nvGrpSpPr>
-        <p:grpSpPr>
-          <a:xfrm rot="1200000">
-            <a:off x="7996583" y="3361616"/>
-            <a:ext cx="969829" cy="870612"/>
-            <a:chOff x="9701366" y="1918547"/>
-            <a:chExt cx="969829" cy="870612"/>
-          </a:xfrm>
-        </p:grpSpPr>
-        <p:cxnSp>
-          <p:nvCxnSpPr>
-            <p:cNvPr id="1067" name="Straight Connector 1066">
-              <a:extLst>
-                <a:ext uri="{FF2B5EF4-FFF2-40B4-BE49-F238E27FC236}">
-                  <a16:creationId xmlns:a16="http://schemas.microsoft.com/office/drawing/2014/main" id="{0313915E-C0CC-B957-B3A1-E42A072B8061}"/>
-                </a:ext>
-              </a:extLst>
-            </p:cNvPr>
-            <p:cNvCxnSpPr>
-              <a:cxnSpLocks/>
-            </p:cNvCxnSpPr>
-            <p:nvPr/>
-          </p:nvCxnSpPr>
-          <p:spPr>
-            <a:xfrm flipH="1">
-              <a:off x="9775449" y="1928072"/>
-              <a:ext cx="822960" cy="0"/>
-            </a:xfrm>
-            <a:prstGeom prst="line">
-              <a:avLst/>
-            </a:prstGeom>
-            <a:ln w="19050">
-              <a:solidFill>
-                <a:schemeClr val="tx1"/>
-              </a:solidFill>
-            </a:ln>
-          </p:spPr>
-          <p:style>
-            <a:lnRef idx="1">
-              <a:schemeClr val="accent1"/>
-            </a:lnRef>
-            <a:fillRef idx="0">
-              <a:schemeClr val="accent1"/>
-            </a:fillRef>
-            <a:effectRef idx="0">
-              <a:schemeClr val="accent1"/>
-            </a:effectRef>
-            <a:fontRef idx="minor">
-              <a:schemeClr val="tx1"/>
-            </a:fontRef>
-          </p:style>
-        </p:cxnSp>
-        <p:cxnSp>
-          <p:nvCxnSpPr>
-            <p:cNvPr id="1068" name="Straight Connector 1067">
-              <a:extLst>
-                <a:ext uri="{FF2B5EF4-FFF2-40B4-BE49-F238E27FC236}">
-                  <a16:creationId xmlns:a16="http://schemas.microsoft.com/office/drawing/2014/main" id="{93D965D4-AE91-F780-CC9D-FA0DFC49C61C}"/>
+                  <a16:creationId xmlns:a16="http://schemas.microsoft.com/office/drawing/2014/main" id="{A16F6473-ED56-196F-B065-46251C60F588}"/>
                 </a:ext>
               </a:extLst>
             </p:cNvPr>
@@ -8333,9 +9433,9 @@
             <p:nvPr/>
           </p:nvCxnSpPr>
           <p:spPr>
-            <a:xfrm flipV="1">
-              <a:off x="9783988" y="1918548"/>
-              <a:ext cx="0" cy="219456"/>
+            <a:xfrm rot="21591747" flipH="1">
+              <a:off x="8233136" y="4782009"/>
+              <a:ext cx="0" cy="301752"/>
             </a:xfrm>
             <a:prstGeom prst="line">
               <a:avLst/>
@@ -8357,68 +9457,28 @@
             </a:fontRef>
           </p:style>
         </p:cxnSp>
-        <p:cxnSp>
-          <p:nvCxnSpPr>
-            <p:cNvPr id="1069" name="Straight Connector 1068">
+        <p:sp>
+          <p:nvSpPr>
+            <p:cNvPr id="1465" name="Arc 1464">
               <a:extLst>
                 <a:ext uri="{FF2B5EF4-FFF2-40B4-BE49-F238E27FC236}">
-                  <a16:creationId xmlns:a16="http://schemas.microsoft.com/office/drawing/2014/main" id="{98E486C4-CC24-3690-9EB3-C2C019408270}"/>
+                  <a16:creationId xmlns:a16="http://schemas.microsoft.com/office/drawing/2014/main" id="{28FA9ABE-BDD1-EA12-FCEC-9EFFDF20A222}"/>
                 </a:ext>
               </a:extLst>
             </p:cNvPr>
-            <p:cNvCxnSpPr>
-              <a:cxnSpLocks/>
-            </p:cNvCxnSpPr>
+            <p:cNvSpPr/>
             <p:nvPr/>
-          </p:nvCxnSpPr>
+          </p:nvSpPr>
           <p:spPr>
-            <a:xfrm flipH="1">
-              <a:off x="9701366" y="2133345"/>
-              <a:ext cx="91440" cy="0"/>
+            <a:xfrm rot="241024">
+              <a:off x="6609856" y="4733084"/>
+              <a:ext cx="360723" cy="657857"/>
             </a:xfrm>
-            <a:prstGeom prst="line">
-              <a:avLst/>
-            </a:prstGeom>
-            <a:ln w="19050">
-              <a:solidFill>
-                <a:schemeClr val="tx1"/>
-              </a:solidFill>
-            </a:ln>
-          </p:spPr>
-          <p:style>
-            <a:lnRef idx="1">
-              <a:schemeClr val="accent1"/>
-            </a:lnRef>
-            <a:fillRef idx="0">
-              <a:schemeClr val="accent1"/>
-            </a:fillRef>
-            <a:effectRef idx="0">
-              <a:schemeClr val="accent1"/>
-            </a:effectRef>
-            <a:fontRef idx="minor">
-              <a:schemeClr val="tx1"/>
-            </a:fontRef>
-          </p:style>
-        </p:cxnSp>
-        <p:cxnSp>
-          <p:nvCxnSpPr>
-            <p:cNvPr id="1070" name="Straight Connector 1069">
-              <a:extLst>
-                <a:ext uri="{FF2B5EF4-FFF2-40B4-BE49-F238E27FC236}">
-                  <a16:creationId xmlns:a16="http://schemas.microsoft.com/office/drawing/2014/main" id="{C2874439-CC06-CAA4-972E-D8C9045E7574}"/>
-                </a:ext>
-              </a:extLst>
-            </p:cNvPr>
-            <p:cNvCxnSpPr/>
-            <p:nvPr/>
-          </p:nvCxnSpPr>
-          <p:spPr>
-            <a:xfrm flipV="1">
-              <a:off x="9711370" y="2123336"/>
-              <a:ext cx="0" cy="164592"/>
-            </a:xfrm>
-            <a:prstGeom prst="line">
-              <a:avLst/>
+            <a:prstGeom prst="arc">
+              <a:avLst>
+                <a:gd name="adj1" fmla="val 14447319"/>
+                <a:gd name="adj2" fmla="val 0"/>
+              </a:avLst>
             </a:prstGeom>
             <a:ln w="19050"/>
           </p:spPr>
@@ -8436,1055 +9496,16 @@
               <a:schemeClr val="tx1"/>
             </a:fontRef>
           </p:style>
-        </p:cxnSp>
-        <p:cxnSp>
-          <p:nvCxnSpPr>
-            <p:cNvPr id="1071" name="Straight Connector 1070">
-              <a:extLst>
-                <a:ext uri="{FF2B5EF4-FFF2-40B4-BE49-F238E27FC236}">
-                  <a16:creationId xmlns:a16="http://schemas.microsoft.com/office/drawing/2014/main" id="{292D35A4-B73C-1D3B-DF85-74807F86B7A6}"/>
-                </a:ext>
-              </a:extLst>
-            </p:cNvPr>
-            <p:cNvCxnSpPr>
-              <a:cxnSpLocks/>
-            </p:cNvCxnSpPr>
-            <p:nvPr/>
-          </p:nvCxnSpPr>
-          <p:spPr>
-            <a:xfrm flipH="1">
-              <a:off x="9703747" y="2278602"/>
-              <a:ext cx="274320" cy="0"/>
-            </a:xfrm>
-            <a:prstGeom prst="line">
-              <a:avLst/>
-            </a:prstGeom>
-            <a:ln w="19050">
-              <a:solidFill>
-                <a:schemeClr val="tx1"/>
-              </a:solidFill>
-            </a:ln>
-          </p:spPr>
-          <p:style>
-            <a:lnRef idx="1">
-              <a:schemeClr val="accent1"/>
-            </a:lnRef>
-            <a:fillRef idx="0">
-              <a:schemeClr val="accent1"/>
-            </a:fillRef>
-            <a:effectRef idx="0">
-              <a:schemeClr val="accent1"/>
-            </a:effectRef>
-            <a:fontRef idx="minor">
-              <a:schemeClr val="tx1"/>
-            </a:fontRef>
-          </p:style>
-        </p:cxnSp>
-        <p:cxnSp>
-          <p:nvCxnSpPr>
-            <p:cNvPr id="1072" name="Straight Connector 1071">
-              <a:extLst>
-                <a:ext uri="{FF2B5EF4-FFF2-40B4-BE49-F238E27FC236}">
-                  <a16:creationId xmlns:a16="http://schemas.microsoft.com/office/drawing/2014/main" id="{3F8FD437-B610-F6FA-D9A4-C34973ACF0C1}"/>
-                </a:ext>
-              </a:extLst>
-            </p:cNvPr>
-            <p:cNvCxnSpPr/>
-            <p:nvPr/>
-          </p:nvCxnSpPr>
-          <p:spPr>
-            <a:xfrm flipV="1">
-              <a:off x="9970715" y="2273840"/>
-              <a:ext cx="0" cy="164592"/>
-            </a:xfrm>
-            <a:prstGeom prst="line">
-              <a:avLst/>
-            </a:prstGeom>
-            <a:ln w="19050"/>
-          </p:spPr>
-          <p:style>
-            <a:lnRef idx="1">
-              <a:schemeClr val="dk1"/>
-            </a:lnRef>
-            <a:fillRef idx="0">
-              <a:schemeClr val="dk1"/>
-            </a:fillRef>
-            <a:effectRef idx="0">
-              <a:schemeClr val="dk1"/>
-            </a:effectRef>
-            <a:fontRef idx="minor">
-              <a:schemeClr val="tx1"/>
-            </a:fontRef>
-          </p:style>
-        </p:cxnSp>
-        <p:cxnSp>
-          <p:nvCxnSpPr>
-            <p:cNvPr id="1111" name="Straight Connector 1110">
-              <a:extLst>
-                <a:ext uri="{FF2B5EF4-FFF2-40B4-BE49-F238E27FC236}">
-                  <a16:creationId xmlns:a16="http://schemas.microsoft.com/office/drawing/2014/main" id="{3D50BF5B-A7FF-850B-1A57-DBD550861EF8}"/>
-                </a:ext>
-              </a:extLst>
-            </p:cNvPr>
-            <p:cNvCxnSpPr/>
-            <p:nvPr/>
-          </p:nvCxnSpPr>
-          <p:spPr>
-            <a:xfrm flipH="1" flipV="1">
-              <a:off x="10588399" y="1918547"/>
-              <a:ext cx="0" cy="219456"/>
-            </a:xfrm>
-            <a:prstGeom prst="line">
-              <a:avLst/>
-            </a:prstGeom>
-            <a:ln w="19050"/>
-          </p:spPr>
-          <p:style>
-            <a:lnRef idx="1">
-              <a:schemeClr val="dk1"/>
-            </a:lnRef>
-            <a:fillRef idx="0">
-              <a:schemeClr val="dk1"/>
-            </a:fillRef>
-            <a:effectRef idx="0">
-              <a:schemeClr val="dk1"/>
-            </a:effectRef>
-            <a:fontRef idx="minor">
-              <a:schemeClr val="tx1"/>
-            </a:fontRef>
-          </p:style>
-        </p:cxnSp>
-        <p:cxnSp>
-          <p:nvCxnSpPr>
-            <p:cNvPr id="1113" name="Straight Connector 1112">
-              <a:extLst>
-                <a:ext uri="{FF2B5EF4-FFF2-40B4-BE49-F238E27FC236}">
-                  <a16:creationId xmlns:a16="http://schemas.microsoft.com/office/drawing/2014/main" id="{396F0DFE-41C2-5A73-E80B-68F3FDE79397}"/>
-                </a:ext>
-              </a:extLst>
-            </p:cNvPr>
-            <p:cNvCxnSpPr>
-              <a:cxnSpLocks/>
-            </p:cNvCxnSpPr>
-            <p:nvPr/>
-          </p:nvCxnSpPr>
-          <p:spPr>
-            <a:xfrm>
-              <a:off x="10579581" y="2133344"/>
-              <a:ext cx="91440" cy="0"/>
-            </a:xfrm>
-            <a:prstGeom prst="line">
-              <a:avLst/>
-            </a:prstGeom>
-            <a:ln w="19050">
-              <a:solidFill>
-                <a:schemeClr val="tx1"/>
-              </a:solidFill>
-            </a:ln>
-          </p:spPr>
-          <p:style>
-            <a:lnRef idx="1">
-              <a:schemeClr val="accent1"/>
-            </a:lnRef>
-            <a:fillRef idx="0">
-              <a:schemeClr val="accent1"/>
-            </a:fillRef>
-            <a:effectRef idx="0">
-              <a:schemeClr val="accent1"/>
-            </a:effectRef>
-            <a:fontRef idx="minor">
-              <a:schemeClr val="tx1"/>
-            </a:fontRef>
-          </p:style>
-        </p:cxnSp>
-        <p:cxnSp>
-          <p:nvCxnSpPr>
-            <p:cNvPr id="1114" name="Straight Connector 1113">
-              <a:extLst>
-                <a:ext uri="{FF2B5EF4-FFF2-40B4-BE49-F238E27FC236}">
-                  <a16:creationId xmlns:a16="http://schemas.microsoft.com/office/drawing/2014/main" id="{1BB45C0F-AB20-5D8B-9F36-3252F590BCFA}"/>
-                </a:ext>
-              </a:extLst>
-            </p:cNvPr>
-            <p:cNvCxnSpPr/>
-            <p:nvPr/>
-          </p:nvCxnSpPr>
-          <p:spPr>
-            <a:xfrm flipH="1" flipV="1">
-              <a:off x="10661017" y="2123335"/>
-              <a:ext cx="0" cy="164592"/>
-            </a:xfrm>
-            <a:prstGeom prst="line">
-              <a:avLst/>
-            </a:prstGeom>
-            <a:ln w="19050"/>
-          </p:spPr>
-          <p:style>
-            <a:lnRef idx="1">
-              <a:schemeClr val="dk1"/>
-            </a:lnRef>
-            <a:fillRef idx="0">
-              <a:schemeClr val="dk1"/>
-            </a:fillRef>
-            <a:effectRef idx="0">
-              <a:schemeClr val="dk1"/>
-            </a:effectRef>
-            <a:fontRef idx="minor">
-              <a:schemeClr val="tx1"/>
-            </a:fontRef>
-          </p:style>
-        </p:cxnSp>
-        <p:cxnSp>
-          <p:nvCxnSpPr>
-            <p:cNvPr id="1115" name="Straight Connector 1114">
-              <a:extLst>
-                <a:ext uri="{FF2B5EF4-FFF2-40B4-BE49-F238E27FC236}">
-                  <a16:creationId xmlns:a16="http://schemas.microsoft.com/office/drawing/2014/main" id="{7F737281-4104-1C36-C07D-5693F62D9FA8}"/>
-                </a:ext>
-              </a:extLst>
-            </p:cNvPr>
-            <p:cNvCxnSpPr>
-              <a:cxnSpLocks/>
-            </p:cNvCxnSpPr>
-            <p:nvPr/>
-          </p:nvCxnSpPr>
-          <p:spPr>
-            <a:xfrm>
-              <a:off x="10394320" y="2278601"/>
-              <a:ext cx="274320" cy="0"/>
-            </a:xfrm>
-            <a:prstGeom prst="line">
-              <a:avLst/>
-            </a:prstGeom>
-            <a:ln w="19050">
-              <a:solidFill>
-                <a:schemeClr val="tx1"/>
-              </a:solidFill>
-            </a:ln>
-          </p:spPr>
-          <p:style>
-            <a:lnRef idx="1">
-              <a:schemeClr val="accent1"/>
-            </a:lnRef>
-            <a:fillRef idx="0">
-              <a:schemeClr val="accent1"/>
-            </a:fillRef>
-            <a:effectRef idx="0">
-              <a:schemeClr val="accent1"/>
-            </a:effectRef>
-            <a:fontRef idx="minor">
-              <a:schemeClr val="tx1"/>
-            </a:fontRef>
-          </p:style>
-        </p:cxnSp>
-        <p:cxnSp>
-          <p:nvCxnSpPr>
-            <p:cNvPr id="1116" name="Straight Connector 1115">
-              <a:extLst>
-                <a:ext uri="{FF2B5EF4-FFF2-40B4-BE49-F238E27FC236}">
-                  <a16:creationId xmlns:a16="http://schemas.microsoft.com/office/drawing/2014/main" id="{B2E1D99F-CAC5-85A7-8ECC-1EB011CABA02}"/>
-                </a:ext>
-              </a:extLst>
-            </p:cNvPr>
-            <p:cNvCxnSpPr/>
-            <p:nvPr/>
-          </p:nvCxnSpPr>
-          <p:spPr>
-            <a:xfrm flipH="1" flipV="1">
-              <a:off x="10401672" y="2273839"/>
-              <a:ext cx="0" cy="164592"/>
-            </a:xfrm>
-            <a:prstGeom prst="line">
-              <a:avLst/>
-            </a:prstGeom>
-            <a:ln w="19050"/>
-          </p:spPr>
-          <p:style>
-            <a:lnRef idx="1">
-              <a:schemeClr val="dk1"/>
-            </a:lnRef>
-            <a:fillRef idx="0">
-              <a:schemeClr val="dk1"/>
-            </a:fillRef>
-            <a:effectRef idx="0">
-              <a:schemeClr val="dk1"/>
-            </a:effectRef>
-            <a:fontRef idx="minor">
-              <a:schemeClr val="tx1"/>
-            </a:fontRef>
-          </p:style>
-        </p:cxnSp>
-        <p:cxnSp>
-          <p:nvCxnSpPr>
-            <p:cNvPr id="1119" name="Straight Connector 1118">
-              <a:extLst>
-                <a:ext uri="{FF2B5EF4-FFF2-40B4-BE49-F238E27FC236}">
-                  <a16:creationId xmlns:a16="http://schemas.microsoft.com/office/drawing/2014/main" id="{7CF60EB2-DDC1-ABC5-509D-09B335AA649B}"/>
-                </a:ext>
-              </a:extLst>
-            </p:cNvPr>
-            <p:cNvCxnSpPr>
-              <a:cxnSpLocks/>
-            </p:cNvCxnSpPr>
-            <p:nvPr/>
-          </p:nvCxnSpPr>
-          <p:spPr>
-            <a:xfrm flipH="1" flipV="1">
-              <a:off x="9775623" y="2779634"/>
-              <a:ext cx="822960" cy="0"/>
-            </a:xfrm>
-            <a:prstGeom prst="line">
-              <a:avLst/>
-            </a:prstGeom>
-            <a:ln w="19050">
-              <a:solidFill>
-                <a:schemeClr val="tx1"/>
-              </a:solidFill>
-            </a:ln>
-          </p:spPr>
-          <p:style>
-            <a:lnRef idx="1">
-              <a:schemeClr val="accent1"/>
-            </a:lnRef>
-            <a:fillRef idx="0">
-              <a:schemeClr val="accent1"/>
-            </a:fillRef>
-            <a:effectRef idx="0">
-              <a:schemeClr val="accent1"/>
-            </a:effectRef>
-            <a:fontRef idx="minor">
-              <a:schemeClr val="tx1"/>
-            </a:fontRef>
-          </p:style>
-        </p:cxnSp>
-        <p:cxnSp>
-          <p:nvCxnSpPr>
-            <p:cNvPr id="1127" name="Straight Connector 1126">
-              <a:extLst>
-                <a:ext uri="{FF2B5EF4-FFF2-40B4-BE49-F238E27FC236}">
-                  <a16:creationId xmlns:a16="http://schemas.microsoft.com/office/drawing/2014/main" id="{69FF708E-368D-0EFC-205D-9D8FFEE6318A}"/>
-                </a:ext>
-              </a:extLst>
-            </p:cNvPr>
-            <p:cNvCxnSpPr/>
-            <p:nvPr/>
-          </p:nvCxnSpPr>
-          <p:spPr>
-            <a:xfrm>
-              <a:off x="9784162" y="2569702"/>
-              <a:ext cx="0" cy="219456"/>
-            </a:xfrm>
-            <a:prstGeom prst="line">
-              <a:avLst/>
-            </a:prstGeom>
-            <a:ln w="19050"/>
-          </p:spPr>
-          <p:style>
-            <a:lnRef idx="1">
-              <a:schemeClr val="dk1"/>
-            </a:lnRef>
-            <a:fillRef idx="0">
-              <a:schemeClr val="dk1"/>
-            </a:fillRef>
-            <a:effectRef idx="0">
-              <a:schemeClr val="dk1"/>
-            </a:effectRef>
-            <a:fontRef idx="minor">
-              <a:schemeClr val="tx1"/>
-            </a:fontRef>
-          </p:style>
-        </p:cxnSp>
-        <p:cxnSp>
-          <p:nvCxnSpPr>
-            <p:cNvPr id="1128" name="Straight Connector 1127">
-              <a:extLst>
-                <a:ext uri="{FF2B5EF4-FFF2-40B4-BE49-F238E27FC236}">
-                  <a16:creationId xmlns:a16="http://schemas.microsoft.com/office/drawing/2014/main" id="{6D5AEE18-EB47-C392-C212-DEB3018C8C80}"/>
-                </a:ext>
-              </a:extLst>
-            </p:cNvPr>
-            <p:cNvCxnSpPr>
-              <a:cxnSpLocks/>
-            </p:cNvCxnSpPr>
-            <p:nvPr/>
-          </p:nvCxnSpPr>
-          <p:spPr>
-            <a:xfrm flipH="1" flipV="1">
-              <a:off x="9701540" y="2574361"/>
-              <a:ext cx="91440" cy="0"/>
-            </a:xfrm>
-            <a:prstGeom prst="line">
-              <a:avLst/>
-            </a:prstGeom>
-            <a:ln w="19050">
-              <a:solidFill>
-                <a:schemeClr val="tx1"/>
-              </a:solidFill>
-            </a:ln>
-          </p:spPr>
-          <p:style>
-            <a:lnRef idx="1">
-              <a:schemeClr val="accent1"/>
-            </a:lnRef>
-            <a:fillRef idx="0">
-              <a:schemeClr val="accent1"/>
-            </a:fillRef>
-            <a:effectRef idx="0">
-              <a:schemeClr val="accent1"/>
-            </a:effectRef>
-            <a:fontRef idx="minor">
-              <a:schemeClr val="tx1"/>
-            </a:fontRef>
-          </p:style>
-        </p:cxnSp>
-        <p:cxnSp>
-          <p:nvCxnSpPr>
-            <p:cNvPr id="1129" name="Straight Connector 1128">
-              <a:extLst>
-                <a:ext uri="{FF2B5EF4-FFF2-40B4-BE49-F238E27FC236}">
-                  <a16:creationId xmlns:a16="http://schemas.microsoft.com/office/drawing/2014/main" id="{52EE222E-85E7-A5B4-EF1F-72975BC07B3F}"/>
-                </a:ext>
-              </a:extLst>
-            </p:cNvPr>
-            <p:cNvCxnSpPr/>
-            <p:nvPr/>
-          </p:nvCxnSpPr>
-          <p:spPr>
-            <a:xfrm>
-              <a:off x="9711544" y="2419778"/>
-              <a:ext cx="0" cy="164592"/>
-            </a:xfrm>
-            <a:prstGeom prst="line">
-              <a:avLst/>
-            </a:prstGeom>
-            <a:ln w="19050"/>
-          </p:spPr>
-          <p:style>
-            <a:lnRef idx="1">
-              <a:schemeClr val="dk1"/>
-            </a:lnRef>
-            <a:fillRef idx="0">
-              <a:schemeClr val="dk1"/>
-            </a:fillRef>
-            <a:effectRef idx="0">
-              <a:schemeClr val="dk1"/>
-            </a:effectRef>
-            <a:fontRef idx="minor">
-              <a:schemeClr val="tx1"/>
-            </a:fontRef>
-          </p:style>
-        </p:cxnSp>
-        <p:cxnSp>
-          <p:nvCxnSpPr>
-            <p:cNvPr id="1130" name="Straight Connector 1129">
-              <a:extLst>
-                <a:ext uri="{FF2B5EF4-FFF2-40B4-BE49-F238E27FC236}">
-                  <a16:creationId xmlns:a16="http://schemas.microsoft.com/office/drawing/2014/main" id="{CA360256-F132-09FE-3965-DD6E061BAA03}"/>
-                </a:ext>
-              </a:extLst>
-            </p:cNvPr>
-            <p:cNvCxnSpPr>
-              <a:cxnSpLocks/>
-            </p:cNvCxnSpPr>
-            <p:nvPr/>
-          </p:nvCxnSpPr>
-          <p:spPr>
-            <a:xfrm flipH="1" flipV="1">
-              <a:off x="9703921" y="2429104"/>
-              <a:ext cx="274320" cy="0"/>
-            </a:xfrm>
-            <a:prstGeom prst="line">
-              <a:avLst/>
-            </a:prstGeom>
-            <a:ln w="19050">
-              <a:solidFill>
-                <a:schemeClr val="tx1"/>
-              </a:solidFill>
-            </a:ln>
-          </p:spPr>
-          <p:style>
-            <a:lnRef idx="1">
-              <a:schemeClr val="accent1"/>
-            </a:lnRef>
-            <a:fillRef idx="0">
-              <a:schemeClr val="accent1"/>
-            </a:fillRef>
-            <a:effectRef idx="0">
-              <a:schemeClr val="accent1"/>
-            </a:effectRef>
-            <a:fontRef idx="minor">
-              <a:schemeClr val="tx1"/>
-            </a:fontRef>
-          </p:style>
-        </p:cxnSp>
-        <p:cxnSp>
-          <p:nvCxnSpPr>
-            <p:cNvPr id="1122" name="Straight Connector 1121">
-              <a:extLst>
-                <a:ext uri="{FF2B5EF4-FFF2-40B4-BE49-F238E27FC236}">
-                  <a16:creationId xmlns:a16="http://schemas.microsoft.com/office/drawing/2014/main" id="{3EB16ECD-C53D-010C-0F86-3D5429852CDE}"/>
-                </a:ext>
-              </a:extLst>
-            </p:cNvPr>
-            <p:cNvCxnSpPr/>
-            <p:nvPr/>
-          </p:nvCxnSpPr>
-          <p:spPr>
-            <a:xfrm flipH="1">
-              <a:off x="10588573" y="2569703"/>
-              <a:ext cx="0" cy="219456"/>
-            </a:xfrm>
-            <a:prstGeom prst="line">
-              <a:avLst/>
-            </a:prstGeom>
-            <a:ln w="19050"/>
-          </p:spPr>
-          <p:style>
-            <a:lnRef idx="1">
-              <a:schemeClr val="dk1"/>
-            </a:lnRef>
-            <a:fillRef idx="0">
-              <a:schemeClr val="dk1"/>
-            </a:fillRef>
-            <a:effectRef idx="0">
-              <a:schemeClr val="dk1"/>
-            </a:effectRef>
-            <a:fontRef idx="minor">
-              <a:schemeClr val="tx1"/>
-            </a:fontRef>
-          </p:style>
-        </p:cxnSp>
-        <p:cxnSp>
-          <p:nvCxnSpPr>
-            <p:cNvPr id="1123" name="Straight Connector 1122">
-              <a:extLst>
-                <a:ext uri="{FF2B5EF4-FFF2-40B4-BE49-F238E27FC236}">
-                  <a16:creationId xmlns:a16="http://schemas.microsoft.com/office/drawing/2014/main" id="{EAC31999-328F-E8A5-F286-727FD30357A7}"/>
-                </a:ext>
-              </a:extLst>
-            </p:cNvPr>
-            <p:cNvCxnSpPr>
-              <a:cxnSpLocks/>
-            </p:cNvCxnSpPr>
-            <p:nvPr/>
-          </p:nvCxnSpPr>
-          <p:spPr>
-            <a:xfrm flipV="1">
-              <a:off x="10579755" y="2574362"/>
-              <a:ext cx="91440" cy="0"/>
-            </a:xfrm>
-            <a:prstGeom prst="line">
-              <a:avLst/>
-            </a:prstGeom>
-            <a:ln w="19050">
-              <a:solidFill>
-                <a:schemeClr val="tx1"/>
-              </a:solidFill>
-            </a:ln>
-          </p:spPr>
-          <p:style>
-            <a:lnRef idx="1">
-              <a:schemeClr val="accent1"/>
-            </a:lnRef>
-            <a:fillRef idx="0">
-              <a:schemeClr val="accent1"/>
-            </a:fillRef>
-            <a:effectRef idx="0">
-              <a:schemeClr val="accent1"/>
-            </a:effectRef>
-            <a:fontRef idx="minor">
-              <a:schemeClr val="tx1"/>
-            </a:fontRef>
-          </p:style>
-        </p:cxnSp>
-        <p:cxnSp>
-          <p:nvCxnSpPr>
-            <p:cNvPr id="1124" name="Straight Connector 1123">
-              <a:extLst>
-                <a:ext uri="{FF2B5EF4-FFF2-40B4-BE49-F238E27FC236}">
-                  <a16:creationId xmlns:a16="http://schemas.microsoft.com/office/drawing/2014/main" id="{B4FD5E86-9324-D2CC-2429-88A043E688F9}"/>
-                </a:ext>
-              </a:extLst>
-            </p:cNvPr>
-            <p:cNvCxnSpPr/>
-            <p:nvPr/>
-          </p:nvCxnSpPr>
-          <p:spPr>
-            <a:xfrm flipH="1">
-              <a:off x="10661191" y="2419779"/>
-              <a:ext cx="0" cy="164592"/>
-            </a:xfrm>
-            <a:prstGeom prst="line">
-              <a:avLst/>
-            </a:prstGeom>
-            <a:ln w="19050"/>
-          </p:spPr>
-          <p:style>
-            <a:lnRef idx="1">
-              <a:schemeClr val="dk1"/>
-            </a:lnRef>
-            <a:fillRef idx="0">
-              <a:schemeClr val="dk1"/>
-            </a:fillRef>
-            <a:effectRef idx="0">
-              <a:schemeClr val="dk1"/>
-            </a:effectRef>
-            <a:fontRef idx="minor">
-              <a:schemeClr val="tx1"/>
-            </a:fontRef>
-          </p:style>
-        </p:cxnSp>
-        <p:cxnSp>
-          <p:nvCxnSpPr>
-            <p:cNvPr id="1125" name="Straight Connector 1124">
-              <a:extLst>
-                <a:ext uri="{FF2B5EF4-FFF2-40B4-BE49-F238E27FC236}">
-                  <a16:creationId xmlns:a16="http://schemas.microsoft.com/office/drawing/2014/main" id="{4D6E77C5-DE63-B2FE-3840-79FDC2D2EACE}"/>
-                </a:ext>
-              </a:extLst>
-            </p:cNvPr>
-            <p:cNvCxnSpPr>
-              <a:cxnSpLocks/>
-            </p:cNvCxnSpPr>
-            <p:nvPr/>
-          </p:nvCxnSpPr>
-          <p:spPr>
-            <a:xfrm flipV="1">
-              <a:off x="10394494" y="2429105"/>
-              <a:ext cx="274320" cy="0"/>
-            </a:xfrm>
-            <a:prstGeom prst="line">
-              <a:avLst/>
-            </a:prstGeom>
-            <a:ln w="19050">
-              <a:solidFill>
-                <a:schemeClr val="tx1"/>
-              </a:solidFill>
-            </a:ln>
-          </p:spPr>
-          <p:style>
-            <a:lnRef idx="1">
-              <a:schemeClr val="accent1"/>
-            </a:lnRef>
-            <a:fillRef idx="0">
-              <a:schemeClr val="accent1"/>
-            </a:fillRef>
-            <a:effectRef idx="0">
-              <a:schemeClr val="accent1"/>
-            </a:effectRef>
-            <a:fontRef idx="minor">
-              <a:schemeClr val="tx1"/>
-            </a:fontRef>
-          </p:style>
-        </p:cxnSp>
+          <p:txBody>
+            <a:bodyPr rtlCol="0" anchor="ctr"/>
+            <a:lstStyle/>
+            <a:p>
+              <a:pPr algn="ctr"/>
+              <a:endParaRPr lang="en-US"/>
+            </a:p>
+          </p:txBody>
+        </p:sp>
       </p:grpSp>
-      <p:cxnSp>
-        <p:nvCxnSpPr>
-          <p:cNvPr id="1373" name="Straight Connector 1372">
-            <a:extLst>
-              <a:ext uri="{FF2B5EF4-FFF2-40B4-BE49-F238E27FC236}">
-                <a16:creationId xmlns:a16="http://schemas.microsoft.com/office/drawing/2014/main" id="{821D2A9B-B62B-B3D0-31F5-F9F8464082C9}"/>
-              </a:ext>
-            </a:extLst>
-          </p:cNvPr>
-          <p:cNvCxnSpPr>
-            <a:cxnSpLocks/>
-          </p:cNvCxnSpPr>
-          <p:nvPr/>
-        </p:nvCxnSpPr>
-        <p:spPr>
-          <a:xfrm flipV="1">
-            <a:off x="10517491" y="55265"/>
-            <a:ext cx="0" cy="5359589"/>
-          </a:xfrm>
-          <a:prstGeom prst="line">
-            <a:avLst/>
-          </a:prstGeom>
-          <a:ln w="19050">
-            <a:solidFill>
-              <a:schemeClr val="tx1"/>
-            </a:solidFill>
-          </a:ln>
-        </p:spPr>
-        <p:style>
-          <a:lnRef idx="1">
-            <a:schemeClr val="accent1"/>
-          </a:lnRef>
-          <a:fillRef idx="0">
-            <a:schemeClr val="accent1"/>
-          </a:fillRef>
-          <a:effectRef idx="0">
-            <a:schemeClr val="accent1"/>
-          </a:effectRef>
-          <a:fontRef idx="minor">
-            <a:schemeClr val="tx1"/>
-          </a:fontRef>
-        </p:style>
-      </p:cxnSp>
-      <p:cxnSp>
-        <p:nvCxnSpPr>
-          <p:cNvPr id="1376" name="Straight Connector 1375">
-            <a:extLst>
-              <a:ext uri="{FF2B5EF4-FFF2-40B4-BE49-F238E27FC236}">
-                <a16:creationId xmlns:a16="http://schemas.microsoft.com/office/drawing/2014/main" id="{98F4A4F6-A58F-758F-1347-A743C54CE8AF}"/>
-              </a:ext>
-            </a:extLst>
-          </p:cNvPr>
-          <p:cNvCxnSpPr>
-            <a:cxnSpLocks/>
-          </p:cNvCxnSpPr>
-          <p:nvPr/>
-        </p:nvCxnSpPr>
-        <p:spPr>
-          <a:xfrm rot="1200000" flipH="1" flipV="1">
-            <a:off x="8806780" y="202216"/>
-            <a:ext cx="1704569" cy="4951236"/>
-          </a:xfrm>
-          <a:prstGeom prst="line">
-            <a:avLst/>
-          </a:prstGeom>
-          <a:ln w="19050">
-            <a:solidFill>
-              <a:schemeClr val="tx1"/>
-            </a:solidFill>
-          </a:ln>
-        </p:spPr>
-        <p:style>
-          <a:lnRef idx="1">
-            <a:schemeClr val="accent1"/>
-          </a:lnRef>
-          <a:fillRef idx="0">
-            <a:schemeClr val="accent1"/>
-          </a:fillRef>
-          <a:effectRef idx="0">
-            <a:schemeClr val="accent1"/>
-          </a:effectRef>
-          <a:fontRef idx="minor">
-            <a:schemeClr val="tx1"/>
-          </a:fontRef>
-        </p:style>
-      </p:cxnSp>
-      <p:sp>
-        <p:nvSpPr>
-          <p:cNvPr id="1380" name="TextBox 1379">
-            <a:extLst>
-              <a:ext uri="{FF2B5EF4-FFF2-40B4-BE49-F238E27FC236}">
-                <a16:creationId xmlns:a16="http://schemas.microsoft.com/office/drawing/2014/main" id="{4A1195DC-7BE4-6DE1-D1F8-007E575B082B}"/>
-              </a:ext>
-            </a:extLst>
-          </p:cNvPr>
-          <p:cNvSpPr txBox="1"/>
-          <p:nvPr/>
-        </p:nvSpPr>
-        <p:spPr>
-          <a:xfrm rot="1200000">
-            <a:off x="3158552" y="3044352"/>
-            <a:ext cx="1024801" cy="523220"/>
-          </a:xfrm>
-          <a:prstGeom prst="rect">
-            <a:avLst/>
-          </a:prstGeom>
-          <a:noFill/>
-          <a:ln w="19050">
-            <a:noFill/>
-          </a:ln>
-        </p:spPr>
-        <p:txBody>
-          <a:bodyPr wrap="square" rtlCol="0">
-            <a:spAutoFit/>
-          </a:bodyPr>
-          <a:lstStyle/>
-          <a:p>
-            <a:pPr algn="ctr"/>
-            <a:r>
-              <a:rPr lang="en-US" sz="2800" b="1" dirty="0"/>
-              <a:t>A39</a:t>
-            </a:r>
-          </a:p>
-        </p:txBody>
-      </p:sp>
-      <p:sp>
-        <p:nvSpPr>
-          <p:cNvPr id="1381" name="TextBox 1380">
-            <a:extLst>
-              <a:ext uri="{FF2B5EF4-FFF2-40B4-BE49-F238E27FC236}">
-                <a16:creationId xmlns:a16="http://schemas.microsoft.com/office/drawing/2014/main" id="{477ABEE1-482A-6BDA-0519-3DD609D7DB1F}"/>
-              </a:ext>
-            </a:extLst>
-          </p:cNvPr>
-          <p:cNvSpPr txBox="1"/>
-          <p:nvPr/>
-        </p:nvSpPr>
-        <p:spPr>
-          <a:xfrm rot="1200000">
-            <a:off x="5381701" y="2680643"/>
-            <a:ext cx="1024801" cy="523220"/>
-          </a:xfrm>
-          <a:prstGeom prst="rect">
-            <a:avLst/>
-          </a:prstGeom>
-          <a:noFill/>
-          <a:ln w="19050">
-            <a:noFill/>
-          </a:ln>
-        </p:spPr>
-        <p:txBody>
-          <a:bodyPr wrap="square" rtlCol="0">
-            <a:spAutoFit/>
-          </a:bodyPr>
-          <a:lstStyle/>
-          <a:p>
-            <a:pPr algn="ctr"/>
-            <a:r>
-              <a:rPr lang="en-US" sz="2800" b="1" dirty="0"/>
-              <a:t>403</a:t>
-            </a:r>
-          </a:p>
-        </p:txBody>
-      </p:sp>
-      <p:sp>
-        <p:nvSpPr>
-          <p:cNvPr id="1382" name="TextBox 1381">
-            <a:extLst>
-              <a:ext uri="{FF2B5EF4-FFF2-40B4-BE49-F238E27FC236}">
-                <a16:creationId xmlns:a16="http://schemas.microsoft.com/office/drawing/2014/main" id="{8C6CDDF0-D798-27DA-5E7F-15152994F66F}"/>
-              </a:ext>
-            </a:extLst>
-          </p:cNvPr>
-          <p:cNvSpPr txBox="1"/>
-          <p:nvPr/>
-        </p:nvSpPr>
-        <p:spPr>
-          <a:xfrm rot="1200000">
-            <a:off x="1978521" y="1406009"/>
-            <a:ext cx="1024801" cy="523220"/>
-          </a:xfrm>
-          <a:prstGeom prst="rect">
-            <a:avLst/>
-          </a:prstGeom>
-          <a:noFill/>
-          <a:ln w="19050">
-            <a:noFill/>
-          </a:ln>
-        </p:spPr>
-        <p:txBody>
-          <a:bodyPr wrap="square" rtlCol="0">
-            <a:spAutoFit/>
-          </a:bodyPr>
-          <a:lstStyle/>
-          <a:p>
-            <a:pPr algn="ctr"/>
-            <a:r>
-              <a:rPr lang="en-US" sz="2800" b="1" dirty="0"/>
-              <a:t>405</a:t>
-            </a:r>
-          </a:p>
-        </p:txBody>
-      </p:sp>
-      <p:sp>
-        <p:nvSpPr>
-          <p:cNvPr id="1388" name="TextBox 1387">
-            <a:extLst>
-              <a:ext uri="{FF2B5EF4-FFF2-40B4-BE49-F238E27FC236}">
-                <a16:creationId xmlns:a16="http://schemas.microsoft.com/office/drawing/2014/main" id="{1FA164E9-3BAF-5F85-F3B1-FE8BECBCD11D}"/>
-              </a:ext>
-            </a:extLst>
-          </p:cNvPr>
-          <p:cNvSpPr txBox="1"/>
-          <p:nvPr/>
-        </p:nvSpPr>
-        <p:spPr>
-          <a:xfrm rot="1200000">
-            <a:off x="7908991" y="3769691"/>
-            <a:ext cx="1024801" cy="523220"/>
-          </a:xfrm>
-          <a:prstGeom prst="rect">
-            <a:avLst/>
-          </a:prstGeom>
-          <a:noFill/>
-          <a:ln w="19050">
-            <a:noFill/>
-          </a:ln>
-        </p:spPr>
-        <p:txBody>
-          <a:bodyPr wrap="square" rtlCol="0">
-            <a:spAutoFit/>
-          </a:bodyPr>
-          <a:lstStyle/>
-          <a:p>
-            <a:pPr algn="ctr"/>
-            <a:r>
-              <a:rPr lang="en-US" sz="2800" b="1" dirty="0"/>
-              <a:t>401</a:t>
-            </a:r>
-          </a:p>
-        </p:txBody>
-      </p:sp>
-      <p:sp>
-        <p:nvSpPr>
-          <p:cNvPr id="1429" name="TextBox 1428">
-            <a:extLst>
-              <a:ext uri="{FF2B5EF4-FFF2-40B4-BE49-F238E27FC236}">
-                <a16:creationId xmlns:a16="http://schemas.microsoft.com/office/drawing/2014/main" id="{9FC47FB7-8104-5C69-780E-B2B7BDC27904}"/>
-              </a:ext>
-            </a:extLst>
-          </p:cNvPr>
-          <p:cNvSpPr txBox="1"/>
-          <p:nvPr/>
-        </p:nvSpPr>
-        <p:spPr>
-          <a:xfrm rot="5388660">
-            <a:off x="8655535" y="2703835"/>
-            <a:ext cx="2889507" cy="369332"/>
-          </a:xfrm>
-          <a:prstGeom prst="rect">
-            <a:avLst/>
-          </a:prstGeom>
-          <a:noFill/>
-          <a:ln w="19050">
-            <a:noFill/>
-          </a:ln>
-        </p:spPr>
-        <p:txBody>
-          <a:bodyPr wrap="square" rtlCol="0">
-            <a:spAutoFit/>
-          </a:bodyPr>
-          <a:lstStyle/>
-          <a:p>
-            <a:pPr algn="ctr"/>
-            <a:r>
-              <a:rPr lang="en-US" b="1" dirty="0"/>
-              <a:t>Ang Mo Kio Ave 10</a:t>
-            </a:r>
-          </a:p>
-        </p:txBody>
-      </p:sp>
-      <p:cxnSp>
-        <p:nvCxnSpPr>
-          <p:cNvPr id="1434" name="Straight Connector 1433">
-            <a:extLst>
-              <a:ext uri="{FF2B5EF4-FFF2-40B4-BE49-F238E27FC236}">
-                <a16:creationId xmlns:a16="http://schemas.microsoft.com/office/drawing/2014/main" id="{750AECE7-26F1-5A30-C337-363C9C186E2C}"/>
-              </a:ext>
-            </a:extLst>
-          </p:cNvPr>
-          <p:cNvCxnSpPr/>
-          <p:nvPr/>
-        </p:nvCxnSpPr>
-        <p:spPr>
-          <a:xfrm rot="1200000" flipH="1">
-            <a:off x="6403759" y="4657873"/>
-            <a:ext cx="1280160" cy="0"/>
-          </a:xfrm>
-          <a:prstGeom prst="line">
-            <a:avLst/>
-          </a:prstGeom>
-          <a:ln w="19050">
-            <a:solidFill>
-              <a:schemeClr val="tx1"/>
-            </a:solidFill>
-          </a:ln>
-        </p:spPr>
-        <p:style>
-          <a:lnRef idx="1">
-            <a:schemeClr val="accent1"/>
-          </a:lnRef>
-          <a:fillRef idx="0">
-            <a:schemeClr val="accent1"/>
-          </a:fillRef>
-          <a:effectRef idx="0">
-            <a:schemeClr val="accent1"/>
-          </a:effectRef>
-          <a:fontRef idx="minor">
-            <a:schemeClr val="tx1"/>
-          </a:fontRef>
-        </p:style>
-      </p:cxnSp>
-      <p:cxnSp>
-        <p:nvCxnSpPr>
-          <p:cNvPr id="1453" name="Straight Connector 1452">
-            <a:extLst>
-              <a:ext uri="{FF2B5EF4-FFF2-40B4-BE49-F238E27FC236}">
-                <a16:creationId xmlns:a16="http://schemas.microsoft.com/office/drawing/2014/main" id="{A16F6473-ED56-196F-B065-46251C60F588}"/>
-              </a:ext>
-            </a:extLst>
-          </p:cNvPr>
-          <p:cNvCxnSpPr/>
-          <p:nvPr/>
-        </p:nvCxnSpPr>
-        <p:spPr>
-          <a:xfrm rot="1200000" flipH="1">
-            <a:off x="7685939" y="4589825"/>
-            <a:ext cx="0" cy="301752"/>
-          </a:xfrm>
-          <a:prstGeom prst="line">
-            <a:avLst/>
-          </a:prstGeom>
-          <a:ln w="19050"/>
-        </p:spPr>
-        <p:style>
-          <a:lnRef idx="1">
-            <a:schemeClr val="dk1"/>
-          </a:lnRef>
-          <a:fillRef idx="0">
-            <a:schemeClr val="dk1"/>
-          </a:fillRef>
-          <a:effectRef idx="0">
-            <a:schemeClr val="dk1"/>
-          </a:effectRef>
-          <a:fontRef idx="minor">
-            <a:schemeClr val="tx1"/>
-          </a:fontRef>
-        </p:style>
-      </p:cxnSp>
-      <p:sp>
-        <p:nvSpPr>
-          <p:cNvPr id="1465" name="Arc 1464">
-            <a:extLst>
-              <a:ext uri="{FF2B5EF4-FFF2-40B4-BE49-F238E27FC236}">
-                <a16:creationId xmlns:a16="http://schemas.microsoft.com/office/drawing/2014/main" id="{28FA9ABE-BDD1-EA12-FCEC-9EFFDF20A222}"/>
-              </a:ext>
-            </a:extLst>
-          </p:cNvPr>
-          <p:cNvSpPr/>
-          <p:nvPr/>
-        </p:nvSpPr>
-        <p:spPr>
-          <a:xfrm rot="1449277">
-            <a:off x="6106411" y="4036245"/>
-            <a:ext cx="360723" cy="657857"/>
-          </a:xfrm>
-          <a:prstGeom prst="arc">
-            <a:avLst>
-              <a:gd name="adj1" fmla="val 14447319"/>
-              <a:gd name="adj2" fmla="val 0"/>
-            </a:avLst>
-          </a:prstGeom>
-          <a:ln w="19050"/>
-        </p:spPr>
-        <p:style>
-          <a:lnRef idx="1">
-            <a:schemeClr val="dk1"/>
-          </a:lnRef>
-          <a:fillRef idx="0">
-            <a:schemeClr val="dk1"/>
-          </a:fillRef>
-          <a:effectRef idx="0">
-            <a:schemeClr val="dk1"/>
-          </a:effectRef>
-          <a:fontRef idx="minor">
-            <a:schemeClr val="tx1"/>
-          </a:fontRef>
-        </p:style>
-        <p:txBody>
-          <a:bodyPr rtlCol="0" anchor="ctr"/>
-          <a:lstStyle/>
-          <a:p>
-            <a:pPr algn="ctr"/>
-            <a:endParaRPr lang="en-US"/>
-          </a:p>
-        </p:txBody>
-      </p:sp>
     </p:spTree>
     <p:extLst>
       <p:ext uri="{BB962C8B-B14F-4D97-AF65-F5344CB8AC3E}">
